--- a/Roblox_Minecraft_menores.pptx
+++ b/Roblox_Minecraft_menores.pptx
@@ -132,6 +132,11 @@
       </a:defRPr>
     </a:lvl9pPr>
   </p:defaultTextStyle>
+  <p:extLst>
+    <p:ext uri="{EFAFB233-063F-42B5-8137-9DF3F51BA10A}">
+      <p15:sldGuideLst xmlns:p15="http://schemas.microsoft.com/office/powerpoint/2012/main"/>
+    </p:ext>
+  </p:extLst>
 </p:presentation>
 </file>
 
@@ -2468,10 +2473,18 @@
         <a:lstStyle/>
         <a:p>
           <a:r>
-            <a:rPr lang="es-CL" b="1"/>
-            <a:t>🟦 En Roblox:</a:t>
+            <a:rPr lang="es-CL" b="1" dirty="0"/>
+            <a:t>🟦 En </a:t>
           </a:r>
-          <a:endParaRPr lang="en-US"/>
+          <a:r>
+            <a:rPr lang="es-CL" b="1" dirty="0" err="1"/>
+            <a:t>Roblox</a:t>
+          </a:r>
+          <a:r>
+            <a:rPr lang="es-CL" b="1" dirty="0"/>
+            <a:t>:</a:t>
+          </a:r>
+          <a:endParaRPr lang="en-US" dirty="0"/>
         </a:p>
       </dgm:t>
     </dgm:pt>
@@ -2505,18 +2518,18 @@
         <a:lstStyle/>
         <a:p>
           <a:r>
-            <a:rPr lang="es-CL"/>
+            <a:rPr lang="es-CL" dirty="0"/>
             <a:t>Hay </a:t>
           </a:r>
           <a:r>
-            <a:rPr lang="es-CL" b="1"/>
+            <a:rPr lang="es-CL" b="1" dirty="0"/>
             <a:t>millones de personas</a:t>
           </a:r>
           <a:r>
-            <a:rPr lang="es-CL"/>
+            <a:rPr lang="es-CL" dirty="0"/>
             <a:t> jugando al mismo tiempo</a:t>
           </a:r>
-          <a:endParaRPr lang="en-US"/>
+          <a:endParaRPr lang="en-US" dirty="0"/>
         </a:p>
       </dgm:t>
     </dgm:pt>
@@ -2550,14 +2563,14 @@
         <a:lstStyle/>
         <a:p>
           <a:r>
-            <a:rPr lang="es-CL" b="1"/>
+            <a:rPr lang="es-CL" b="1" dirty="0"/>
             <a:t>No todos son niños</a:t>
           </a:r>
           <a:r>
-            <a:rPr lang="es-CL"/>
+            <a:rPr lang="es-CL" dirty="0"/>
             <a:t> como tú - también hay adolescentes y adultos</a:t>
           </a:r>
-          <a:endParaRPr lang="en-US"/>
+          <a:endParaRPr lang="en-US" dirty="0"/>
         </a:p>
       </dgm:t>
     </dgm:pt>
@@ -2591,18 +2604,18 @@
         <a:lstStyle/>
         <a:p>
           <a:r>
-            <a:rPr lang="es-CL"/>
+            <a:rPr lang="es-CL" dirty="0"/>
             <a:t>Algunas personas pueden </a:t>
           </a:r>
           <a:r>
-            <a:rPr lang="es-CL" b="1"/>
+            <a:rPr lang="es-CL" b="1" dirty="0"/>
             <a:t>pretender ser niños</a:t>
           </a:r>
           <a:r>
-            <a:rPr lang="es-CL"/>
+            <a:rPr lang="es-CL" dirty="0"/>
             <a:t> cuando no lo son</a:t>
           </a:r>
-          <a:endParaRPr lang="en-US"/>
+          <a:endParaRPr lang="en-US" dirty="0"/>
         </a:p>
       </dgm:t>
     </dgm:pt>
@@ -2636,18 +2649,18 @@
         <a:lstStyle/>
         <a:p>
           <a:r>
-            <a:rPr lang="es-CL"/>
+            <a:rPr lang="es-CL" dirty="0"/>
             <a:t>Hay </a:t>
           </a:r>
           <a:r>
-            <a:rPr lang="es-CL" b="1"/>
+            <a:rPr lang="es-CL" b="1" dirty="0"/>
             <a:t>juegos creados por diferentes personas</a:t>
           </a:r>
           <a:r>
-            <a:rPr lang="es-CL"/>
+            <a:rPr lang="es-CL" dirty="0"/>
             <a:t>, y no todos son apropiados</a:t>
           </a:r>
-          <a:endParaRPr lang="en-US"/>
+          <a:endParaRPr lang="en-US" dirty="0"/>
         </a:p>
       </dgm:t>
     </dgm:pt>
@@ -2829,10 +2842,10 @@
         <a:lstStyle/>
         <a:p>
           <a:r>
-            <a:rPr lang="es-CL" b="1"/>
+            <a:rPr lang="es-CL" b="1" dirty="0"/>
             <a:t>💝 ¡Eres Increíble!</a:t>
           </a:r>
-          <a:endParaRPr lang="en-US"/>
+          <a:endParaRPr lang="en-US" dirty="0"/>
         </a:p>
       </dgm:t>
     </dgm:pt>
@@ -2866,14 +2879,14 @@
         <a:lstStyle/>
         <a:p>
           <a:r>
-            <a:rPr lang="es-CL" b="1"/>
+            <a:rPr lang="es-CL" b="1" dirty="0"/>
             <a:t>🌟 No es tu culpa</a:t>
           </a:r>
           <a:r>
-            <a:rPr lang="es-CL"/>
+            <a:rPr lang="es-CL" dirty="0"/>
             <a:t> si alguien actúa mal online</a:t>
           </a:r>
-          <a:endParaRPr lang="en-US"/>
+          <a:endParaRPr lang="en-US" dirty="0"/>
         </a:p>
       </dgm:t>
     </dgm:pt>
@@ -2907,14 +2920,14 @@
         <a:lstStyle/>
         <a:p>
           <a:r>
-            <a:rPr lang="es-CL" b="1"/>
+            <a:rPr lang="es-CL" b="1" dirty="0"/>
             <a:t>🌟 Siempre puedes pedir ayuda</a:t>
           </a:r>
           <a:r>
-            <a:rPr lang="es-CL"/>
+            <a:rPr lang="es-CL" dirty="0"/>
             <a:t> - Los adultos están de tu lado</a:t>
           </a:r>
-          <a:endParaRPr lang="en-US"/>
+          <a:endParaRPr lang="en-US" dirty="0"/>
         </a:p>
       </dgm:t>
     </dgm:pt>
@@ -2948,14 +2961,14 @@
         <a:lstStyle/>
         <a:p>
           <a:r>
-            <a:rPr lang="es-CL" b="1"/>
+            <a:rPr lang="es-CL" b="1" dirty="0"/>
             <a:t>🌟 Está bien sentirse confundido</a:t>
           </a:r>
           <a:r>
-            <a:rPr lang="es-CL"/>
+            <a:rPr lang="es-CL" dirty="0"/>
             <a:t> - Hacer preguntas es inteligente</a:t>
           </a:r>
-          <a:endParaRPr lang="en-US"/>
+          <a:endParaRPr lang="en-US" dirty="0"/>
         </a:p>
       </dgm:t>
     </dgm:pt>
@@ -2989,14 +3002,14 @@
         <a:lstStyle/>
         <a:p>
           <a:r>
-            <a:rPr lang="es-CL" b="1"/>
+            <a:rPr lang="es-CL" b="1" dirty="0"/>
             <a:t>🌟 Puedes divertirte Y estar seguro</a:t>
           </a:r>
           <a:r>
-            <a:rPr lang="es-CL"/>
+            <a:rPr lang="es-CL" dirty="0"/>
             <a:t> - ¡Las dos cosas a la vez!</a:t>
           </a:r>
-          <a:endParaRPr lang="en-US"/>
+          <a:endParaRPr lang="en-US" dirty="0"/>
         </a:p>
       </dgm:t>
     </dgm:pt>
@@ -3030,14 +3043,14 @@
         <a:lstStyle/>
         <a:p>
           <a:r>
-            <a:rPr lang="es-CL" b="1"/>
+            <a:rPr lang="es-CL" b="1" dirty="0"/>
             <a:t>🌟 Eres lo suficientemente inteligente</a:t>
           </a:r>
           <a:r>
-            <a:rPr lang="es-CL"/>
+            <a:rPr lang="es-CL" dirty="0"/>
             <a:t> para tomar buenas decisiones</a:t>
           </a:r>
-          <a:endParaRPr lang="en-US"/>
+          <a:endParaRPr lang="en-US" dirty="0"/>
         </a:p>
       </dgm:t>
     </dgm:pt>
@@ -3071,10 +3084,18 @@
         <a:lstStyle/>
         <a:p>
           <a:r>
-            <a:rPr lang="es-CL" b="1"/>
-            <a:t>🎯 Tu Misión como Gamer Inteligente:</a:t>
+            <a:rPr lang="es-CL" b="1" dirty="0"/>
+            <a:t>🎯 Tu Misión como </a:t>
           </a:r>
-          <a:endParaRPr lang="en-US"/>
+          <a:r>
+            <a:rPr lang="es-CL" b="1" dirty="0" err="1"/>
+            <a:t>Gamer</a:t>
+          </a:r>
+          <a:r>
+            <a:rPr lang="es-CL" b="1" dirty="0"/>
+            <a:t> Inteligente:</a:t>
+          </a:r>
+          <a:endParaRPr lang="en-US" dirty="0"/>
         </a:p>
       </dgm:t>
     </dgm:pt>
@@ -3108,18 +3129,18 @@
         <a:lstStyle/>
         <a:p>
           <a:r>
-            <a:rPr lang="es-CL"/>
+            <a:rPr lang="es-CL" dirty="0"/>
             <a:t>✅ </a:t>
           </a:r>
           <a:r>
-            <a:rPr lang="es-CL" b="1"/>
+            <a:rPr lang="es-CL" b="1" dirty="0"/>
             <a:t>Divertirte muchísimo</a:t>
           </a:r>
           <a:r>
-            <a:rPr lang="es-CL"/>
+            <a:rPr lang="es-CL" dirty="0"/>
             <a:t> jugando de manera segura</a:t>
           </a:r>
-          <a:endParaRPr lang="en-US"/>
+          <a:endParaRPr lang="en-US" dirty="0"/>
         </a:p>
       </dgm:t>
     </dgm:pt>
@@ -3153,18 +3174,18 @@
         <a:lstStyle/>
         <a:p>
           <a:r>
-            <a:rPr lang="es-CL"/>
+            <a:rPr lang="es-CL" dirty="0"/>
             <a:t>✅ </a:t>
           </a:r>
           <a:r>
-            <a:rPr lang="es-CL" b="1"/>
+            <a:rPr lang="es-CL" b="1" dirty="0"/>
             <a:t>Ayudar a otros niños</a:t>
           </a:r>
           <a:r>
-            <a:rPr lang="es-CL"/>
+            <a:rPr lang="es-CL" dirty="0"/>
             <a:t> compartiendo lo que sabes</a:t>
           </a:r>
-          <a:endParaRPr lang="en-US"/>
+          <a:endParaRPr lang="en-US" dirty="0"/>
         </a:p>
       </dgm:t>
     </dgm:pt>
@@ -3198,18 +3219,22 @@
         <a:lstStyle/>
         <a:p>
           <a:r>
-            <a:rPr lang="es-CL"/>
+            <a:rPr lang="es-CL" dirty="0"/>
             <a:t>✅ </a:t>
           </a:r>
           <a:r>
-            <a:rPr lang="es-CL" b="1"/>
+            <a:rPr lang="es-CL" b="1" dirty="0"/>
             <a:t>Contarles a tus papás</a:t>
           </a:r>
           <a:r>
-            <a:rPr lang="es-CL"/>
-            <a:t> sobre tus aventuras gaming</a:t>
+            <a:rPr lang="es-CL" dirty="0"/>
+            <a:t> sobre tus aventuras </a:t>
           </a:r>
-          <a:endParaRPr lang="en-US"/>
+          <a:r>
+            <a:rPr lang="es-CL" dirty="0" err="1"/>
+            <a:t>gaming</a:t>
+          </a:r>
+          <a:endParaRPr lang="en-US" dirty="0"/>
         </a:p>
       </dgm:t>
     </dgm:pt>
@@ -3243,18 +3268,18 @@
         <a:lstStyle/>
         <a:p>
           <a:r>
-            <a:rPr lang="es-CL"/>
+            <a:rPr lang="es-CL" dirty="0"/>
             <a:t>✅ </a:t>
           </a:r>
           <a:r>
-            <a:rPr lang="es-CL" b="1"/>
+            <a:rPr lang="es-CL" b="1" dirty="0"/>
             <a:t>Ser un ejemplo</a:t>
           </a:r>
           <a:r>
-            <a:rPr lang="es-CL"/>
+            <a:rPr lang="es-CL" dirty="0"/>
             <a:t> de cómo jugar de manera inteligente</a:t>
           </a:r>
-          <a:endParaRPr lang="en-US"/>
+          <a:endParaRPr lang="en-US" dirty="0"/>
         </a:p>
       </dgm:t>
     </dgm:pt>
@@ -3401,10 +3426,10 @@
         <a:lstStyle/>
         <a:p>
           <a:r>
-            <a:rPr lang="es-CL" b="1"/>
+            <a:rPr lang="es-CL" b="1" dirty="0"/>
             <a:t>🏆 Has Aprendido a:</a:t>
           </a:r>
-          <a:endParaRPr lang="en-US"/>
+          <a:endParaRPr lang="en-US" dirty="0"/>
         </a:p>
       </dgm:t>
     </dgm:pt>
@@ -3438,18 +3463,18 @@
         <a:lstStyle/>
         <a:p>
           <a:r>
-            <a:rPr lang="es-CL"/>
+            <a:rPr lang="es-CL" dirty="0"/>
             <a:t>🛡️ </a:t>
           </a:r>
           <a:r>
-            <a:rPr lang="es-CL" b="1"/>
+            <a:rPr lang="es-CL" b="1" dirty="0"/>
             <a:t>Protegerte</a:t>
           </a:r>
           <a:r>
-            <a:rPr lang="es-CL"/>
+            <a:rPr lang="es-CL" dirty="0"/>
             <a:t> mientras juegas</a:t>
           </a:r>
-          <a:endParaRPr lang="en-US"/>
+          <a:endParaRPr lang="en-US" dirty="0"/>
         </a:p>
       </dgm:t>
     </dgm:pt>
@@ -3483,18 +3508,18 @@
         <a:lstStyle/>
         <a:p>
           <a:r>
-            <a:rPr lang="es-CL"/>
+            <a:rPr lang="es-CL" dirty="0"/>
             <a:t>🧠 </a:t>
           </a:r>
           <a:r>
-            <a:rPr lang="es-CL" b="1"/>
+            <a:rPr lang="es-CL" b="1" dirty="0"/>
             <a:t>Pensar antes de actuar</a:t>
           </a:r>
           <a:r>
-            <a:rPr lang="es-CL"/>
+            <a:rPr lang="es-CL" dirty="0"/>
             <a:t> online</a:t>
           </a:r>
-          <a:endParaRPr lang="en-US"/>
+          <a:endParaRPr lang="en-US" dirty="0"/>
         </a:p>
       </dgm:t>
     </dgm:pt>
@@ -3528,18 +3553,18 @@
         <a:lstStyle/>
         <a:p>
           <a:r>
-            <a:rPr lang="es-CL"/>
+            <a:rPr lang="es-CL" dirty="0"/>
             <a:t>👨‍👩‍👧‍👦 </a:t>
           </a:r>
           <a:r>
-            <a:rPr lang="es-CL" b="1"/>
+            <a:rPr lang="es-CL" b="1" dirty="0"/>
             <a:t>Trabajar en equipo</a:t>
           </a:r>
           <a:r>
-            <a:rPr lang="es-CL"/>
+            <a:rPr lang="es-CL" dirty="0"/>
             <a:t> con tus papás</a:t>
           </a:r>
-          <a:endParaRPr lang="en-US"/>
+          <a:endParaRPr lang="en-US" dirty="0"/>
         </a:p>
       </dgm:t>
     </dgm:pt>
@@ -3573,14 +3598,14 @@
         <a:lstStyle/>
         <a:p>
           <a:r>
-            <a:rPr lang="es-CL"/>
+            <a:rPr lang="es-CL" dirty="0"/>
             <a:t>🎮 </a:t>
           </a:r>
           <a:r>
-            <a:rPr lang="es-CL" b="1"/>
+            <a:rPr lang="es-CL" b="1" dirty="0"/>
             <a:t>Divertirte de manera inteligente</a:t>
           </a:r>
-          <a:endParaRPr lang="en-US"/>
+          <a:endParaRPr lang="en-US" dirty="0"/>
         </a:p>
       </dgm:t>
     </dgm:pt>
@@ -3614,18 +3639,18 @@
         <a:lstStyle/>
         <a:p>
           <a:r>
-            <a:rPr lang="es-CL"/>
+            <a:rPr lang="es-CL" dirty="0"/>
             <a:t>🌟 </a:t>
           </a:r>
           <a:r>
-            <a:rPr lang="es-CL" b="1"/>
+            <a:rPr lang="es-CL" b="1" dirty="0"/>
             <a:t>Ser un ejemplo</a:t>
           </a:r>
           <a:r>
-            <a:rPr lang="es-CL"/>
+            <a:rPr lang="es-CL" dirty="0"/>
             <a:t> para otros niños</a:t>
           </a:r>
-          <a:endParaRPr lang="en-US"/>
+          <a:endParaRPr lang="en-US" dirty="0"/>
         </a:p>
       </dgm:t>
     </dgm:pt>
@@ -3915,10 +3940,18 @@
             <a:buNone/>
           </a:pPr>
           <a:r>
-            <a:rPr lang="es-CL" sz="2900" b="1" kern="1200"/>
-            <a:t>🟦 En Roblox:</a:t>
+            <a:rPr lang="es-CL" sz="2900" b="1" kern="1200" dirty="0"/>
+            <a:t>🟦 En </a:t>
           </a:r>
-          <a:endParaRPr lang="en-US" sz="2900" kern="1200"/>
+          <a:r>
+            <a:rPr lang="es-CL" sz="2900" b="1" kern="1200" dirty="0" err="1"/>
+            <a:t>Roblox</a:t>
+          </a:r>
+          <a:r>
+            <a:rPr lang="es-CL" sz="2900" b="1" kern="1200" dirty="0"/>
+            <a:t>:</a:t>
+          </a:r>
+          <a:endParaRPr lang="en-US" sz="2900" kern="1200" dirty="0"/>
         </a:p>
       </dsp:txBody>
       <dsp:txXfrm>
@@ -4026,18 +4059,18 @@
             <a:buNone/>
           </a:pPr>
           <a:r>
-            <a:rPr lang="es-CL" sz="2900" kern="1200"/>
+            <a:rPr lang="es-CL" sz="2900" kern="1200" dirty="0"/>
             <a:t>Hay </a:t>
           </a:r>
           <a:r>
-            <a:rPr lang="es-CL" sz="2900" b="1" kern="1200"/>
+            <a:rPr lang="es-CL" sz="2900" b="1" kern="1200" dirty="0"/>
             <a:t>millones de personas</a:t>
           </a:r>
           <a:r>
-            <a:rPr lang="es-CL" sz="2900" kern="1200"/>
+            <a:rPr lang="es-CL" sz="2900" kern="1200" dirty="0"/>
             <a:t> jugando al mismo tiempo</a:t>
           </a:r>
-          <a:endParaRPr lang="en-US" sz="2900" kern="1200"/>
+          <a:endParaRPr lang="en-US" sz="2900" kern="1200" dirty="0"/>
         </a:p>
       </dsp:txBody>
       <dsp:txXfrm>
@@ -4145,14 +4178,14 @@
             <a:buNone/>
           </a:pPr>
           <a:r>
-            <a:rPr lang="es-CL" sz="2900" b="1" kern="1200"/>
+            <a:rPr lang="es-CL" sz="2900" b="1" kern="1200" dirty="0"/>
             <a:t>No todos son niños</a:t>
           </a:r>
           <a:r>
-            <a:rPr lang="es-CL" sz="2900" kern="1200"/>
+            <a:rPr lang="es-CL" sz="2900" kern="1200" dirty="0"/>
             <a:t> como tú - también hay adolescentes y adultos</a:t>
           </a:r>
-          <a:endParaRPr lang="en-US" sz="2900" kern="1200"/>
+          <a:endParaRPr lang="en-US" sz="2900" kern="1200" dirty="0"/>
         </a:p>
       </dsp:txBody>
       <dsp:txXfrm>
@@ -4260,18 +4293,18 @@
             <a:buNone/>
           </a:pPr>
           <a:r>
-            <a:rPr lang="es-CL" sz="2900" kern="1200"/>
+            <a:rPr lang="es-CL" sz="2900" kern="1200" dirty="0"/>
             <a:t>Algunas personas pueden </a:t>
           </a:r>
           <a:r>
-            <a:rPr lang="es-CL" sz="2900" b="1" kern="1200"/>
+            <a:rPr lang="es-CL" sz="2900" b="1" kern="1200" dirty="0"/>
             <a:t>pretender ser niños</a:t>
           </a:r>
           <a:r>
-            <a:rPr lang="es-CL" sz="2900" kern="1200"/>
+            <a:rPr lang="es-CL" sz="2900" kern="1200" dirty="0"/>
             <a:t> cuando no lo son</a:t>
           </a:r>
-          <a:endParaRPr lang="en-US" sz="2900" kern="1200"/>
+          <a:endParaRPr lang="en-US" sz="2900" kern="1200" dirty="0"/>
         </a:p>
       </dsp:txBody>
       <dsp:txXfrm>
@@ -4379,18 +4412,18 @@
             <a:buNone/>
           </a:pPr>
           <a:r>
-            <a:rPr lang="es-CL" sz="2900" kern="1200"/>
+            <a:rPr lang="es-CL" sz="2900" kern="1200" dirty="0"/>
             <a:t>Hay </a:t>
           </a:r>
           <a:r>
-            <a:rPr lang="es-CL" sz="2900" b="1" kern="1200"/>
+            <a:rPr lang="es-CL" sz="2900" b="1" kern="1200" dirty="0"/>
             <a:t>juegos creados por diferentes personas</a:t>
           </a:r>
           <a:r>
-            <a:rPr lang="es-CL" sz="2900" kern="1200"/>
+            <a:rPr lang="es-CL" sz="2900" kern="1200" dirty="0"/>
             <a:t>, y no todos son apropiados</a:t>
           </a:r>
-          <a:endParaRPr lang="en-US" sz="2900" kern="1200"/>
+          <a:endParaRPr lang="en-US" sz="2900" kern="1200" dirty="0"/>
         </a:p>
       </dsp:txBody>
       <dsp:txXfrm>
@@ -4480,14 +4513,14 @@
             <a:buChar char="•"/>
           </a:pPr>
           <a:r>
-            <a:rPr lang="es-CL" sz="1600" b="1" kern="1200"/>
+            <a:rPr lang="es-CL" sz="1600" b="1" kern="1200" dirty="0"/>
             <a:t>🌟 No es tu culpa</a:t>
           </a:r>
           <a:r>
-            <a:rPr lang="es-CL" sz="1600" kern="1200"/>
+            <a:rPr lang="es-CL" sz="1600" kern="1200" dirty="0"/>
             <a:t> si alguien actúa mal online</a:t>
           </a:r>
-          <a:endParaRPr lang="en-US" sz="1600" kern="1200"/>
+          <a:endParaRPr lang="en-US" sz="1600" kern="1200" dirty="0"/>
         </a:p>
         <a:p>
           <a:pPr marL="171450" lvl="1" indent="-171450" algn="l" defTabSz="711200">
@@ -4503,14 +4536,14 @@
             <a:buChar char="•"/>
           </a:pPr>
           <a:r>
-            <a:rPr lang="es-CL" sz="1600" b="1" kern="1200"/>
+            <a:rPr lang="es-CL" sz="1600" b="1" kern="1200" dirty="0"/>
             <a:t>🌟 Siempre puedes pedir ayuda</a:t>
           </a:r>
           <a:r>
-            <a:rPr lang="es-CL" sz="1600" kern="1200"/>
+            <a:rPr lang="es-CL" sz="1600" kern="1200" dirty="0"/>
             <a:t> - Los adultos están de tu lado</a:t>
           </a:r>
-          <a:endParaRPr lang="en-US" sz="1600" kern="1200"/>
+          <a:endParaRPr lang="en-US" sz="1600" kern="1200" dirty="0"/>
         </a:p>
         <a:p>
           <a:pPr marL="171450" lvl="1" indent="-171450" algn="l" defTabSz="711200">
@@ -4526,14 +4559,14 @@
             <a:buChar char="•"/>
           </a:pPr>
           <a:r>
-            <a:rPr lang="es-CL" sz="1600" b="1" kern="1200"/>
+            <a:rPr lang="es-CL" sz="1600" b="1" kern="1200" dirty="0"/>
             <a:t>🌟 Está bien sentirse confundido</a:t>
           </a:r>
           <a:r>
-            <a:rPr lang="es-CL" sz="1600" kern="1200"/>
+            <a:rPr lang="es-CL" sz="1600" kern="1200" dirty="0"/>
             <a:t> - Hacer preguntas es inteligente</a:t>
           </a:r>
-          <a:endParaRPr lang="en-US" sz="1600" kern="1200"/>
+          <a:endParaRPr lang="en-US" sz="1600" kern="1200" dirty="0"/>
         </a:p>
         <a:p>
           <a:pPr marL="171450" lvl="1" indent="-171450" algn="l" defTabSz="711200">
@@ -4549,14 +4582,14 @@
             <a:buChar char="•"/>
           </a:pPr>
           <a:r>
-            <a:rPr lang="es-CL" sz="1600" b="1" kern="1200"/>
+            <a:rPr lang="es-CL" sz="1600" b="1" kern="1200" dirty="0"/>
             <a:t>🌟 Puedes divertirte Y estar seguro</a:t>
           </a:r>
           <a:r>
-            <a:rPr lang="es-CL" sz="1600" kern="1200"/>
+            <a:rPr lang="es-CL" sz="1600" kern="1200" dirty="0"/>
             <a:t> - ¡Las dos cosas a la vez!</a:t>
           </a:r>
-          <a:endParaRPr lang="en-US" sz="1600" kern="1200"/>
+          <a:endParaRPr lang="en-US" sz="1600" kern="1200" dirty="0"/>
         </a:p>
         <a:p>
           <a:pPr marL="171450" lvl="1" indent="-171450" algn="l" defTabSz="711200">
@@ -4572,14 +4605,14 @@
             <a:buChar char="•"/>
           </a:pPr>
           <a:r>
-            <a:rPr lang="es-CL" sz="1600" b="1" kern="1200"/>
+            <a:rPr lang="es-CL" sz="1600" b="1" kern="1200" dirty="0"/>
             <a:t>🌟 Eres lo suficientemente inteligente</a:t>
           </a:r>
           <a:r>
-            <a:rPr lang="es-CL" sz="1600" kern="1200"/>
+            <a:rPr lang="es-CL" sz="1600" kern="1200" dirty="0"/>
             <a:t> para tomar buenas decisiones</a:t>
           </a:r>
-          <a:endParaRPr lang="en-US" sz="1600" kern="1200"/>
+          <a:endParaRPr lang="en-US" sz="1600" kern="1200" dirty="0"/>
         </a:p>
       </dsp:txBody>
       <dsp:txXfrm rot="-5400000">
@@ -4655,10 +4688,10 @@
             <a:buNone/>
           </a:pPr>
           <a:r>
-            <a:rPr lang="es-CL" sz="4000" b="1" kern="1200"/>
+            <a:rPr lang="es-CL" sz="4000" b="1" kern="1200" dirty="0"/>
             <a:t>💝 ¡Eres Increíble!</a:t>
           </a:r>
-          <a:endParaRPr lang="en-US" sz="4000" kern="1200"/>
+          <a:endParaRPr lang="en-US" sz="4000" kern="1200" dirty="0"/>
         </a:p>
       </dsp:txBody>
       <dsp:txXfrm>
@@ -4736,18 +4769,18 @@
             <a:buChar char="•"/>
           </a:pPr>
           <a:r>
-            <a:rPr lang="es-CL" sz="1600" kern="1200"/>
+            <a:rPr lang="es-CL" sz="1600" kern="1200" dirty="0"/>
             <a:t>✅ </a:t>
           </a:r>
           <a:r>
-            <a:rPr lang="es-CL" sz="1600" b="1" kern="1200"/>
+            <a:rPr lang="es-CL" sz="1600" b="1" kern="1200" dirty="0"/>
             <a:t>Divertirte muchísimo</a:t>
           </a:r>
           <a:r>
-            <a:rPr lang="es-CL" sz="1600" kern="1200"/>
+            <a:rPr lang="es-CL" sz="1600" kern="1200" dirty="0"/>
             <a:t> jugando de manera segura</a:t>
           </a:r>
-          <a:endParaRPr lang="en-US" sz="1600" kern="1200"/>
+          <a:endParaRPr lang="en-US" sz="1600" kern="1200" dirty="0"/>
         </a:p>
         <a:p>
           <a:pPr marL="171450" lvl="1" indent="-171450" algn="l" defTabSz="711200">
@@ -4763,18 +4796,18 @@
             <a:buChar char="•"/>
           </a:pPr>
           <a:r>
-            <a:rPr lang="es-CL" sz="1600" kern="1200"/>
+            <a:rPr lang="es-CL" sz="1600" kern="1200" dirty="0"/>
             <a:t>✅ </a:t>
           </a:r>
           <a:r>
-            <a:rPr lang="es-CL" sz="1600" b="1" kern="1200"/>
+            <a:rPr lang="es-CL" sz="1600" b="1" kern="1200" dirty="0"/>
             <a:t>Ayudar a otros niños</a:t>
           </a:r>
           <a:r>
-            <a:rPr lang="es-CL" sz="1600" kern="1200"/>
+            <a:rPr lang="es-CL" sz="1600" kern="1200" dirty="0"/>
             <a:t> compartiendo lo que sabes</a:t>
           </a:r>
-          <a:endParaRPr lang="en-US" sz="1600" kern="1200"/>
+          <a:endParaRPr lang="en-US" sz="1600" kern="1200" dirty="0"/>
         </a:p>
         <a:p>
           <a:pPr marL="171450" lvl="1" indent="-171450" algn="l" defTabSz="711200">
@@ -4790,18 +4823,22 @@
             <a:buChar char="•"/>
           </a:pPr>
           <a:r>
-            <a:rPr lang="es-CL" sz="1600" kern="1200"/>
+            <a:rPr lang="es-CL" sz="1600" kern="1200" dirty="0"/>
             <a:t>✅ </a:t>
           </a:r>
           <a:r>
-            <a:rPr lang="es-CL" sz="1600" b="1" kern="1200"/>
+            <a:rPr lang="es-CL" sz="1600" b="1" kern="1200" dirty="0"/>
             <a:t>Contarles a tus papás</a:t>
           </a:r>
           <a:r>
-            <a:rPr lang="es-CL" sz="1600" kern="1200"/>
-            <a:t> sobre tus aventuras gaming</a:t>
+            <a:rPr lang="es-CL" sz="1600" kern="1200" dirty="0"/>
+            <a:t> sobre tus aventuras </a:t>
           </a:r>
-          <a:endParaRPr lang="en-US" sz="1600" kern="1200"/>
+          <a:r>
+            <a:rPr lang="es-CL" sz="1600" kern="1200" dirty="0" err="1"/>
+            <a:t>gaming</a:t>
+          </a:r>
+          <a:endParaRPr lang="en-US" sz="1600" kern="1200" dirty="0"/>
         </a:p>
         <a:p>
           <a:pPr marL="171450" lvl="1" indent="-171450" algn="l" defTabSz="711200">
@@ -4817,18 +4854,18 @@
             <a:buChar char="•"/>
           </a:pPr>
           <a:r>
-            <a:rPr lang="es-CL" sz="1600" kern="1200"/>
+            <a:rPr lang="es-CL" sz="1600" kern="1200" dirty="0"/>
             <a:t>✅ </a:t>
           </a:r>
           <a:r>
-            <a:rPr lang="es-CL" sz="1600" b="1" kern="1200"/>
+            <a:rPr lang="es-CL" sz="1600" b="1" kern="1200" dirty="0"/>
             <a:t>Ser un ejemplo</a:t>
           </a:r>
           <a:r>
-            <a:rPr lang="es-CL" sz="1600" kern="1200"/>
+            <a:rPr lang="es-CL" sz="1600" kern="1200" dirty="0"/>
             <a:t> de cómo jugar de manera inteligente</a:t>
           </a:r>
-          <a:endParaRPr lang="en-US" sz="1600" kern="1200"/>
+          <a:endParaRPr lang="en-US" sz="1600" kern="1200" dirty="0"/>
         </a:p>
       </dsp:txBody>
       <dsp:txXfrm rot="-5400000">
@@ -4904,10 +4941,18 @@
             <a:buNone/>
           </a:pPr>
           <a:r>
-            <a:rPr lang="es-CL" sz="4000" b="1" kern="1200"/>
-            <a:t>🎯 Tu Misión como Gamer Inteligente:</a:t>
+            <a:rPr lang="es-CL" sz="4000" b="1" kern="1200" dirty="0"/>
+            <a:t>🎯 Tu Misión como </a:t>
           </a:r>
-          <a:endParaRPr lang="en-US" sz="4000" kern="1200"/>
+          <a:r>
+            <a:rPr lang="es-CL" sz="4000" b="1" kern="1200" dirty="0" err="1"/>
+            <a:t>Gamer</a:t>
+          </a:r>
+          <a:r>
+            <a:rPr lang="es-CL" sz="4000" b="1" kern="1200" dirty="0"/>
+            <a:t> Inteligente:</a:t>
+          </a:r>
+          <a:endParaRPr lang="en-US" sz="4000" kern="1200" dirty="0"/>
         </a:p>
       </dsp:txBody>
       <dsp:txXfrm>
@@ -5027,10 +5072,10 @@
             <a:buNone/>
           </a:pPr>
           <a:r>
-            <a:rPr lang="es-CL" sz="3100" b="1" kern="1200"/>
+            <a:rPr lang="es-CL" sz="3100" b="1" kern="1200" dirty="0"/>
             <a:t>🏆 Has Aprendido a:</a:t>
           </a:r>
-          <a:endParaRPr lang="en-US" sz="3100" kern="1200"/>
+          <a:endParaRPr lang="en-US" sz="3100" kern="1200" dirty="0"/>
         </a:p>
       </dsp:txBody>
       <dsp:txXfrm>
@@ -5138,18 +5183,18 @@
             <a:buNone/>
           </a:pPr>
           <a:r>
-            <a:rPr lang="es-CL" sz="3100" kern="1200"/>
+            <a:rPr lang="es-CL" sz="3100" kern="1200" dirty="0"/>
             <a:t>🛡️ </a:t>
           </a:r>
           <a:r>
-            <a:rPr lang="es-CL" sz="3100" b="1" kern="1200"/>
+            <a:rPr lang="es-CL" sz="3100" b="1" kern="1200" dirty="0"/>
             <a:t>Protegerte</a:t>
           </a:r>
           <a:r>
-            <a:rPr lang="es-CL" sz="3100" kern="1200"/>
+            <a:rPr lang="es-CL" sz="3100" kern="1200" dirty="0"/>
             <a:t> mientras juegas</a:t>
           </a:r>
-          <a:endParaRPr lang="en-US" sz="3100" kern="1200"/>
+          <a:endParaRPr lang="en-US" sz="3100" kern="1200" dirty="0"/>
         </a:p>
       </dsp:txBody>
       <dsp:txXfrm>
@@ -5257,18 +5302,18 @@
             <a:buNone/>
           </a:pPr>
           <a:r>
-            <a:rPr lang="es-CL" sz="3100" kern="1200"/>
+            <a:rPr lang="es-CL" sz="3100" kern="1200" dirty="0"/>
             <a:t>🧠 </a:t>
           </a:r>
           <a:r>
-            <a:rPr lang="es-CL" sz="3100" b="1" kern="1200"/>
+            <a:rPr lang="es-CL" sz="3100" b="1" kern="1200" dirty="0"/>
             <a:t>Pensar antes de actuar</a:t>
           </a:r>
           <a:r>
-            <a:rPr lang="es-CL" sz="3100" kern="1200"/>
+            <a:rPr lang="es-CL" sz="3100" kern="1200" dirty="0"/>
             <a:t> online</a:t>
           </a:r>
-          <a:endParaRPr lang="en-US" sz="3100" kern="1200"/>
+          <a:endParaRPr lang="en-US" sz="3100" kern="1200" dirty="0"/>
         </a:p>
       </dsp:txBody>
       <dsp:txXfrm>
@@ -5376,18 +5421,18 @@
             <a:buNone/>
           </a:pPr>
           <a:r>
-            <a:rPr lang="es-CL" sz="3100" kern="1200"/>
+            <a:rPr lang="es-CL" sz="3100" kern="1200" dirty="0"/>
             <a:t>👨‍👩‍👧‍👦 </a:t>
           </a:r>
           <a:r>
-            <a:rPr lang="es-CL" sz="3100" b="1" kern="1200"/>
+            <a:rPr lang="es-CL" sz="3100" b="1" kern="1200" dirty="0"/>
             <a:t>Trabajar en equipo</a:t>
           </a:r>
           <a:r>
-            <a:rPr lang="es-CL" sz="3100" kern="1200"/>
+            <a:rPr lang="es-CL" sz="3100" kern="1200" dirty="0"/>
             <a:t> con tus papás</a:t>
           </a:r>
-          <a:endParaRPr lang="en-US" sz="3100" kern="1200"/>
+          <a:endParaRPr lang="en-US" sz="3100" kern="1200" dirty="0"/>
         </a:p>
       </dsp:txBody>
       <dsp:txXfrm>
@@ -5495,14 +5540,14 @@
             <a:buNone/>
           </a:pPr>
           <a:r>
-            <a:rPr lang="es-CL" sz="3100" kern="1200"/>
+            <a:rPr lang="es-CL" sz="3100" kern="1200" dirty="0"/>
             <a:t>🎮 </a:t>
           </a:r>
           <a:r>
-            <a:rPr lang="es-CL" sz="3100" b="1" kern="1200"/>
+            <a:rPr lang="es-CL" sz="3100" b="1" kern="1200" dirty="0"/>
             <a:t>Divertirte de manera inteligente</a:t>
           </a:r>
-          <a:endParaRPr lang="en-US" sz="3100" kern="1200"/>
+          <a:endParaRPr lang="en-US" sz="3100" kern="1200" dirty="0"/>
         </a:p>
       </dsp:txBody>
       <dsp:txXfrm>
@@ -5610,18 +5655,18 @@
             <a:buNone/>
           </a:pPr>
           <a:r>
-            <a:rPr lang="es-CL" sz="3100" kern="1200"/>
+            <a:rPr lang="es-CL" sz="3100" kern="1200" dirty="0"/>
             <a:t>🌟 </a:t>
           </a:r>
           <a:r>
-            <a:rPr lang="es-CL" sz="3100" b="1" kern="1200"/>
+            <a:rPr lang="es-CL" sz="3100" b="1" kern="1200" dirty="0"/>
             <a:t>Ser un ejemplo</a:t>
           </a:r>
           <a:r>
-            <a:rPr lang="es-CL" sz="3100" kern="1200"/>
+            <a:rPr lang="es-CL" sz="3100" kern="1200" dirty="0"/>
             <a:t> para otros niños</a:t>
           </a:r>
-          <a:endParaRPr lang="en-US" sz="3100" kern="1200"/>
+          <a:endParaRPr lang="en-US" sz="3100" kern="1200" dirty="0"/>
         </a:p>
       </dsp:txBody>
       <dsp:txXfrm>
@@ -9982,7 +10027,7 @@
           <a:p>
             <a:fld id="{430AF8FA-D2D6-C846-9F27-C1BAA16C68FF}" type="datetimeFigureOut">
               <a:rPr lang="es-ES_tradnl" smtClean="0"/>
-              <a:t>23/7/25</a:t>
+              <a:t>25/7/25</a:t>
             </a:fld>
             <a:endParaRPr lang="es-ES_tradnl"/>
           </a:p>
@@ -10483,7 +10528,7 @@
           <a:p>
             <a:fld id="{E8114B6F-2BC9-8B43-AF49-7ACABAAF5F99}" type="datetimeFigureOut">
               <a:rPr lang="es-ES_tradnl" smtClean="0"/>
-              <a:t>23/7/25</a:t>
+              <a:t>25/7/25</a:t>
             </a:fld>
             <a:endParaRPr lang="es-ES_tradnl"/>
           </a:p>
@@ -10683,7 +10728,7 @@
           <a:p>
             <a:fld id="{E8114B6F-2BC9-8B43-AF49-7ACABAAF5F99}" type="datetimeFigureOut">
               <a:rPr lang="es-ES_tradnl" smtClean="0"/>
-              <a:t>23/7/25</a:t>
+              <a:t>25/7/25</a:t>
             </a:fld>
             <a:endParaRPr lang="es-ES_tradnl"/>
           </a:p>
@@ -10893,7 +10938,7 @@
           <a:p>
             <a:fld id="{E8114B6F-2BC9-8B43-AF49-7ACABAAF5F99}" type="datetimeFigureOut">
               <a:rPr lang="es-ES_tradnl" smtClean="0"/>
-              <a:t>23/7/25</a:t>
+              <a:t>25/7/25</a:t>
             </a:fld>
             <a:endParaRPr lang="es-ES_tradnl"/>
           </a:p>
@@ -11093,7 +11138,7 @@
           <a:p>
             <a:fld id="{E8114B6F-2BC9-8B43-AF49-7ACABAAF5F99}" type="datetimeFigureOut">
               <a:rPr lang="es-ES_tradnl" smtClean="0"/>
-              <a:t>23/7/25</a:t>
+              <a:t>25/7/25</a:t>
             </a:fld>
             <a:endParaRPr lang="es-ES_tradnl"/>
           </a:p>
@@ -11369,7 +11414,7 @@
           <a:p>
             <a:fld id="{E8114B6F-2BC9-8B43-AF49-7ACABAAF5F99}" type="datetimeFigureOut">
               <a:rPr lang="es-ES_tradnl" smtClean="0"/>
-              <a:t>23/7/25</a:t>
+              <a:t>25/7/25</a:t>
             </a:fld>
             <a:endParaRPr lang="es-ES_tradnl"/>
           </a:p>
@@ -11637,7 +11682,7 @@
           <a:p>
             <a:fld id="{E8114B6F-2BC9-8B43-AF49-7ACABAAF5F99}" type="datetimeFigureOut">
               <a:rPr lang="es-ES_tradnl" smtClean="0"/>
-              <a:t>23/7/25</a:t>
+              <a:t>25/7/25</a:t>
             </a:fld>
             <a:endParaRPr lang="es-ES_tradnl"/>
           </a:p>
@@ -12052,7 +12097,7 @@
           <a:p>
             <a:fld id="{E8114B6F-2BC9-8B43-AF49-7ACABAAF5F99}" type="datetimeFigureOut">
               <a:rPr lang="es-ES_tradnl" smtClean="0"/>
-              <a:t>23/7/25</a:t>
+              <a:t>25/7/25</a:t>
             </a:fld>
             <a:endParaRPr lang="es-ES_tradnl"/>
           </a:p>
@@ -12194,7 +12239,7 @@
           <a:p>
             <a:fld id="{E8114B6F-2BC9-8B43-AF49-7ACABAAF5F99}" type="datetimeFigureOut">
               <a:rPr lang="es-ES_tradnl" smtClean="0"/>
-              <a:t>23/7/25</a:t>
+              <a:t>25/7/25</a:t>
             </a:fld>
             <a:endParaRPr lang="es-ES_tradnl"/>
           </a:p>
@@ -12307,7 +12352,7 @@
           <a:p>
             <a:fld id="{E8114B6F-2BC9-8B43-AF49-7ACABAAF5F99}" type="datetimeFigureOut">
               <a:rPr lang="es-ES_tradnl" smtClean="0"/>
-              <a:t>23/7/25</a:t>
+              <a:t>25/7/25</a:t>
             </a:fld>
             <a:endParaRPr lang="es-ES_tradnl"/>
           </a:p>
@@ -12620,7 +12665,7 @@
           <a:p>
             <a:fld id="{E8114B6F-2BC9-8B43-AF49-7ACABAAF5F99}" type="datetimeFigureOut">
               <a:rPr lang="es-ES_tradnl" smtClean="0"/>
-              <a:t>23/7/25</a:t>
+              <a:t>25/7/25</a:t>
             </a:fld>
             <a:endParaRPr lang="es-ES_tradnl"/>
           </a:p>
@@ -12909,7 +12954,7 @@
           <a:p>
             <a:fld id="{E8114B6F-2BC9-8B43-AF49-7ACABAAF5F99}" type="datetimeFigureOut">
               <a:rPr lang="es-ES_tradnl" smtClean="0"/>
-              <a:t>23/7/25</a:t>
+              <a:t>25/7/25</a:t>
             </a:fld>
             <a:endParaRPr lang="es-ES_tradnl"/>
           </a:p>
@@ -13152,7 +13197,7 @@
           <a:p>
             <a:fld id="{E8114B6F-2BC9-8B43-AF49-7ACABAAF5F99}" type="datetimeFigureOut">
               <a:rPr lang="es-ES_tradnl" smtClean="0"/>
-              <a:t>23/7/25</a:t>
+              <a:t>25/7/25</a:t>
             </a:fld>
             <a:endParaRPr lang="es-ES_tradnl"/>
           </a:p>
@@ -13683,21 +13728,37 @@
           <a:p>
             <a:pPr algn="r"/>
             <a:r>
-              <a:rPr lang="es-CL" sz="5600" b="1">
+              <a:rPr lang="es-CL" sz="5600" b="1" dirty="0">
                 <a:solidFill>
                   <a:srgbClr val="FFFFFF"/>
                 </a:solidFill>
               </a:rPr>
-              <a:t>🎮 ¡Guía de Seguridad en Roblox y Minecraft para Niños!</a:t>
+              <a:t>🎮 ¡Guía de Seguridad en </a:t>
+            </a:r>
+            <a:r>
+              <a:rPr lang="es-CL" sz="5600" b="1" dirty="0" err="1">
+                <a:solidFill>
+                  <a:srgbClr val="FFFFFF"/>
+                </a:solidFill>
+              </a:rPr>
+              <a:t>Roblox</a:t>
+            </a:r>
+            <a:r>
+              <a:rPr lang="es-CL" sz="5600" b="1" dirty="0">
+                <a:solidFill>
+                  <a:srgbClr val="FFFFFF"/>
+                </a:solidFill>
+              </a:rPr>
+              <a:t> y Minecraft para Niños!</a:t>
             </a:r>
             <a:br>
-              <a:rPr lang="es-CL" sz="5600" b="1">
+              <a:rPr lang="es-CL" sz="5600" b="1" dirty="0">
                 <a:solidFill>
                   <a:srgbClr val="FFFFFF"/>
                 </a:solidFill>
               </a:rPr>
             </a:br>
-            <a:endParaRPr lang="es-ES_tradnl" sz="5600">
+            <a:endParaRPr lang="es-ES_tradnl" sz="5600" dirty="0">
               <a:solidFill>
                 <a:srgbClr val="FFFFFF"/>
               </a:solidFill>
@@ -15277,6 +15338,330 @@
   <p:clrMapOvr>
     <a:masterClrMapping/>
   </p:clrMapOvr>
+  <p:timing>
+    <p:tnLst>
+      <p:par>
+        <p:cTn id="1" dur="indefinite" restart="never" nodeType="tmRoot">
+          <p:childTnLst>
+            <p:seq concurrent="1" nextAc="seek">
+              <p:cTn id="2" dur="indefinite" nodeType="mainSeq">
+                <p:childTnLst>
+                  <p:par>
+                    <p:cTn id="3" fill="hold">
+                      <p:stCondLst>
+                        <p:cond delay="indefinite"/>
+                      </p:stCondLst>
+                      <p:childTnLst>
+                        <p:par>
+                          <p:cTn id="4" fill="hold">
+                            <p:stCondLst>
+                              <p:cond delay="0"/>
+                            </p:stCondLst>
+                            <p:childTnLst>
+                              <p:par>
+                                <p:cTn id="5" presetID="1" presetClass="entr" presetSubtype="0" fill="hold" nodeType="clickEffect">
+                                  <p:stCondLst>
+                                    <p:cond delay="0"/>
+                                  </p:stCondLst>
+                                  <p:childTnLst>
+                                    <p:set>
+                                      <p:cBhvr>
+                                        <p:cTn id="6" dur="1" fill="hold">
+                                          <p:stCondLst>
+                                            <p:cond delay="0"/>
+                                          </p:stCondLst>
+                                        </p:cTn>
+                                        <p:tgtEl>
+                                          <p:spTgt spid="3">
+                                            <p:txEl>
+                                              <p:pRg st="0" end="0"/>
+                                            </p:txEl>
+                                          </p:spTgt>
+                                        </p:tgtEl>
+                                        <p:attrNameLst>
+                                          <p:attrName>style.visibility</p:attrName>
+                                        </p:attrNameLst>
+                                      </p:cBhvr>
+                                      <p:to>
+                                        <p:strVal val="visible"/>
+                                      </p:to>
+                                    </p:set>
+                                  </p:childTnLst>
+                                </p:cTn>
+                              </p:par>
+                            </p:childTnLst>
+                          </p:cTn>
+                        </p:par>
+                      </p:childTnLst>
+                    </p:cTn>
+                  </p:par>
+                  <p:par>
+                    <p:cTn id="7" fill="hold">
+                      <p:stCondLst>
+                        <p:cond delay="indefinite"/>
+                      </p:stCondLst>
+                      <p:childTnLst>
+                        <p:par>
+                          <p:cTn id="8" fill="hold">
+                            <p:stCondLst>
+                              <p:cond delay="0"/>
+                            </p:stCondLst>
+                            <p:childTnLst>
+                              <p:par>
+                                <p:cTn id="9" presetID="1" presetClass="entr" presetSubtype="0" fill="hold" nodeType="clickEffect">
+                                  <p:stCondLst>
+                                    <p:cond delay="0"/>
+                                  </p:stCondLst>
+                                  <p:childTnLst>
+                                    <p:set>
+                                      <p:cBhvr>
+                                        <p:cTn id="10" dur="1" fill="hold">
+                                          <p:stCondLst>
+                                            <p:cond delay="0"/>
+                                          </p:stCondLst>
+                                        </p:cTn>
+                                        <p:tgtEl>
+                                          <p:spTgt spid="3">
+                                            <p:txEl>
+                                              <p:pRg st="1" end="1"/>
+                                            </p:txEl>
+                                          </p:spTgt>
+                                        </p:tgtEl>
+                                        <p:attrNameLst>
+                                          <p:attrName>style.visibility</p:attrName>
+                                        </p:attrNameLst>
+                                      </p:cBhvr>
+                                      <p:to>
+                                        <p:strVal val="visible"/>
+                                      </p:to>
+                                    </p:set>
+                                  </p:childTnLst>
+                                </p:cTn>
+                              </p:par>
+                            </p:childTnLst>
+                          </p:cTn>
+                        </p:par>
+                      </p:childTnLst>
+                    </p:cTn>
+                  </p:par>
+                  <p:par>
+                    <p:cTn id="11" fill="hold">
+                      <p:stCondLst>
+                        <p:cond delay="indefinite"/>
+                      </p:stCondLst>
+                      <p:childTnLst>
+                        <p:par>
+                          <p:cTn id="12" fill="hold">
+                            <p:stCondLst>
+                              <p:cond delay="0"/>
+                            </p:stCondLst>
+                            <p:childTnLst>
+                              <p:par>
+                                <p:cTn id="13" presetID="1" presetClass="entr" presetSubtype="0" fill="hold" nodeType="clickEffect">
+                                  <p:stCondLst>
+                                    <p:cond delay="0"/>
+                                  </p:stCondLst>
+                                  <p:childTnLst>
+                                    <p:set>
+                                      <p:cBhvr>
+                                        <p:cTn id="14" dur="1" fill="hold">
+                                          <p:stCondLst>
+                                            <p:cond delay="0"/>
+                                          </p:stCondLst>
+                                        </p:cTn>
+                                        <p:tgtEl>
+                                          <p:spTgt spid="3">
+                                            <p:txEl>
+                                              <p:pRg st="2" end="2"/>
+                                            </p:txEl>
+                                          </p:spTgt>
+                                        </p:tgtEl>
+                                        <p:attrNameLst>
+                                          <p:attrName>style.visibility</p:attrName>
+                                        </p:attrNameLst>
+                                      </p:cBhvr>
+                                      <p:to>
+                                        <p:strVal val="visible"/>
+                                      </p:to>
+                                    </p:set>
+                                  </p:childTnLst>
+                                </p:cTn>
+                              </p:par>
+                            </p:childTnLst>
+                          </p:cTn>
+                        </p:par>
+                      </p:childTnLst>
+                    </p:cTn>
+                  </p:par>
+                  <p:par>
+                    <p:cTn id="15" fill="hold">
+                      <p:stCondLst>
+                        <p:cond delay="indefinite"/>
+                      </p:stCondLst>
+                      <p:childTnLst>
+                        <p:par>
+                          <p:cTn id="16" fill="hold">
+                            <p:stCondLst>
+                              <p:cond delay="0"/>
+                            </p:stCondLst>
+                            <p:childTnLst>
+                              <p:par>
+                                <p:cTn id="17" presetID="1" presetClass="entr" presetSubtype="0" fill="hold" nodeType="clickEffect">
+                                  <p:stCondLst>
+                                    <p:cond delay="0"/>
+                                  </p:stCondLst>
+                                  <p:childTnLst>
+                                    <p:set>
+                                      <p:cBhvr>
+                                        <p:cTn id="18" dur="1" fill="hold">
+                                          <p:stCondLst>
+                                            <p:cond delay="0"/>
+                                          </p:stCondLst>
+                                        </p:cTn>
+                                        <p:tgtEl>
+                                          <p:spTgt spid="3">
+                                            <p:txEl>
+                                              <p:pRg st="3" end="3"/>
+                                            </p:txEl>
+                                          </p:spTgt>
+                                        </p:tgtEl>
+                                        <p:attrNameLst>
+                                          <p:attrName>style.visibility</p:attrName>
+                                        </p:attrNameLst>
+                                      </p:cBhvr>
+                                      <p:to>
+                                        <p:strVal val="visible"/>
+                                      </p:to>
+                                    </p:set>
+                                  </p:childTnLst>
+                                </p:cTn>
+                              </p:par>
+                            </p:childTnLst>
+                          </p:cTn>
+                        </p:par>
+                      </p:childTnLst>
+                    </p:cTn>
+                  </p:par>
+                  <p:par>
+                    <p:cTn id="19" fill="hold">
+                      <p:stCondLst>
+                        <p:cond delay="indefinite"/>
+                      </p:stCondLst>
+                      <p:childTnLst>
+                        <p:par>
+                          <p:cTn id="20" fill="hold">
+                            <p:stCondLst>
+                              <p:cond delay="0"/>
+                            </p:stCondLst>
+                            <p:childTnLst>
+                              <p:par>
+                                <p:cTn id="21" presetID="1" presetClass="entr" presetSubtype="0" fill="hold" nodeType="clickEffect">
+                                  <p:stCondLst>
+                                    <p:cond delay="0"/>
+                                  </p:stCondLst>
+                                  <p:childTnLst>
+                                    <p:set>
+                                      <p:cBhvr>
+                                        <p:cTn id="22" dur="1" fill="hold">
+                                          <p:stCondLst>
+                                            <p:cond delay="0"/>
+                                          </p:stCondLst>
+                                        </p:cTn>
+                                        <p:tgtEl>
+                                          <p:spTgt spid="3">
+                                            <p:txEl>
+                                              <p:pRg st="4" end="4"/>
+                                            </p:txEl>
+                                          </p:spTgt>
+                                        </p:tgtEl>
+                                        <p:attrNameLst>
+                                          <p:attrName>style.visibility</p:attrName>
+                                        </p:attrNameLst>
+                                      </p:cBhvr>
+                                      <p:to>
+                                        <p:strVal val="visible"/>
+                                      </p:to>
+                                    </p:set>
+                                  </p:childTnLst>
+                                </p:cTn>
+                              </p:par>
+                            </p:childTnLst>
+                          </p:cTn>
+                        </p:par>
+                      </p:childTnLst>
+                    </p:cTn>
+                  </p:par>
+                  <p:par>
+                    <p:cTn id="23" fill="hold">
+                      <p:stCondLst>
+                        <p:cond delay="indefinite"/>
+                      </p:stCondLst>
+                      <p:childTnLst>
+                        <p:par>
+                          <p:cTn id="24" fill="hold">
+                            <p:stCondLst>
+                              <p:cond delay="0"/>
+                            </p:stCondLst>
+                            <p:childTnLst>
+                              <p:par>
+                                <p:cTn id="25" presetID="1" presetClass="entr" presetSubtype="0" fill="hold" nodeType="clickEffect">
+                                  <p:stCondLst>
+                                    <p:cond delay="0"/>
+                                  </p:stCondLst>
+                                  <p:childTnLst>
+                                    <p:set>
+                                      <p:cBhvr>
+                                        <p:cTn id="26" dur="1" fill="hold">
+                                          <p:stCondLst>
+                                            <p:cond delay="0"/>
+                                          </p:stCondLst>
+                                        </p:cTn>
+                                        <p:tgtEl>
+                                          <p:spTgt spid="3">
+                                            <p:txEl>
+                                              <p:pRg st="5" end="5"/>
+                                            </p:txEl>
+                                          </p:spTgt>
+                                        </p:tgtEl>
+                                        <p:attrNameLst>
+                                          <p:attrName>style.visibility</p:attrName>
+                                        </p:attrNameLst>
+                                      </p:cBhvr>
+                                      <p:to>
+                                        <p:strVal val="visible"/>
+                                      </p:to>
+                                    </p:set>
+                                  </p:childTnLst>
+                                </p:cTn>
+                              </p:par>
+                            </p:childTnLst>
+                          </p:cTn>
+                        </p:par>
+                      </p:childTnLst>
+                    </p:cTn>
+                  </p:par>
+                </p:childTnLst>
+              </p:cTn>
+              <p:prevCondLst>
+                <p:cond evt="onPrev" delay="0">
+                  <p:tgtEl>
+                    <p:sldTgt/>
+                  </p:tgtEl>
+                </p:cond>
+              </p:prevCondLst>
+              <p:nextCondLst>
+                <p:cond evt="onNext" delay="0">
+                  <p:tgtEl>
+                    <p:sldTgt/>
+                  </p:tgtEl>
+                </p:cond>
+              </p:nextCondLst>
+            </p:seq>
+          </p:childTnLst>
+        </p:cTn>
+      </p:par>
+    </p:tnLst>
+  </p:timing>
 </p:sld>
 </file>
 
@@ -19121,44 +19506,132 @@
           </a:lstStyle>
           <a:p>
             <a:r>
-              <a:rPr lang="en-US" sz="2000" b="1"/>
-              <a:t>❌ NO respondas si te preguntan:</a:t>
-            </a:r>
-            <a:endParaRPr lang="en-US" sz="2000"/>
+              <a:rPr lang="en-US" sz="2000" b="1" dirty="0"/>
+              <a:t>❌ NO </a:t>
+            </a:r>
+            <a:r>
+              <a:rPr lang="en-US" sz="2000" b="1" dirty="0" err="1"/>
+              <a:t>respondas</a:t>
+            </a:r>
+            <a:r>
+              <a:rPr lang="en-US" sz="2000" b="1" dirty="0"/>
+              <a:t> </a:t>
+            </a:r>
+            <a:r>
+              <a:rPr lang="en-US" sz="2000" b="1" dirty="0" err="1"/>
+              <a:t>si</a:t>
+            </a:r>
+            <a:r>
+              <a:rPr lang="en-US" sz="2000" b="1" dirty="0"/>
+              <a:t> </a:t>
+            </a:r>
+            <a:r>
+              <a:rPr lang="en-US" sz="2000" b="1" dirty="0" err="1"/>
+              <a:t>te</a:t>
+            </a:r>
+            <a:r>
+              <a:rPr lang="en-US" sz="2000" b="1" dirty="0"/>
+              <a:t> </a:t>
+            </a:r>
+            <a:r>
+              <a:rPr lang="en-US" sz="2000" b="1" dirty="0" err="1"/>
+              <a:t>preguntan</a:t>
+            </a:r>
+            <a:r>
+              <a:rPr lang="en-US" sz="2000" b="1" dirty="0"/>
+              <a:t>:</a:t>
+            </a:r>
+            <a:endParaRPr lang="en-US" sz="2000" dirty="0"/>
           </a:p>
           <a:p>
             <a:pPr lvl="1"/>
             <a:r>
-              <a:rPr lang="en-US" sz="2000"/>
-              <a:t>Tu nombre real</a:t>
+              <a:rPr lang="en-US" sz="2000" dirty="0"/>
+              <a:t>Tu </a:t>
+            </a:r>
+            <a:r>
+              <a:rPr lang="en-US" sz="2000" dirty="0" err="1"/>
+              <a:t>nombre</a:t>
+            </a:r>
+            <a:r>
+              <a:rPr lang="en-US" sz="2000" dirty="0"/>
+              <a:t> real</a:t>
             </a:r>
           </a:p>
           <a:p>
             <a:pPr lvl="1"/>
             <a:r>
-              <a:rPr lang="en-US" sz="2000"/>
-              <a:t>Dónde vives</a:t>
+              <a:rPr lang="en-US" sz="2000" dirty="0" err="1"/>
+              <a:t>Dónde</a:t>
+            </a:r>
+            <a:r>
+              <a:rPr lang="en-US" sz="2000" dirty="0"/>
+              <a:t> vives</a:t>
             </a:r>
           </a:p>
           <a:p>
             <a:pPr lvl="1"/>
             <a:r>
-              <a:rPr lang="en-US" sz="2000"/>
-              <a:t>Tu edad exacta</a:t>
+              <a:rPr lang="en-US" sz="2000" dirty="0"/>
+              <a:t>Tu </a:t>
+            </a:r>
+            <a:r>
+              <a:rPr lang="en-US" sz="2000" dirty="0" err="1"/>
+              <a:t>edad</a:t>
+            </a:r>
+            <a:r>
+              <a:rPr lang="en-US" sz="2000" dirty="0"/>
+              <a:t> exacta</a:t>
             </a:r>
           </a:p>
           <a:p>
             <a:pPr lvl="1"/>
             <a:r>
-              <a:rPr lang="en-US" sz="2000"/>
-              <a:t>Información sobre tu familia</a:t>
+              <a:rPr lang="en-US" sz="2000" dirty="0" err="1"/>
+              <a:t>Información</a:t>
+            </a:r>
+            <a:r>
+              <a:rPr lang="en-US" sz="2000" dirty="0"/>
+              <a:t> </a:t>
+            </a:r>
+            <a:r>
+              <a:rPr lang="en-US" sz="2000" dirty="0" err="1"/>
+              <a:t>sobre</a:t>
+            </a:r>
+            <a:r>
+              <a:rPr lang="en-US" sz="2000" dirty="0"/>
+              <a:t> </a:t>
+            </a:r>
+            <a:r>
+              <a:rPr lang="en-US" sz="2000" dirty="0" err="1"/>
+              <a:t>tu</a:t>
+            </a:r>
+            <a:r>
+              <a:rPr lang="en-US" sz="2000" dirty="0"/>
+              <a:t> familia</a:t>
             </a:r>
           </a:p>
           <a:p>
             <a:pPr lvl="1"/>
             <a:r>
-              <a:rPr lang="en-US" sz="2000"/>
-              <a:t>Si quieres hablar fuera del juego</a:t>
+              <a:rPr lang="en-US" sz="2000" dirty="0"/>
+              <a:t>Si </a:t>
+            </a:r>
+            <a:r>
+              <a:rPr lang="en-US" sz="2000" dirty="0" err="1"/>
+              <a:t>quieres</a:t>
+            </a:r>
+            <a:r>
+              <a:rPr lang="en-US" sz="2000" dirty="0"/>
+              <a:t> </a:t>
+            </a:r>
+            <a:r>
+              <a:rPr lang="en-US" sz="2000" dirty="0" err="1"/>
+              <a:t>hablar</a:t>
+            </a:r>
+            <a:r>
+              <a:rPr lang="en-US" sz="2000" dirty="0"/>
+              <a:t> fuera del juego</a:t>
             </a:r>
           </a:p>
         </p:txBody>
@@ -19585,7 +20058,7 @@
                             </p:stCondLst>
                             <p:childTnLst>
                               <p:par>
-                                <p:cTn id="33" presetID="1" presetClass="exit" presetSubtype="0" fill="hold" grpId="1" nodeType="clickEffect">
+                                <p:cTn id="33" presetID="1" presetClass="entr" presetSubtype="0" fill="hold" nodeType="clickEffect">
                                   <p:stCondLst>
                                     <p:cond delay="0"/>
                                   </p:stCondLst>
@@ -19598,14 +20071,214 @@
                                           </p:stCondLst>
                                         </p:cTn>
                                         <p:tgtEl>
-                                          <p:spTgt spid="4"/>
+                                          <p:spTgt spid="4">
+                                            <p:txEl>
+                                              <p:pRg st="1" end="1"/>
+                                            </p:txEl>
+                                          </p:spTgt>
                                         </p:tgtEl>
                                         <p:attrNameLst>
                                           <p:attrName>style.visibility</p:attrName>
                                         </p:attrNameLst>
                                       </p:cBhvr>
                                       <p:to>
-                                        <p:strVal val="hidden"/>
+                                        <p:strVal val="visible"/>
+                                      </p:to>
+                                    </p:set>
+                                  </p:childTnLst>
+                                </p:cTn>
+                              </p:par>
+                            </p:childTnLst>
+                          </p:cTn>
+                        </p:par>
+                      </p:childTnLst>
+                    </p:cTn>
+                  </p:par>
+                  <p:par>
+                    <p:cTn id="35" fill="hold">
+                      <p:stCondLst>
+                        <p:cond delay="indefinite"/>
+                      </p:stCondLst>
+                      <p:childTnLst>
+                        <p:par>
+                          <p:cTn id="36" fill="hold">
+                            <p:stCondLst>
+                              <p:cond delay="0"/>
+                            </p:stCondLst>
+                            <p:childTnLst>
+                              <p:par>
+                                <p:cTn id="37" presetID="1" presetClass="entr" presetSubtype="0" fill="hold" nodeType="clickEffect">
+                                  <p:stCondLst>
+                                    <p:cond delay="0"/>
+                                  </p:stCondLst>
+                                  <p:childTnLst>
+                                    <p:set>
+                                      <p:cBhvr>
+                                        <p:cTn id="38" dur="1" fill="hold">
+                                          <p:stCondLst>
+                                            <p:cond delay="0"/>
+                                          </p:stCondLst>
+                                        </p:cTn>
+                                        <p:tgtEl>
+                                          <p:spTgt spid="4">
+                                            <p:txEl>
+                                              <p:pRg st="2" end="2"/>
+                                            </p:txEl>
+                                          </p:spTgt>
+                                        </p:tgtEl>
+                                        <p:attrNameLst>
+                                          <p:attrName>style.visibility</p:attrName>
+                                        </p:attrNameLst>
+                                      </p:cBhvr>
+                                      <p:to>
+                                        <p:strVal val="visible"/>
+                                      </p:to>
+                                    </p:set>
+                                  </p:childTnLst>
+                                </p:cTn>
+                              </p:par>
+                            </p:childTnLst>
+                          </p:cTn>
+                        </p:par>
+                      </p:childTnLst>
+                    </p:cTn>
+                  </p:par>
+                  <p:par>
+                    <p:cTn id="39" fill="hold">
+                      <p:stCondLst>
+                        <p:cond delay="indefinite"/>
+                      </p:stCondLst>
+                      <p:childTnLst>
+                        <p:par>
+                          <p:cTn id="40" fill="hold">
+                            <p:stCondLst>
+                              <p:cond delay="0"/>
+                            </p:stCondLst>
+                            <p:childTnLst>
+                              <p:par>
+                                <p:cTn id="41" presetID="1" presetClass="entr" presetSubtype="0" fill="hold" nodeType="clickEffect">
+                                  <p:stCondLst>
+                                    <p:cond delay="0"/>
+                                  </p:stCondLst>
+                                  <p:childTnLst>
+                                    <p:set>
+                                      <p:cBhvr>
+                                        <p:cTn id="42" dur="1" fill="hold">
+                                          <p:stCondLst>
+                                            <p:cond delay="0"/>
+                                          </p:stCondLst>
+                                        </p:cTn>
+                                        <p:tgtEl>
+                                          <p:spTgt spid="4">
+                                            <p:txEl>
+                                              <p:pRg st="3" end="3"/>
+                                            </p:txEl>
+                                          </p:spTgt>
+                                        </p:tgtEl>
+                                        <p:attrNameLst>
+                                          <p:attrName>style.visibility</p:attrName>
+                                        </p:attrNameLst>
+                                      </p:cBhvr>
+                                      <p:to>
+                                        <p:strVal val="visible"/>
+                                      </p:to>
+                                    </p:set>
+                                  </p:childTnLst>
+                                </p:cTn>
+                              </p:par>
+                            </p:childTnLst>
+                          </p:cTn>
+                        </p:par>
+                      </p:childTnLst>
+                    </p:cTn>
+                  </p:par>
+                  <p:par>
+                    <p:cTn id="43" fill="hold">
+                      <p:stCondLst>
+                        <p:cond delay="indefinite"/>
+                      </p:stCondLst>
+                      <p:childTnLst>
+                        <p:par>
+                          <p:cTn id="44" fill="hold">
+                            <p:stCondLst>
+                              <p:cond delay="0"/>
+                            </p:stCondLst>
+                            <p:childTnLst>
+                              <p:par>
+                                <p:cTn id="45" presetID="1" presetClass="entr" presetSubtype="0" fill="hold" nodeType="clickEffect">
+                                  <p:stCondLst>
+                                    <p:cond delay="0"/>
+                                  </p:stCondLst>
+                                  <p:childTnLst>
+                                    <p:set>
+                                      <p:cBhvr>
+                                        <p:cTn id="46" dur="1" fill="hold">
+                                          <p:stCondLst>
+                                            <p:cond delay="0"/>
+                                          </p:stCondLst>
+                                        </p:cTn>
+                                        <p:tgtEl>
+                                          <p:spTgt spid="4">
+                                            <p:txEl>
+                                              <p:pRg st="4" end="4"/>
+                                            </p:txEl>
+                                          </p:spTgt>
+                                        </p:tgtEl>
+                                        <p:attrNameLst>
+                                          <p:attrName>style.visibility</p:attrName>
+                                        </p:attrNameLst>
+                                      </p:cBhvr>
+                                      <p:to>
+                                        <p:strVal val="visible"/>
+                                      </p:to>
+                                    </p:set>
+                                  </p:childTnLst>
+                                </p:cTn>
+                              </p:par>
+                            </p:childTnLst>
+                          </p:cTn>
+                        </p:par>
+                      </p:childTnLst>
+                    </p:cTn>
+                  </p:par>
+                  <p:par>
+                    <p:cTn id="47" fill="hold">
+                      <p:stCondLst>
+                        <p:cond delay="indefinite"/>
+                      </p:stCondLst>
+                      <p:childTnLst>
+                        <p:par>
+                          <p:cTn id="48" fill="hold">
+                            <p:stCondLst>
+                              <p:cond delay="0"/>
+                            </p:stCondLst>
+                            <p:childTnLst>
+                              <p:par>
+                                <p:cTn id="49" presetID="1" presetClass="entr" presetSubtype="0" fill="hold" nodeType="clickEffect">
+                                  <p:stCondLst>
+                                    <p:cond delay="0"/>
+                                  </p:stCondLst>
+                                  <p:childTnLst>
+                                    <p:set>
+                                      <p:cBhvr>
+                                        <p:cTn id="50" dur="1" fill="hold">
+                                          <p:stCondLst>
+                                            <p:cond delay="0"/>
+                                          </p:stCondLst>
+                                        </p:cTn>
+                                        <p:tgtEl>
+                                          <p:spTgt spid="4">
+                                            <p:txEl>
+                                              <p:pRg st="5" end="5"/>
+                                            </p:txEl>
+                                          </p:spTgt>
+                                        </p:tgtEl>
+                                        <p:attrNameLst>
+                                          <p:attrName>style.visibility</p:attrName>
+                                        </p:attrNameLst>
+                                      </p:cBhvr>
+                                      <p:to>
+                                        <p:strVal val="visible"/>
                                       </p:to>
                                     </p:set>
                                   </p:childTnLst>
@@ -19639,10 +20312,9 @@
       </p:par>
     </p:tnLst>
     <p:bldLst>
-      <p:bldP spid="3" grpId="0" build="p"/>
-      <p:bldP spid="3" grpId="1" build="p"/>
+      <p:bldP spid="3" grpId="0" uiExpand="1" build="p"/>
+      <p:bldP spid="3" grpId="1" uiExpand="1" build="p"/>
       <p:bldP spid="4" grpId="0"/>
-      <p:bldP spid="4" grpId="1"/>
     </p:bldLst>
   </p:timing>
 </p:sld>
@@ -24925,10 +25597,18 @@
           <a:lstStyle/>
           <a:p>
             <a:r>
-              <a:rPr lang="es-CL" sz="2000"/>
-              <a:t>¿Te encanta jugar Roblox y Minecraft? ¡Nosotros también! Estos juegos son súper divertidos y puedes crear cosas increíbles. Pero así como cuando juegas en el parque necesitas seguir ciertas reglas para estar seguro, en estos juegos también hay reglas importantes que te ayudarán a divertirte de manera segura.</a:t>
-            </a:r>
-            <a:endParaRPr lang="es-ES_tradnl" sz="2000"/>
+              <a:rPr lang="es-CL" sz="2000" dirty="0"/>
+              <a:t>¿Te encanta jugar </a:t>
+            </a:r>
+            <a:r>
+              <a:rPr lang="es-CL" sz="2000" dirty="0" err="1"/>
+              <a:t>Roblox</a:t>
+            </a:r>
+            <a:r>
+              <a:rPr lang="es-CL" sz="2000" dirty="0"/>
+              <a:t> y Minecraft? ¡A nosotros también! Estos juegos son súper divertidos y puedes crear cosas increíbles. Pero así como cuando juegas en el parque necesitas seguir ciertas reglas para estar seguro, en estos juegos también hay reglas importantes que te ayudarán a divertirte de manera segura.</a:t>
+            </a:r>
+            <a:endParaRPr lang="es-ES_tradnl" sz="2000" dirty="0"/>
           </a:p>
         </p:txBody>
       </p:sp>
@@ -30239,6 +30919,566 @@
   <p:clrMapOvr>
     <a:masterClrMapping/>
   </p:clrMapOvr>
+  <p:timing>
+    <p:tnLst>
+      <p:par>
+        <p:cTn id="1" dur="indefinite" restart="never" nodeType="tmRoot">
+          <p:childTnLst>
+            <p:seq concurrent="1" nextAc="seek">
+              <p:cTn id="2" dur="indefinite" nodeType="mainSeq">
+                <p:childTnLst>
+                  <p:par>
+                    <p:cTn id="3" fill="hold">
+                      <p:stCondLst>
+                        <p:cond delay="indefinite"/>
+                      </p:stCondLst>
+                      <p:childTnLst>
+                        <p:par>
+                          <p:cTn id="4" fill="hold">
+                            <p:stCondLst>
+                              <p:cond delay="0"/>
+                            </p:stCondLst>
+                            <p:childTnLst>
+                              <p:par>
+                                <p:cTn id="5" presetID="1" presetClass="entr" presetSubtype="0" fill="hold" grpId="0" nodeType="clickEffect">
+                                  <p:stCondLst>
+                                    <p:cond delay="0"/>
+                                  </p:stCondLst>
+                                  <p:childTnLst>
+                                    <p:set>
+                                      <p:cBhvr>
+                                        <p:cTn id="6" dur="1" fill="hold">
+                                          <p:stCondLst>
+                                            <p:cond delay="0"/>
+                                          </p:stCondLst>
+                                        </p:cTn>
+                                        <p:tgtEl>
+                                          <p:spTgt spid="5"/>
+                                        </p:tgtEl>
+                                        <p:attrNameLst>
+                                          <p:attrName>style.visibility</p:attrName>
+                                        </p:attrNameLst>
+                                      </p:cBhvr>
+                                      <p:to>
+                                        <p:strVal val="visible"/>
+                                      </p:to>
+                                    </p:set>
+                                  </p:childTnLst>
+                                </p:cTn>
+                              </p:par>
+                            </p:childTnLst>
+                          </p:cTn>
+                        </p:par>
+                      </p:childTnLst>
+                    </p:cTn>
+                  </p:par>
+                  <p:par>
+                    <p:cTn id="7" fill="hold">
+                      <p:stCondLst>
+                        <p:cond delay="indefinite"/>
+                      </p:stCondLst>
+                      <p:childTnLst>
+                        <p:par>
+                          <p:cTn id="8" fill="hold">
+                            <p:stCondLst>
+                              <p:cond delay="0"/>
+                            </p:stCondLst>
+                            <p:childTnLst>
+                              <p:par>
+                                <p:cTn id="9" presetID="1" presetClass="entr" presetSubtype="0" fill="hold" grpId="1" nodeType="clickEffect">
+                                  <p:stCondLst>
+                                    <p:cond delay="0"/>
+                                  </p:stCondLst>
+                                  <p:childTnLst>
+                                    <p:set>
+                                      <p:cBhvr>
+                                        <p:cTn id="10" dur="1" fill="hold">
+                                          <p:stCondLst>
+                                            <p:cond delay="0"/>
+                                          </p:stCondLst>
+                                        </p:cTn>
+                                        <p:tgtEl>
+                                          <p:spTgt spid="5"/>
+                                        </p:tgtEl>
+                                        <p:attrNameLst>
+                                          <p:attrName>style.visibility</p:attrName>
+                                        </p:attrNameLst>
+                                      </p:cBhvr>
+                                      <p:to>
+                                        <p:strVal val="visible"/>
+                                      </p:to>
+                                    </p:set>
+                                  </p:childTnLst>
+                                </p:cTn>
+                              </p:par>
+                            </p:childTnLst>
+                          </p:cTn>
+                        </p:par>
+                      </p:childTnLst>
+                    </p:cTn>
+                  </p:par>
+                  <p:par>
+                    <p:cTn id="11" fill="hold">
+                      <p:stCondLst>
+                        <p:cond delay="indefinite"/>
+                      </p:stCondLst>
+                      <p:childTnLst>
+                        <p:par>
+                          <p:cTn id="12" fill="hold">
+                            <p:stCondLst>
+                              <p:cond delay="0"/>
+                            </p:stCondLst>
+                            <p:childTnLst>
+                              <p:par>
+                                <p:cTn id="13" presetID="1" presetClass="entr" presetSubtype="0" fill="hold" grpId="2" nodeType="clickEffect">
+                                  <p:stCondLst>
+                                    <p:cond delay="0"/>
+                                  </p:stCondLst>
+                                  <p:childTnLst>
+                                    <p:set>
+                                      <p:cBhvr>
+                                        <p:cTn id="14" dur="1" fill="hold">
+                                          <p:stCondLst>
+                                            <p:cond delay="0"/>
+                                          </p:stCondLst>
+                                        </p:cTn>
+                                        <p:tgtEl>
+                                          <p:spTgt spid="5"/>
+                                        </p:tgtEl>
+                                        <p:attrNameLst>
+                                          <p:attrName>style.visibility</p:attrName>
+                                        </p:attrNameLst>
+                                      </p:cBhvr>
+                                      <p:to>
+                                        <p:strVal val="visible"/>
+                                      </p:to>
+                                    </p:set>
+                                  </p:childTnLst>
+                                </p:cTn>
+                              </p:par>
+                            </p:childTnLst>
+                          </p:cTn>
+                        </p:par>
+                      </p:childTnLst>
+                    </p:cTn>
+                  </p:par>
+                  <p:par>
+                    <p:cTn id="15" fill="hold">
+                      <p:stCondLst>
+                        <p:cond delay="indefinite"/>
+                      </p:stCondLst>
+                      <p:childTnLst>
+                        <p:par>
+                          <p:cTn id="16" fill="hold">
+                            <p:stCondLst>
+                              <p:cond delay="0"/>
+                            </p:stCondLst>
+                            <p:childTnLst>
+                              <p:par>
+                                <p:cTn id="17" presetID="1" presetClass="entr" presetSubtype="0" fill="hold" grpId="3" nodeType="clickEffect">
+                                  <p:stCondLst>
+                                    <p:cond delay="0"/>
+                                  </p:stCondLst>
+                                  <p:childTnLst>
+                                    <p:set>
+                                      <p:cBhvr>
+                                        <p:cTn id="18" dur="1" fill="hold">
+                                          <p:stCondLst>
+                                            <p:cond delay="0"/>
+                                          </p:stCondLst>
+                                        </p:cTn>
+                                        <p:tgtEl>
+                                          <p:spTgt spid="5"/>
+                                        </p:tgtEl>
+                                        <p:attrNameLst>
+                                          <p:attrName>style.visibility</p:attrName>
+                                        </p:attrNameLst>
+                                      </p:cBhvr>
+                                      <p:to>
+                                        <p:strVal val="visible"/>
+                                      </p:to>
+                                    </p:set>
+                                  </p:childTnLst>
+                                </p:cTn>
+                              </p:par>
+                            </p:childTnLst>
+                          </p:cTn>
+                        </p:par>
+                      </p:childTnLst>
+                    </p:cTn>
+                  </p:par>
+                  <p:par>
+                    <p:cTn id="19" fill="hold">
+                      <p:stCondLst>
+                        <p:cond delay="indefinite"/>
+                      </p:stCondLst>
+                      <p:childTnLst>
+                        <p:par>
+                          <p:cTn id="20" fill="hold">
+                            <p:stCondLst>
+                              <p:cond delay="0"/>
+                            </p:stCondLst>
+                            <p:childTnLst>
+                              <p:par>
+                                <p:cTn id="21" presetID="1" presetClass="entr" presetSubtype="0" fill="hold" grpId="4" nodeType="clickEffect">
+                                  <p:stCondLst>
+                                    <p:cond delay="0"/>
+                                  </p:stCondLst>
+                                  <p:childTnLst>
+                                    <p:set>
+                                      <p:cBhvr>
+                                        <p:cTn id="22" dur="1" fill="hold">
+                                          <p:stCondLst>
+                                            <p:cond delay="0"/>
+                                          </p:stCondLst>
+                                        </p:cTn>
+                                        <p:tgtEl>
+                                          <p:spTgt spid="5"/>
+                                        </p:tgtEl>
+                                        <p:attrNameLst>
+                                          <p:attrName>style.visibility</p:attrName>
+                                        </p:attrNameLst>
+                                      </p:cBhvr>
+                                      <p:to>
+                                        <p:strVal val="visible"/>
+                                      </p:to>
+                                    </p:set>
+                                  </p:childTnLst>
+                                </p:cTn>
+                              </p:par>
+                            </p:childTnLst>
+                          </p:cTn>
+                        </p:par>
+                      </p:childTnLst>
+                    </p:cTn>
+                  </p:par>
+                  <p:par>
+                    <p:cTn id="23" fill="hold">
+                      <p:stCondLst>
+                        <p:cond delay="indefinite"/>
+                      </p:stCondLst>
+                      <p:childTnLst>
+                        <p:par>
+                          <p:cTn id="24" fill="hold">
+                            <p:stCondLst>
+                              <p:cond delay="0"/>
+                            </p:stCondLst>
+                            <p:childTnLst>
+                              <p:par>
+                                <p:cTn id="25" presetID="1" presetClass="entr" presetSubtype="0" fill="hold" grpId="5" nodeType="clickEffect">
+                                  <p:stCondLst>
+                                    <p:cond delay="0"/>
+                                  </p:stCondLst>
+                                  <p:childTnLst>
+                                    <p:set>
+                                      <p:cBhvr>
+                                        <p:cTn id="26" dur="1" fill="hold">
+                                          <p:stCondLst>
+                                            <p:cond delay="0"/>
+                                          </p:stCondLst>
+                                        </p:cTn>
+                                        <p:tgtEl>
+                                          <p:spTgt spid="5"/>
+                                        </p:tgtEl>
+                                        <p:attrNameLst>
+                                          <p:attrName>style.visibility</p:attrName>
+                                        </p:attrNameLst>
+                                      </p:cBhvr>
+                                      <p:to>
+                                        <p:strVal val="visible"/>
+                                      </p:to>
+                                    </p:set>
+                                  </p:childTnLst>
+                                </p:cTn>
+                              </p:par>
+                            </p:childTnLst>
+                          </p:cTn>
+                        </p:par>
+                      </p:childTnLst>
+                    </p:cTn>
+                  </p:par>
+                  <p:par>
+                    <p:cTn id="27" fill="hold">
+                      <p:stCondLst>
+                        <p:cond delay="indefinite"/>
+                      </p:stCondLst>
+                      <p:childTnLst>
+                        <p:par>
+                          <p:cTn id="28" fill="hold">
+                            <p:stCondLst>
+                              <p:cond delay="0"/>
+                            </p:stCondLst>
+                            <p:childTnLst>
+                              <p:par>
+                                <p:cTn id="29" presetID="1" presetClass="entr" presetSubtype="0" fill="hold" grpId="6" nodeType="clickEffect">
+                                  <p:stCondLst>
+                                    <p:cond delay="0"/>
+                                  </p:stCondLst>
+                                  <p:childTnLst>
+                                    <p:set>
+                                      <p:cBhvr>
+                                        <p:cTn id="30" dur="1" fill="hold">
+                                          <p:stCondLst>
+                                            <p:cond delay="0"/>
+                                          </p:stCondLst>
+                                        </p:cTn>
+                                        <p:tgtEl>
+                                          <p:spTgt spid="5"/>
+                                        </p:tgtEl>
+                                        <p:attrNameLst>
+                                          <p:attrName>style.visibility</p:attrName>
+                                        </p:attrNameLst>
+                                      </p:cBhvr>
+                                      <p:to>
+                                        <p:strVal val="visible"/>
+                                      </p:to>
+                                    </p:set>
+                                  </p:childTnLst>
+                                </p:cTn>
+                              </p:par>
+                            </p:childTnLst>
+                          </p:cTn>
+                        </p:par>
+                      </p:childTnLst>
+                    </p:cTn>
+                  </p:par>
+                  <p:par>
+                    <p:cTn id="31" fill="hold">
+                      <p:stCondLst>
+                        <p:cond delay="indefinite"/>
+                      </p:stCondLst>
+                      <p:childTnLst>
+                        <p:par>
+                          <p:cTn id="32" fill="hold">
+                            <p:stCondLst>
+                              <p:cond delay="0"/>
+                            </p:stCondLst>
+                            <p:childTnLst>
+                              <p:par>
+                                <p:cTn id="33" presetID="1" presetClass="entr" presetSubtype="0" fill="hold" grpId="7" nodeType="clickEffect">
+                                  <p:stCondLst>
+                                    <p:cond delay="0"/>
+                                  </p:stCondLst>
+                                  <p:childTnLst>
+                                    <p:set>
+                                      <p:cBhvr>
+                                        <p:cTn id="34" dur="1" fill="hold">
+                                          <p:stCondLst>
+                                            <p:cond delay="0"/>
+                                          </p:stCondLst>
+                                        </p:cTn>
+                                        <p:tgtEl>
+                                          <p:spTgt spid="5"/>
+                                        </p:tgtEl>
+                                        <p:attrNameLst>
+                                          <p:attrName>style.visibility</p:attrName>
+                                        </p:attrNameLst>
+                                      </p:cBhvr>
+                                      <p:to>
+                                        <p:strVal val="visible"/>
+                                      </p:to>
+                                    </p:set>
+                                  </p:childTnLst>
+                                </p:cTn>
+                              </p:par>
+                            </p:childTnLst>
+                          </p:cTn>
+                        </p:par>
+                      </p:childTnLst>
+                    </p:cTn>
+                  </p:par>
+                  <p:par>
+                    <p:cTn id="35" fill="hold">
+                      <p:stCondLst>
+                        <p:cond delay="indefinite"/>
+                      </p:stCondLst>
+                      <p:childTnLst>
+                        <p:par>
+                          <p:cTn id="36" fill="hold">
+                            <p:stCondLst>
+                              <p:cond delay="0"/>
+                            </p:stCondLst>
+                            <p:childTnLst>
+                              <p:par>
+                                <p:cTn id="37" presetID="1" presetClass="entr" presetSubtype="0" fill="hold" grpId="8" nodeType="clickEffect">
+                                  <p:stCondLst>
+                                    <p:cond delay="0"/>
+                                  </p:stCondLst>
+                                  <p:childTnLst>
+                                    <p:set>
+                                      <p:cBhvr>
+                                        <p:cTn id="38" dur="1" fill="hold">
+                                          <p:stCondLst>
+                                            <p:cond delay="0"/>
+                                          </p:stCondLst>
+                                        </p:cTn>
+                                        <p:tgtEl>
+                                          <p:spTgt spid="5"/>
+                                        </p:tgtEl>
+                                        <p:attrNameLst>
+                                          <p:attrName>style.visibility</p:attrName>
+                                        </p:attrNameLst>
+                                      </p:cBhvr>
+                                      <p:to>
+                                        <p:strVal val="visible"/>
+                                      </p:to>
+                                    </p:set>
+                                  </p:childTnLst>
+                                </p:cTn>
+                              </p:par>
+                            </p:childTnLst>
+                          </p:cTn>
+                        </p:par>
+                      </p:childTnLst>
+                    </p:cTn>
+                  </p:par>
+                  <p:par>
+                    <p:cTn id="39" fill="hold">
+                      <p:stCondLst>
+                        <p:cond delay="indefinite"/>
+                      </p:stCondLst>
+                      <p:childTnLst>
+                        <p:par>
+                          <p:cTn id="40" fill="hold">
+                            <p:stCondLst>
+                              <p:cond delay="0"/>
+                            </p:stCondLst>
+                            <p:childTnLst>
+                              <p:par>
+                                <p:cTn id="41" presetID="1" presetClass="entr" presetSubtype="0" fill="hold" grpId="9" nodeType="clickEffect">
+                                  <p:stCondLst>
+                                    <p:cond delay="0"/>
+                                  </p:stCondLst>
+                                  <p:childTnLst>
+                                    <p:set>
+                                      <p:cBhvr>
+                                        <p:cTn id="42" dur="1" fill="hold">
+                                          <p:stCondLst>
+                                            <p:cond delay="0"/>
+                                          </p:stCondLst>
+                                        </p:cTn>
+                                        <p:tgtEl>
+                                          <p:spTgt spid="5"/>
+                                        </p:tgtEl>
+                                        <p:attrNameLst>
+                                          <p:attrName>style.visibility</p:attrName>
+                                        </p:attrNameLst>
+                                      </p:cBhvr>
+                                      <p:to>
+                                        <p:strVal val="visible"/>
+                                      </p:to>
+                                    </p:set>
+                                  </p:childTnLst>
+                                </p:cTn>
+                              </p:par>
+                            </p:childTnLst>
+                          </p:cTn>
+                        </p:par>
+                      </p:childTnLst>
+                    </p:cTn>
+                  </p:par>
+                  <p:par>
+                    <p:cTn id="43" fill="hold">
+                      <p:stCondLst>
+                        <p:cond delay="indefinite"/>
+                      </p:stCondLst>
+                      <p:childTnLst>
+                        <p:par>
+                          <p:cTn id="44" fill="hold">
+                            <p:stCondLst>
+                              <p:cond delay="0"/>
+                            </p:stCondLst>
+                            <p:childTnLst>
+                              <p:par>
+                                <p:cTn id="45" presetID="1" presetClass="entr" presetSubtype="0" fill="hold" grpId="10" nodeType="clickEffect">
+                                  <p:stCondLst>
+                                    <p:cond delay="0"/>
+                                  </p:stCondLst>
+                                  <p:childTnLst>
+                                    <p:set>
+                                      <p:cBhvr>
+                                        <p:cTn id="46" dur="1" fill="hold">
+                                          <p:stCondLst>
+                                            <p:cond delay="0"/>
+                                          </p:stCondLst>
+                                        </p:cTn>
+                                        <p:tgtEl>
+                                          <p:spTgt spid="5"/>
+                                        </p:tgtEl>
+                                        <p:attrNameLst>
+                                          <p:attrName>style.visibility</p:attrName>
+                                        </p:attrNameLst>
+                                      </p:cBhvr>
+                                      <p:to>
+                                        <p:strVal val="visible"/>
+                                      </p:to>
+                                    </p:set>
+                                  </p:childTnLst>
+                                </p:cTn>
+                              </p:par>
+                            </p:childTnLst>
+                          </p:cTn>
+                        </p:par>
+                      </p:childTnLst>
+                    </p:cTn>
+                  </p:par>
+                </p:childTnLst>
+              </p:cTn>
+              <p:prevCondLst>
+                <p:cond evt="onPrev" delay="0">
+                  <p:tgtEl>
+                    <p:sldTgt/>
+                  </p:tgtEl>
+                </p:cond>
+              </p:prevCondLst>
+              <p:nextCondLst>
+                <p:cond evt="onNext" delay="0">
+                  <p:tgtEl>
+                    <p:sldTgt/>
+                  </p:tgtEl>
+                </p:cond>
+              </p:nextCondLst>
+            </p:seq>
+          </p:childTnLst>
+        </p:cTn>
+      </p:par>
+    </p:tnLst>
+    <p:bldLst>
+      <p:bldGraphic spid="5" grpId="0">
+        <p:bldAsOne/>
+      </p:bldGraphic>
+      <p:bldGraphic spid="5" grpId="1">
+        <p:bldAsOne/>
+      </p:bldGraphic>
+      <p:bldGraphic spid="5" grpId="2">
+        <p:bldAsOne/>
+      </p:bldGraphic>
+      <p:bldGraphic spid="5" grpId="3">
+        <p:bldAsOne/>
+      </p:bldGraphic>
+      <p:bldGraphic spid="5" grpId="4">
+        <p:bldAsOne/>
+      </p:bldGraphic>
+      <p:bldGraphic spid="5" grpId="5">
+        <p:bldAsOne/>
+      </p:bldGraphic>
+      <p:bldGraphic spid="5" grpId="6">
+        <p:bldAsOne/>
+      </p:bldGraphic>
+      <p:bldGraphic spid="5" grpId="7">
+        <p:bldAsOne/>
+      </p:bldGraphic>
+      <p:bldGraphic spid="5" grpId="8">
+        <p:bldAsOne/>
+      </p:bldGraphic>
+      <p:bldGraphic spid="5" grpId="9">
+        <p:bldAsOne/>
+      </p:bldGraphic>
+      <p:bldGraphic spid="5" grpId="10">
+        <p:bldAsOne/>
+      </p:bldGraphic>
+    </p:bldLst>
+  </p:timing>
 </p:sld>
 </file>
 
@@ -30468,6 +31708,326 @@
   <p:clrMapOvr>
     <a:masterClrMapping/>
   </p:clrMapOvr>
+  <p:timing>
+    <p:tnLst>
+      <p:par>
+        <p:cTn id="1" dur="indefinite" restart="never" nodeType="tmRoot">
+          <p:childTnLst>
+            <p:seq concurrent="1" nextAc="seek">
+              <p:cTn id="2" dur="indefinite" nodeType="mainSeq">
+                <p:childTnLst>
+                  <p:par>
+                    <p:cTn id="3" fill="hold">
+                      <p:stCondLst>
+                        <p:cond delay="indefinite"/>
+                      </p:stCondLst>
+                      <p:childTnLst>
+                        <p:par>
+                          <p:cTn id="4" fill="hold">
+                            <p:stCondLst>
+                              <p:cond delay="0"/>
+                            </p:stCondLst>
+                            <p:childTnLst>
+                              <p:par>
+                                <p:cTn id="5" presetID="1" presetClass="entr" presetSubtype="0" fill="hold" grpId="0" nodeType="clickEffect">
+                                  <p:stCondLst>
+                                    <p:cond delay="0"/>
+                                  </p:stCondLst>
+                                  <p:childTnLst>
+                                    <p:set>
+                                      <p:cBhvr>
+                                        <p:cTn id="6" dur="1" fill="hold">
+                                          <p:stCondLst>
+                                            <p:cond delay="0"/>
+                                          </p:stCondLst>
+                                        </p:cTn>
+                                        <p:tgtEl>
+                                          <p:spTgt spid="5"/>
+                                        </p:tgtEl>
+                                        <p:attrNameLst>
+                                          <p:attrName>style.visibility</p:attrName>
+                                        </p:attrNameLst>
+                                      </p:cBhvr>
+                                      <p:to>
+                                        <p:strVal val="visible"/>
+                                      </p:to>
+                                    </p:set>
+                                  </p:childTnLst>
+                                </p:cTn>
+                              </p:par>
+                            </p:childTnLst>
+                          </p:cTn>
+                        </p:par>
+                      </p:childTnLst>
+                    </p:cTn>
+                  </p:par>
+                  <p:par>
+                    <p:cTn id="7" fill="hold">
+                      <p:stCondLst>
+                        <p:cond delay="indefinite"/>
+                      </p:stCondLst>
+                      <p:childTnLst>
+                        <p:par>
+                          <p:cTn id="8" fill="hold">
+                            <p:stCondLst>
+                              <p:cond delay="0"/>
+                            </p:stCondLst>
+                            <p:childTnLst>
+                              <p:par>
+                                <p:cTn id="9" presetID="1" presetClass="entr" presetSubtype="0" fill="hold" grpId="1" nodeType="clickEffect">
+                                  <p:stCondLst>
+                                    <p:cond delay="0"/>
+                                  </p:stCondLst>
+                                  <p:childTnLst>
+                                    <p:set>
+                                      <p:cBhvr>
+                                        <p:cTn id="10" dur="1" fill="hold">
+                                          <p:stCondLst>
+                                            <p:cond delay="0"/>
+                                          </p:stCondLst>
+                                        </p:cTn>
+                                        <p:tgtEl>
+                                          <p:spTgt spid="5"/>
+                                        </p:tgtEl>
+                                        <p:attrNameLst>
+                                          <p:attrName>style.visibility</p:attrName>
+                                        </p:attrNameLst>
+                                      </p:cBhvr>
+                                      <p:to>
+                                        <p:strVal val="visible"/>
+                                      </p:to>
+                                    </p:set>
+                                  </p:childTnLst>
+                                </p:cTn>
+                              </p:par>
+                            </p:childTnLst>
+                          </p:cTn>
+                        </p:par>
+                      </p:childTnLst>
+                    </p:cTn>
+                  </p:par>
+                  <p:par>
+                    <p:cTn id="11" fill="hold">
+                      <p:stCondLst>
+                        <p:cond delay="indefinite"/>
+                      </p:stCondLst>
+                      <p:childTnLst>
+                        <p:par>
+                          <p:cTn id="12" fill="hold">
+                            <p:stCondLst>
+                              <p:cond delay="0"/>
+                            </p:stCondLst>
+                            <p:childTnLst>
+                              <p:par>
+                                <p:cTn id="13" presetID="1" presetClass="entr" presetSubtype="0" fill="hold" grpId="2" nodeType="clickEffect">
+                                  <p:stCondLst>
+                                    <p:cond delay="0"/>
+                                  </p:stCondLst>
+                                  <p:childTnLst>
+                                    <p:set>
+                                      <p:cBhvr>
+                                        <p:cTn id="14" dur="1" fill="hold">
+                                          <p:stCondLst>
+                                            <p:cond delay="0"/>
+                                          </p:stCondLst>
+                                        </p:cTn>
+                                        <p:tgtEl>
+                                          <p:spTgt spid="5"/>
+                                        </p:tgtEl>
+                                        <p:attrNameLst>
+                                          <p:attrName>style.visibility</p:attrName>
+                                        </p:attrNameLst>
+                                      </p:cBhvr>
+                                      <p:to>
+                                        <p:strVal val="visible"/>
+                                      </p:to>
+                                    </p:set>
+                                  </p:childTnLst>
+                                </p:cTn>
+                              </p:par>
+                            </p:childTnLst>
+                          </p:cTn>
+                        </p:par>
+                      </p:childTnLst>
+                    </p:cTn>
+                  </p:par>
+                  <p:par>
+                    <p:cTn id="15" fill="hold">
+                      <p:stCondLst>
+                        <p:cond delay="indefinite"/>
+                      </p:stCondLst>
+                      <p:childTnLst>
+                        <p:par>
+                          <p:cTn id="16" fill="hold">
+                            <p:stCondLst>
+                              <p:cond delay="0"/>
+                            </p:stCondLst>
+                            <p:childTnLst>
+                              <p:par>
+                                <p:cTn id="17" presetID="1" presetClass="entr" presetSubtype="0" fill="hold" grpId="3" nodeType="clickEffect">
+                                  <p:stCondLst>
+                                    <p:cond delay="0"/>
+                                  </p:stCondLst>
+                                  <p:childTnLst>
+                                    <p:set>
+                                      <p:cBhvr>
+                                        <p:cTn id="18" dur="1" fill="hold">
+                                          <p:stCondLst>
+                                            <p:cond delay="0"/>
+                                          </p:stCondLst>
+                                        </p:cTn>
+                                        <p:tgtEl>
+                                          <p:spTgt spid="5"/>
+                                        </p:tgtEl>
+                                        <p:attrNameLst>
+                                          <p:attrName>style.visibility</p:attrName>
+                                        </p:attrNameLst>
+                                      </p:cBhvr>
+                                      <p:to>
+                                        <p:strVal val="visible"/>
+                                      </p:to>
+                                    </p:set>
+                                  </p:childTnLst>
+                                </p:cTn>
+                              </p:par>
+                            </p:childTnLst>
+                          </p:cTn>
+                        </p:par>
+                      </p:childTnLst>
+                    </p:cTn>
+                  </p:par>
+                  <p:par>
+                    <p:cTn id="19" fill="hold">
+                      <p:stCondLst>
+                        <p:cond delay="indefinite"/>
+                      </p:stCondLst>
+                      <p:childTnLst>
+                        <p:par>
+                          <p:cTn id="20" fill="hold">
+                            <p:stCondLst>
+                              <p:cond delay="0"/>
+                            </p:stCondLst>
+                            <p:childTnLst>
+                              <p:par>
+                                <p:cTn id="21" presetID="1" presetClass="entr" presetSubtype="0" fill="hold" grpId="4" nodeType="clickEffect">
+                                  <p:stCondLst>
+                                    <p:cond delay="0"/>
+                                  </p:stCondLst>
+                                  <p:childTnLst>
+                                    <p:set>
+                                      <p:cBhvr>
+                                        <p:cTn id="22" dur="1" fill="hold">
+                                          <p:stCondLst>
+                                            <p:cond delay="0"/>
+                                          </p:stCondLst>
+                                        </p:cTn>
+                                        <p:tgtEl>
+                                          <p:spTgt spid="5"/>
+                                        </p:tgtEl>
+                                        <p:attrNameLst>
+                                          <p:attrName>style.visibility</p:attrName>
+                                        </p:attrNameLst>
+                                      </p:cBhvr>
+                                      <p:to>
+                                        <p:strVal val="visible"/>
+                                      </p:to>
+                                    </p:set>
+                                  </p:childTnLst>
+                                </p:cTn>
+                              </p:par>
+                            </p:childTnLst>
+                          </p:cTn>
+                        </p:par>
+                      </p:childTnLst>
+                    </p:cTn>
+                  </p:par>
+                  <p:par>
+                    <p:cTn id="23" fill="hold">
+                      <p:stCondLst>
+                        <p:cond delay="indefinite"/>
+                      </p:stCondLst>
+                      <p:childTnLst>
+                        <p:par>
+                          <p:cTn id="24" fill="hold">
+                            <p:stCondLst>
+                              <p:cond delay="0"/>
+                            </p:stCondLst>
+                            <p:childTnLst>
+                              <p:par>
+                                <p:cTn id="25" presetID="1" presetClass="entr" presetSubtype="0" fill="hold" grpId="5" nodeType="clickEffect">
+                                  <p:stCondLst>
+                                    <p:cond delay="0"/>
+                                  </p:stCondLst>
+                                  <p:childTnLst>
+                                    <p:set>
+                                      <p:cBhvr>
+                                        <p:cTn id="26" dur="1" fill="hold">
+                                          <p:stCondLst>
+                                            <p:cond delay="0"/>
+                                          </p:stCondLst>
+                                        </p:cTn>
+                                        <p:tgtEl>
+                                          <p:spTgt spid="5"/>
+                                        </p:tgtEl>
+                                        <p:attrNameLst>
+                                          <p:attrName>style.visibility</p:attrName>
+                                        </p:attrNameLst>
+                                      </p:cBhvr>
+                                      <p:to>
+                                        <p:strVal val="visible"/>
+                                      </p:to>
+                                    </p:set>
+                                  </p:childTnLst>
+                                </p:cTn>
+                              </p:par>
+                            </p:childTnLst>
+                          </p:cTn>
+                        </p:par>
+                      </p:childTnLst>
+                    </p:cTn>
+                  </p:par>
+                </p:childTnLst>
+              </p:cTn>
+              <p:prevCondLst>
+                <p:cond evt="onPrev" delay="0">
+                  <p:tgtEl>
+                    <p:sldTgt/>
+                  </p:tgtEl>
+                </p:cond>
+              </p:prevCondLst>
+              <p:nextCondLst>
+                <p:cond evt="onNext" delay="0">
+                  <p:tgtEl>
+                    <p:sldTgt/>
+                  </p:tgtEl>
+                </p:cond>
+              </p:nextCondLst>
+            </p:seq>
+          </p:childTnLst>
+        </p:cTn>
+      </p:par>
+    </p:tnLst>
+    <p:bldLst>
+      <p:bldGraphic spid="5" grpId="0">
+        <p:bldAsOne/>
+      </p:bldGraphic>
+      <p:bldGraphic spid="5" grpId="1">
+        <p:bldAsOne/>
+      </p:bldGraphic>
+      <p:bldGraphic spid="5" grpId="2">
+        <p:bldAsOne/>
+      </p:bldGraphic>
+      <p:bldGraphic spid="5" grpId="3">
+        <p:bldAsOne/>
+      </p:bldGraphic>
+      <p:bldGraphic spid="5" grpId="4">
+        <p:bldAsOne/>
+      </p:bldGraphic>
+      <p:bldGraphic spid="5" grpId="5">
+        <p:bldAsOne/>
+      </p:bldGraphic>
+    </p:bldLst>
+  </p:timing>
 </p:sld>
 </file>
 
@@ -30894,6 +32454,281 @@
   <p:clrMapOvr>
     <a:masterClrMapping/>
   </p:clrMapOvr>
+  <p:timing>
+    <p:tnLst>
+      <p:par>
+        <p:cTn id="1" dur="indefinite" restart="never" nodeType="tmRoot">
+          <p:childTnLst>
+            <p:seq concurrent="1" nextAc="seek">
+              <p:cTn id="2" dur="indefinite" nodeType="mainSeq">
+                <p:childTnLst>
+                  <p:par>
+                    <p:cTn id="3" fill="hold">
+                      <p:stCondLst>
+                        <p:cond delay="indefinite"/>
+                      </p:stCondLst>
+                      <p:childTnLst>
+                        <p:par>
+                          <p:cTn id="4" fill="hold">
+                            <p:stCondLst>
+                              <p:cond delay="0"/>
+                            </p:stCondLst>
+                            <p:childTnLst>
+                              <p:par>
+                                <p:cTn id="5" presetID="1" presetClass="entr" presetSubtype="0" fill="hold" nodeType="clickEffect">
+                                  <p:stCondLst>
+                                    <p:cond delay="0"/>
+                                  </p:stCondLst>
+                                  <p:childTnLst>
+                                    <p:set>
+                                      <p:cBhvr>
+                                        <p:cTn id="6" dur="1" fill="hold">
+                                          <p:stCondLst>
+                                            <p:cond delay="0"/>
+                                          </p:stCondLst>
+                                        </p:cTn>
+                                        <p:tgtEl>
+                                          <p:spTgt spid="3">
+                                            <p:txEl>
+                                              <p:pRg st="1" end="1"/>
+                                            </p:txEl>
+                                          </p:spTgt>
+                                        </p:tgtEl>
+                                        <p:attrNameLst>
+                                          <p:attrName>style.visibility</p:attrName>
+                                        </p:attrNameLst>
+                                      </p:cBhvr>
+                                      <p:to>
+                                        <p:strVal val="visible"/>
+                                      </p:to>
+                                    </p:set>
+                                  </p:childTnLst>
+                                </p:cTn>
+                              </p:par>
+                            </p:childTnLst>
+                          </p:cTn>
+                        </p:par>
+                      </p:childTnLst>
+                    </p:cTn>
+                  </p:par>
+                  <p:par>
+                    <p:cTn id="7" fill="hold">
+                      <p:stCondLst>
+                        <p:cond delay="indefinite"/>
+                      </p:stCondLst>
+                      <p:childTnLst>
+                        <p:par>
+                          <p:cTn id="8" fill="hold">
+                            <p:stCondLst>
+                              <p:cond delay="0"/>
+                            </p:stCondLst>
+                            <p:childTnLst>
+                              <p:par>
+                                <p:cTn id="9" presetID="1" presetClass="entr" presetSubtype="0" fill="hold" nodeType="clickEffect">
+                                  <p:stCondLst>
+                                    <p:cond delay="0"/>
+                                  </p:stCondLst>
+                                  <p:childTnLst>
+                                    <p:set>
+                                      <p:cBhvr>
+                                        <p:cTn id="10" dur="1" fill="hold">
+                                          <p:stCondLst>
+                                            <p:cond delay="0"/>
+                                          </p:stCondLst>
+                                        </p:cTn>
+                                        <p:tgtEl>
+                                          <p:spTgt spid="3">
+                                            <p:txEl>
+                                              <p:pRg st="2" end="2"/>
+                                            </p:txEl>
+                                          </p:spTgt>
+                                        </p:tgtEl>
+                                        <p:attrNameLst>
+                                          <p:attrName>style.visibility</p:attrName>
+                                        </p:attrNameLst>
+                                      </p:cBhvr>
+                                      <p:to>
+                                        <p:strVal val="visible"/>
+                                      </p:to>
+                                    </p:set>
+                                  </p:childTnLst>
+                                </p:cTn>
+                              </p:par>
+                            </p:childTnLst>
+                          </p:cTn>
+                        </p:par>
+                      </p:childTnLst>
+                    </p:cTn>
+                  </p:par>
+                  <p:par>
+                    <p:cTn id="11" fill="hold">
+                      <p:stCondLst>
+                        <p:cond delay="indefinite"/>
+                      </p:stCondLst>
+                      <p:childTnLst>
+                        <p:par>
+                          <p:cTn id="12" fill="hold">
+                            <p:stCondLst>
+                              <p:cond delay="0"/>
+                            </p:stCondLst>
+                            <p:childTnLst>
+                              <p:par>
+                                <p:cTn id="13" presetID="1" presetClass="entr" presetSubtype="0" fill="hold" nodeType="clickEffect">
+                                  <p:stCondLst>
+                                    <p:cond delay="0"/>
+                                  </p:stCondLst>
+                                  <p:childTnLst>
+                                    <p:set>
+                                      <p:cBhvr>
+                                        <p:cTn id="14" dur="1" fill="hold">
+                                          <p:stCondLst>
+                                            <p:cond delay="0"/>
+                                          </p:stCondLst>
+                                        </p:cTn>
+                                        <p:tgtEl>
+                                          <p:spTgt spid="3">
+                                            <p:txEl>
+                                              <p:pRg st="3" end="3"/>
+                                            </p:txEl>
+                                          </p:spTgt>
+                                        </p:tgtEl>
+                                        <p:attrNameLst>
+                                          <p:attrName>style.visibility</p:attrName>
+                                        </p:attrNameLst>
+                                      </p:cBhvr>
+                                      <p:to>
+                                        <p:strVal val="visible"/>
+                                      </p:to>
+                                    </p:set>
+                                  </p:childTnLst>
+                                </p:cTn>
+                              </p:par>
+                            </p:childTnLst>
+                          </p:cTn>
+                        </p:par>
+                      </p:childTnLst>
+                    </p:cTn>
+                  </p:par>
+                  <p:par>
+                    <p:cTn id="15" fill="hold">
+                      <p:stCondLst>
+                        <p:cond delay="indefinite"/>
+                      </p:stCondLst>
+                      <p:childTnLst>
+                        <p:par>
+                          <p:cTn id="16" fill="hold">
+                            <p:stCondLst>
+                              <p:cond delay="0"/>
+                            </p:stCondLst>
+                            <p:childTnLst>
+                              <p:par>
+                                <p:cTn id="17" presetID="1" presetClass="entr" presetSubtype="0" fill="hold" nodeType="clickEffect">
+                                  <p:stCondLst>
+                                    <p:cond delay="0"/>
+                                  </p:stCondLst>
+                                  <p:childTnLst>
+                                    <p:set>
+                                      <p:cBhvr>
+                                        <p:cTn id="18" dur="1" fill="hold">
+                                          <p:stCondLst>
+                                            <p:cond delay="0"/>
+                                          </p:stCondLst>
+                                        </p:cTn>
+                                        <p:tgtEl>
+                                          <p:spTgt spid="3">
+                                            <p:txEl>
+                                              <p:pRg st="4" end="4"/>
+                                            </p:txEl>
+                                          </p:spTgt>
+                                        </p:tgtEl>
+                                        <p:attrNameLst>
+                                          <p:attrName>style.visibility</p:attrName>
+                                        </p:attrNameLst>
+                                      </p:cBhvr>
+                                      <p:to>
+                                        <p:strVal val="visible"/>
+                                      </p:to>
+                                    </p:set>
+                                  </p:childTnLst>
+                                </p:cTn>
+                              </p:par>
+                            </p:childTnLst>
+                          </p:cTn>
+                        </p:par>
+                      </p:childTnLst>
+                    </p:cTn>
+                  </p:par>
+                  <p:par>
+                    <p:cTn id="19" fill="hold">
+                      <p:stCondLst>
+                        <p:cond delay="indefinite"/>
+                      </p:stCondLst>
+                      <p:childTnLst>
+                        <p:par>
+                          <p:cTn id="20" fill="hold">
+                            <p:stCondLst>
+                              <p:cond delay="0"/>
+                            </p:stCondLst>
+                            <p:childTnLst>
+                              <p:par>
+                                <p:cTn id="21" presetID="1" presetClass="entr" presetSubtype="0" fill="hold" nodeType="clickEffect">
+                                  <p:stCondLst>
+                                    <p:cond delay="0"/>
+                                  </p:stCondLst>
+                                  <p:childTnLst>
+                                    <p:set>
+                                      <p:cBhvr>
+                                        <p:cTn id="22" dur="1" fill="hold">
+                                          <p:stCondLst>
+                                            <p:cond delay="0"/>
+                                          </p:stCondLst>
+                                        </p:cTn>
+                                        <p:tgtEl>
+                                          <p:spTgt spid="3">
+                                            <p:txEl>
+                                              <p:pRg st="5" end="5"/>
+                                            </p:txEl>
+                                          </p:spTgt>
+                                        </p:tgtEl>
+                                        <p:attrNameLst>
+                                          <p:attrName>style.visibility</p:attrName>
+                                        </p:attrNameLst>
+                                      </p:cBhvr>
+                                      <p:to>
+                                        <p:strVal val="visible"/>
+                                      </p:to>
+                                    </p:set>
+                                  </p:childTnLst>
+                                </p:cTn>
+                              </p:par>
+                            </p:childTnLst>
+                          </p:cTn>
+                        </p:par>
+                      </p:childTnLst>
+                    </p:cTn>
+                  </p:par>
+                </p:childTnLst>
+              </p:cTn>
+              <p:prevCondLst>
+                <p:cond evt="onPrev" delay="0">
+                  <p:tgtEl>
+                    <p:sldTgt/>
+                  </p:tgtEl>
+                </p:cond>
+              </p:prevCondLst>
+              <p:nextCondLst>
+                <p:cond evt="onNext" delay="0">
+                  <p:tgtEl>
+                    <p:sldTgt/>
+                  </p:tgtEl>
+                </p:cond>
+              </p:nextCondLst>
+            </p:seq>
+          </p:childTnLst>
+        </p:cTn>
+      </p:par>
+    </p:tnLst>
+  </p:timing>
 </p:sld>
 </file>
 
@@ -31207,6 +33042,278 @@
   <p:clrMapOvr>
     <a:masterClrMapping/>
   </p:clrMapOvr>
+  <p:timing>
+    <p:tnLst>
+      <p:par>
+        <p:cTn id="1" dur="indefinite" restart="never" nodeType="tmRoot">
+          <p:childTnLst>
+            <p:seq concurrent="1" nextAc="seek">
+              <p:cTn id="2" dur="indefinite" nodeType="mainSeq">
+                <p:childTnLst>
+                  <p:par>
+                    <p:cTn id="3" fill="hold">
+                      <p:stCondLst>
+                        <p:cond delay="indefinite"/>
+                      </p:stCondLst>
+                      <p:childTnLst>
+                        <p:par>
+                          <p:cTn id="4" fill="hold">
+                            <p:stCondLst>
+                              <p:cond delay="0"/>
+                            </p:stCondLst>
+                            <p:childTnLst>
+                              <p:par>
+                                <p:cTn id="5" presetID="1" presetClass="entr" presetSubtype="0" fill="hold" grpId="0" nodeType="clickEffect">
+                                  <p:stCondLst>
+                                    <p:cond delay="0"/>
+                                  </p:stCondLst>
+                                  <p:childTnLst>
+                                    <p:set>
+                                      <p:cBhvr>
+                                        <p:cTn id="6" dur="1" fill="hold">
+                                          <p:stCondLst>
+                                            <p:cond delay="0"/>
+                                          </p:stCondLst>
+                                        </p:cTn>
+                                        <p:tgtEl>
+                                          <p:spTgt spid="5"/>
+                                        </p:tgtEl>
+                                        <p:attrNameLst>
+                                          <p:attrName>style.visibility</p:attrName>
+                                        </p:attrNameLst>
+                                      </p:cBhvr>
+                                      <p:to>
+                                        <p:strVal val="visible"/>
+                                      </p:to>
+                                    </p:set>
+                                  </p:childTnLst>
+                                </p:cTn>
+                              </p:par>
+                            </p:childTnLst>
+                          </p:cTn>
+                        </p:par>
+                      </p:childTnLst>
+                    </p:cTn>
+                  </p:par>
+                  <p:par>
+                    <p:cTn id="7" fill="hold">
+                      <p:stCondLst>
+                        <p:cond delay="indefinite"/>
+                      </p:stCondLst>
+                      <p:childTnLst>
+                        <p:par>
+                          <p:cTn id="8" fill="hold">
+                            <p:stCondLst>
+                              <p:cond delay="0"/>
+                            </p:stCondLst>
+                            <p:childTnLst>
+                              <p:par>
+                                <p:cTn id="9" presetID="1" presetClass="entr" presetSubtype="0" fill="hold" grpId="1" nodeType="clickEffect">
+                                  <p:stCondLst>
+                                    <p:cond delay="0"/>
+                                  </p:stCondLst>
+                                  <p:childTnLst>
+                                    <p:set>
+                                      <p:cBhvr>
+                                        <p:cTn id="10" dur="1" fill="hold">
+                                          <p:stCondLst>
+                                            <p:cond delay="0"/>
+                                          </p:stCondLst>
+                                        </p:cTn>
+                                        <p:tgtEl>
+                                          <p:spTgt spid="5"/>
+                                        </p:tgtEl>
+                                        <p:attrNameLst>
+                                          <p:attrName>style.visibility</p:attrName>
+                                        </p:attrNameLst>
+                                      </p:cBhvr>
+                                      <p:to>
+                                        <p:strVal val="visible"/>
+                                      </p:to>
+                                    </p:set>
+                                  </p:childTnLst>
+                                </p:cTn>
+                              </p:par>
+                            </p:childTnLst>
+                          </p:cTn>
+                        </p:par>
+                      </p:childTnLst>
+                    </p:cTn>
+                  </p:par>
+                  <p:par>
+                    <p:cTn id="11" fill="hold">
+                      <p:stCondLst>
+                        <p:cond delay="indefinite"/>
+                      </p:stCondLst>
+                      <p:childTnLst>
+                        <p:par>
+                          <p:cTn id="12" fill="hold">
+                            <p:stCondLst>
+                              <p:cond delay="0"/>
+                            </p:stCondLst>
+                            <p:childTnLst>
+                              <p:par>
+                                <p:cTn id="13" presetID="1" presetClass="entr" presetSubtype="0" fill="hold" grpId="2" nodeType="clickEffect">
+                                  <p:stCondLst>
+                                    <p:cond delay="0"/>
+                                  </p:stCondLst>
+                                  <p:childTnLst>
+                                    <p:set>
+                                      <p:cBhvr>
+                                        <p:cTn id="14" dur="1" fill="hold">
+                                          <p:stCondLst>
+                                            <p:cond delay="0"/>
+                                          </p:stCondLst>
+                                        </p:cTn>
+                                        <p:tgtEl>
+                                          <p:spTgt spid="5"/>
+                                        </p:tgtEl>
+                                        <p:attrNameLst>
+                                          <p:attrName>style.visibility</p:attrName>
+                                        </p:attrNameLst>
+                                      </p:cBhvr>
+                                      <p:to>
+                                        <p:strVal val="visible"/>
+                                      </p:to>
+                                    </p:set>
+                                  </p:childTnLst>
+                                </p:cTn>
+                              </p:par>
+                            </p:childTnLst>
+                          </p:cTn>
+                        </p:par>
+                      </p:childTnLst>
+                    </p:cTn>
+                  </p:par>
+                  <p:par>
+                    <p:cTn id="15" fill="hold">
+                      <p:stCondLst>
+                        <p:cond delay="indefinite"/>
+                      </p:stCondLst>
+                      <p:childTnLst>
+                        <p:par>
+                          <p:cTn id="16" fill="hold">
+                            <p:stCondLst>
+                              <p:cond delay="0"/>
+                            </p:stCondLst>
+                            <p:childTnLst>
+                              <p:par>
+                                <p:cTn id="17" presetID="1" presetClass="entr" presetSubtype="0" fill="hold" grpId="3" nodeType="clickEffect">
+                                  <p:stCondLst>
+                                    <p:cond delay="0"/>
+                                  </p:stCondLst>
+                                  <p:childTnLst>
+                                    <p:set>
+                                      <p:cBhvr>
+                                        <p:cTn id="18" dur="1" fill="hold">
+                                          <p:stCondLst>
+                                            <p:cond delay="0"/>
+                                          </p:stCondLst>
+                                        </p:cTn>
+                                        <p:tgtEl>
+                                          <p:spTgt spid="5"/>
+                                        </p:tgtEl>
+                                        <p:attrNameLst>
+                                          <p:attrName>style.visibility</p:attrName>
+                                        </p:attrNameLst>
+                                      </p:cBhvr>
+                                      <p:to>
+                                        <p:strVal val="visible"/>
+                                      </p:to>
+                                    </p:set>
+                                  </p:childTnLst>
+                                </p:cTn>
+                              </p:par>
+                            </p:childTnLst>
+                          </p:cTn>
+                        </p:par>
+                      </p:childTnLst>
+                    </p:cTn>
+                  </p:par>
+                  <p:par>
+                    <p:cTn id="19" fill="hold">
+                      <p:stCondLst>
+                        <p:cond delay="indefinite"/>
+                      </p:stCondLst>
+                      <p:childTnLst>
+                        <p:par>
+                          <p:cTn id="20" fill="hold">
+                            <p:stCondLst>
+                              <p:cond delay="0"/>
+                            </p:stCondLst>
+                            <p:childTnLst>
+                              <p:par>
+                                <p:cTn id="21" presetID="1" presetClass="entr" presetSubtype="0" fill="hold" grpId="4" nodeType="clickEffect">
+                                  <p:stCondLst>
+                                    <p:cond delay="0"/>
+                                  </p:stCondLst>
+                                  <p:childTnLst>
+                                    <p:set>
+                                      <p:cBhvr>
+                                        <p:cTn id="22" dur="1" fill="hold">
+                                          <p:stCondLst>
+                                            <p:cond delay="0"/>
+                                          </p:stCondLst>
+                                        </p:cTn>
+                                        <p:tgtEl>
+                                          <p:spTgt spid="5"/>
+                                        </p:tgtEl>
+                                        <p:attrNameLst>
+                                          <p:attrName>style.visibility</p:attrName>
+                                        </p:attrNameLst>
+                                      </p:cBhvr>
+                                      <p:to>
+                                        <p:strVal val="visible"/>
+                                      </p:to>
+                                    </p:set>
+                                  </p:childTnLst>
+                                </p:cTn>
+                              </p:par>
+                            </p:childTnLst>
+                          </p:cTn>
+                        </p:par>
+                      </p:childTnLst>
+                    </p:cTn>
+                  </p:par>
+                </p:childTnLst>
+              </p:cTn>
+              <p:prevCondLst>
+                <p:cond evt="onPrev" delay="0">
+                  <p:tgtEl>
+                    <p:sldTgt/>
+                  </p:tgtEl>
+                </p:cond>
+              </p:prevCondLst>
+              <p:nextCondLst>
+                <p:cond evt="onNext" delay="0">
+                  <p:tgtEl>
+                    <p:sldTgt/>
+                  </p:tgtEl>
+                </p:cond>
+              </p:nextCondLst>
+            </p:seq>
+          </p:childTnLst>
+        </p:cTn>
+      </p:par>
+    </p:tnLst>
+    <p:bldLst>
+      <p:bldGraphic spid="5" grpId="0">
+        <p:bldAsOne/>
+      </p:bldGraphic>
+      <p:bldGraphic spid="5" grpId="1">
+        <p:bldAsOne/>
+      </p:bldGraphic>
+      <p:bldGraphic spid="5" grpId="2">
+        <p:bldAsOne/>
+      </p:bldGraphic>
+      <p:bldGraphic spid="5" grpId="3">
+        <p:bldAsOne/>
+      </p:bldGraphic>
+      <p:bldGraphic spid="5" grpId="4">
+        <p:bldAsOne/>
+      </p:bldGraphic>
+    </p:bldLst>
+  </p:timing>
 </p:sld>
 </file>
 
@@ -31931,70 +34038,70 @@
           <a:lstStyle/>
           <a:p>
             <a:r>
-              <a:rPr lang="es-CL" sz="2000" b="1"/>
+              <a:rPr lang="es-CL" sz="2000" b="1" dirty="0"/>
               <a:t>🟩 En Minecraft:</a:t>
             </a:r>
           </a:p>
           <a:p>
             <a:r>
-              <a:rPr lang="es-CL" sz="2000"/>
+              <a:rPr lang="es-CL" sz="2000" dirty="0"/>
               <a:t>Puedes jugar </a:t>
             </a:r>
             <a:r>
-              <a:rPr lang="es-CL" sz="2000" b="1"/>
+              <a:rPr lang="es-CL" sz="2000" b="1" dirty="0"/>
               <a:t>solo</a:t>
             </a:r>
             <a:r>
-              <a:rPr lang="es-CL" sz="2000"/>
+              <a:rPr lang="es-CL" sz="2000" dirty="0"/>
               <a:t> (súper seguro) o </a:t>
             </a:r>
             <a:r>
-              <a:rPr lang="es-CL" sz="2000" b="1"/>
+              <a:rPr lang="es-CL" sz="2000" b="1" dirty="0"/>
               <a:t>con otras personas</a:t>
             </a:r>
             <a:r>
-              <a:rPr lang="es-CL" sz="2000"/>
+              <a:rPr lang="es-CL" sz="2000" dirty="0"/>
               <a:t> (necesitas más cuidado)</a:t>
             </a:r>
           </a:p>
           <a:p>
             <a:r>
-              <a:rPr lang="es-CL" sz="2000"/>
+              <a:rPr lang="es-CL" sz="2000" dirty="0"/>
               <a:t>En algunos servidores hay </a:t>
             </a:r>
             <a:r>
-              <a:rPr lang="es-CL" sz="2000" b="1"/>
+              <a:rPr lang="es-CL" sz="2000" b="1" dirty="0"/>
               <a:t>chat donde hablas con desconocidos</a:t>
             </a:r>
-            <a:endParaRPr lang="es-CL" sz="2000"/>
-          </a:p>
-          <a:p>
-            <a:r>
-              <a:rPr lang="es-CL" sz="2000"/>
+            <a:endParaRPr lang="es-CL" sz="2000" dirty="0"/>
+          </a:p>
+          <a:p>
+            <a:r>
+              <a:rPr lang="es-CL" sz="2000" dirty="0"/>
               <a:t>Algunas personas pueden </a:t>
             </a:r>
             <a:r>
-              <a:rPr lang="es-CL" sz="2000" b="1"/>
+              <a:rPr lang="es-CL" sz="2000" b="1" dirty="0"/>
               <a:t>construir cosas inapropiadas</a:t>
             </a:r>
-            <a:endParaRPr lang="es-CL" sz="2000"/>
-          </a:p>
-          <a:p>
-            <a:r>
-              <a:rPr lang="es-CL" sz="2000"/>
+            <a:endParaRPr lang="es-CL" sz="2000" dirty="0"/>
+          </a:p>
+          <a:p>
+            <a:r>
+              <a:rPr lang="es-CL" sz="2000" dirty="0"/>
               <a:t>Los </a:t>
             </a:r>
             <a:r>
-              <a:rPr lang="es-CL" sz="2000" b="1"/>
+              <a:rPr lang="es-CL" sz="2000" b="1" dirty="0"/>
               <a:t>mods</a:t>
             </a:r>
             <a:r>
-              <a:rPr lang="es-CL" sz="2000"/>
+              <a:rPr lang="es-CL" sz="2000" dirty="0"/>
               <a:t> (modificaciones) pueden ser peligrosos si no vienen de sitios oficiales</a:t>
             </a:r>
           </a:p>
           <a:p>
-            <a:endParaRPr lang="es-ES_tradnl" sz="2000"/>
+            <a:endParaRPr lang="es-ES_tradnl" sz="2000" dirty="0"/>
           </a:p>
         </p:txBody>
       </p:sp>
@@ -32008,6 +34115,281 @@
   <p:clrMapOvr>
     <a:masterClrMapping/>
   </p:clrMapOvr>
+  <p:timing>
+    <p:tnLst>
+      <p:par>
+        <p:cTn id="1" dur="indefinite" restart="never" nodeType="tmRoot">
+          <p:childTnLst>
+            <p:seq concurrent="1" nextAc="seek">
+              <p:cTn id="2" dur="indefinite" nodeType="mainSeq">
+                <p:childTnLst>
+                  <p:par>
+                    <p:cTn id="3" fill="hold">
+                      <p:stCondLst>
+                        <p:cond delay="indefinite"/>
+                      </p:stCondLst>
+                      <p:childTnLst>
+                        <p:par>
+                          <p:cTn id="4" fill="hold">
+                            <p:stCondLst>
+                              <p:cond delay="0"/>
+                            </p:stCondLst>
+                            <p:childTnLst>
+                              <p:par>
+                                <p:cTn id="5" presetID="1" presetClass="entr" presetSubtype="0" fill="hold" nodeType="clickEffect">
+                                  <p:stCondLst>
+                                    <p:cond delay="0"/>
+                                  </p:stCondLst>
+                                  <p:childTnLst>
+                                    <p:set>
+                                      <p:cBhvr>
+                                        <p:cTn id="6" dur="1" fill="hold">
+                                          <p:stCondLst>
+                                            <p:cond delay="0"/>
+                                          </p:stCondLst>
+                                        </p:cTn>
+                                        <p:tgtEl>
+                                          <p:spTgt spid="3">
+                                            <p:txEl>
+                                              <p:pRg st="0" end="0"/>
+                                            </p:txEl>
+                                          </p:spTgt>
+                                        </p:tgtEl>
+                                        <p:attrNameLst>
+                                          <p:attrName>style.visibility</p:attrName>
+                                        </p:attrNameLst>
+                                      </p:cBhvr>
+                                      <p:to>
+                                        <p:strVal val="visible"/>
+                                      </p:to>
+                                    </p:set>
+                                  </p:childTnLst>
+                                </p:cTn>
+                              </p:par>
+                            </p:childTnLst>
+                          </p:cTn>
+                        </p:par>
+                      </p:childTnLst>
+                    </p:cTn>
+                  </p:par>
+                  <p:par>
+                    <p:cTn id="7" fill="hold">
+                      <p:stCondLst>
+                        <p:cond delay="indefinite"/>
+                      </p:stCondLst>
+                      <p:childTnLst>
+                        <p:par>
+                          <p:cTn id="8" fill="hold">
+                            <p:stCondLst>
+                              <p:cond delay="0"/>
+                            </p:stCondLst>
+                            <p:childTnLst>
+                              <p:par>
+                                <p:cTn id="9" presetID="1" presetClass="entr" presetSubtype="0" fill="hold" nodeType="clickEffect">
+                                  <p:stCondLst>
+                                    <p:cond delay="0"/>
+                                  </p:stCondLst>
+                                  <p:childTnLst>
+                                    <p:set>
+                                      <p:cBhvr>
+                                        <p:cTn id="10" dur="1" fill="hold">
+                                          <p:stCondLst>
+                                            <p:cond delay="0"/>
+                                          </p:stCondLst>
+                                        </p:cTn>
+                                        <p:tgtEl>
+                                          <p:spTgt spid="3">
+                                            <p:txEl>
+                                              <p:pRg st="1" end="1"/>
+                                            </p:txEl>
+                                          </p:spTgt>
+                                        </p:tgtEl>
+                                        <p:attrNameLst>
+                                          <p:attrName>style.visibility</p:attrName>
+                                        </p:attrNameLst>
+                                      </p:cBhvr>
+                                      <p:to>
+                                        <p:strVal val="visible"/>
+                                      </p:to>
+                                    </p:set>
+                                  </p:childTnLst>
+                                </p:cTn>
+                              </p:par>
+                            </p:childTnLst>
+                          </p:cTn>
+                        </p:par>
+                      </p:childTnLst>
+                    </p:cTn>
+                  </p:par>
+                  <p:par>
+                    <p:cTn id="11" fill="hold">
+                      <p:stCondLst>
+                        <p:cond delay="indefinite"/>
+                      </p:stCondLst>
+                      <p:childTnLst>
+                        <p:par>
+                          <p:cTn id="12" fill="hold">
+                            <p:stCondLst>
+                              <p:cond delay="0"/>
+                            </p:stCondLst>
+                            <p:childTnLst>
+                              <p:par>
+                                <p:cTn id="13" presetID="1" presetClass="entr" presetSubtype="0" fill="hold" nodeType="clickEffect">
+                                  <p:stCondLst>
+                                    <p:cond delay="0"/>
+                                  </p:stCondLst>
+                                  <p:childTnLst>
+                                    <p:set>
+                                      <p:cBhvr>
+                                        <p:cTn id="14" dur="1" fill="hold">
+                                          <p:stCondLst>
+                                            <p:cond delay="0"/>
+                                          </p:stCondLst>
+                                        </p:cTn>
+                                        <p:tgtEl>
+                                          <p:spTgt spid="3">
+                                            <p:txEl>
+                                              <p:pRg st="2" end="2"/>
+                                            </p:txEl>
+                                          </p:spTgt>
+                                        </p:tgtEl>
+                                        <p:attrNameLst>
+                                          <p:attrName>style.visibility</p:attrName>
+                                        </p:attrNameLst>
+                                      </p:cBhvr>
+                                      <p:to>
+                                        <p:strVal val="visible"/>
+                                      </p:to>
+                                    </p:set>
+                                  </p:childTnLst>
+                                </p:cTn>
+                              </p:par>
+                            </p:childTnLst>
+                          </p:cTn>
+                        </p:par>
+                      </p:childTnLst>
+                    </p:cTn>
+                  </p:par>
+                  <p:par>
+                    <p:cTn id="15" fill="hold">
+                      <p:stCondLst>
+                        <p:cond delay="indefinite"/>
+                      </p:stCondLst>
+                      <p:childTnLst>
+                        <p:par>
+                          <p:cTn id="16" fill="hold">
+                            <p:stCondLst>
+                              <p:cond delay="0"/>
+                            </p:stCondLst>
+                            <p:childTnLst>
+                              <p:par>
+                                <p:cTn id="17" presetID="1" presetClass="entr" presetSubtype="0" fill="hold" nodeType="clickEffect">
+                                  <p:stCondLst>
+                                    <p:cond delay="0"/>
+                                  </p:stCondLst>
+                                  <p:childTnLst>
+                                    <p:set>
+                                      <p:cBhvr>
+                                        <p:cTn id="18" dur="1" fill="hold">
+                                          <p:stCondLst>
+                                            <p:cond delay="0"/>
+                                          </p:stCondLst>
+                                        </p:cTn>
+                                        <p:tgtEl>
+                                          <p:spTgt spid="3">
+                                            <p:txEl>
+                                              <p:pRg st="3" end="3"/>
+                                            </p:txEl>
+                                          </p:spTgt>
+                                        </p:tgtEl>
+                                        <p:attrNameLst>
+                                          <p:attrName>style.visibility</p:attrName>
+                                        </p:attrNameLst>
+                                      </p:cBhvr>
+                                      <p:to>
+                                        <p:strVal val="visible"/>
+                                      </p:to>
+                                    </p:set>
+                                  </p:childTnLst>
+                                </p:cTn>
+                              </p:par>
+                            </p:childTnLst>
+                          </p:cTn>
+                        </p:par>
+                      </p:childTnLst>
+                    </p:cTn>
+                  </p:par>
+                  <p:par>
+                    <p:cTn id="19" fill="hold">
+                      <p:stCondLst>
+                        <p:cond delay="indefinite"/>
+                      </p:stCondLst>
+                      <p:childTnLst>
+                        <p:par>
+                          <p:cTn id="20" fill="hold">
+                            <p:stCondLst>
+                              <p:cond delay="0"/>
+                            </p:stCondLst>
+                            <p:childTnLst>
+                              <p:par>
+                                <p:cTn id="21" presetID="1" presetClass="entr" presetSubtype="0" fill="hold" nodeType="clickEffect">
+                                  <p:stCondLst>
+                                    <p:cond delay="0"/>
+                                  </p:stCondLst>
+                                  <p:childTnLst>
+                                    <p:set>
+                                      <p:cBhvr>
+                                        <p:cTn id="22" dur="1" fill="hold">
+                                          <p:stCondLst>
+                                            <p:cond delay="0"/>
+                                          </p:stCondLst>
+                                        </p:cTn>
+                                        <p:tgtEl>
+                                          <p:spTgt spid="3">
+                                            <p:txEl>
+                                              <p:pRg st="4" end="4"/>
+                                            </p:txEl>
+                                          </p:spTgt>
+                                        </p:tgtEl>
+                                        <p:attrNameLst>
+                                          <p:attrName>style.visibility</p:attrName>
+                                        </p:attrNameLst>
+                                      </p:cBhvr>
+                                      <p:to>
+                                        <p:strVal val="visible"/>
+                                      </p:to>
+                                    </p:set>
+                                  </p:childTnLst>
+                                </p:cTn>
+                              </p:par>
+                            </p:childTnLst>
+                          </p:cTn>
+                        </p:par>
+                      </p:childTnLst>
+                    </p:cTn>
+                  </p:par>
+                </p:childTnLst>
+              </p:cTn>
+              <p:prevCondLst>
+                <p:cond evt="onPrev" delay="0">
+                  <p:tgtEl>
+                    <p:sldTgt/>
+                  </p:tgtEl>
+                </p:cond>
+              </p:prevCondLst>
+              <p:nextCondLst>
+                <p:cond evt="onNext" delay="0">
+                  <p:tgtEl>
+                    <p:sldTgt/>
+                  </p:tgtEl>
+                </p:cond>
+              </p:nextCondLst>
+            </p:seq>
+          </p:childTnLst>
+        </p:cTn>
+      </p:par>
+    </p:tnLst>
+  </p:timing>
 </p:sld>
 </file>
 
@@ -32293,124 +34675,124 @@
           <a:lstStyle/>
           <a:p>
             <a:r>
-              <a:rPr lang="es-CL" sz="1700" b="1"/>
+              <a:rPr lang="es-CL" sz="1700" b="1" dirty="0"/>
               <a:t>Regla #1: La Información Secreta 🤫</a:t>
             </a:r>
           </a:p>
           <a:p>
             <a:r>
-              <a:rPr lang="es-CL" sz="1700" b="1"/>
+              <a:rPr lang="es-CL" sz="1700" b="1" dirty="0"/>
               <a:t>NUNCA compartas:</a:t>
             </a:r>
-            <a:endParaRPr lang="es-CL" sz="1700"/>
+            <a:endParaRPr lang="es-CL" sz="1700" dirty="0"/>
           </a:p>
           <a:p>
             <a:pPr lvl="1"/>
             <a:r>
-              <a:rPr lang="es-CL" sz="1700"/>
+              <a:rPr lang="es-CL" sz="1700" dirty="0"/>
               <a:t>🏠 </a:t>
             </a:r>
             <a:r>
-              <a:rPr lang="es-CL" sz="1700" b="1"/>
+              <a:rPr lang="es-CL" sz="1700" b="1" dirty="0"/>
               <a:t>Tu dirección</a:t>
             </a:r>
             <a:r>
-              <a:rPr lang="es-CL" sz="1700"/>
+              <a:rPr lang="es-CL" sz="1700" dirty="0"/>
               <a:t> - "¿Dónde vives?" ¡NO respondas!</a:t>
             </a:r>
           </a:p>
           <a:p>
             <a:pPr lvl="1"/>
             <a:r>
-              <a:rPr lang="es-CL" sz="1700"/>
+              <a:rPr lang="es-CL" sz="1700" dirty="0"/>
               <a:t>📞 </a:t>
             </a:r>
             <a:r>
-              <a:rPr lang="es-CL" sz="1700" b="1"/>
+              <a:rPr lang="es-CL" sz="1700" b="1" dirty="0"/>
               <a:t>Tu teléfono</a:t>
             </a:r>
             <a:r>
-              <a:rPr lang="es-CL" sz="1700"/>
+              <a:rPr lang="es-CL" sz="1700" dirty="0"/>
               <a:t> - "¿Cuál es tu número?" ¡NO lo digas!</a:t>
             </a:r>
           </a:p>
           <a:p>
             <a:pPr lvl="1"/>
             <a:r>
-              <a:rPr lang="es-CL" sz="1700"/>
+              <a:rPr lang="es-CL" sz="1700" dirty="0"/>
               <a:t>🏫 </a:t>
             </a:r>
             <a:r>
-              <a:rPr lang="es-CL" sz="1700" b="1"/>
+              <a:rPr lang="es-CL" sz="1700" b="1" dirty="0"/>
               <a:t>Tu escuela</a:t>
             </a:r>
             <a:r>
-              <a:rPr lang="es-CL" sz="1700"/>
+              <a:rPr lang="es-CL" sz="1700" dirty="0"/>
               <a:t> - "¿A qué colegio vas?" ¡NO lo cuentes!</a:t>
             </a:r>
           </a:p>
           <a:p>
             <a:pPr lvl="1"/>
             <a:r>
-              <a:rPr lang="es-CL" sz="1700"/>
+              <a:rPr lang="es-CL" sz="1700" dirty="0"/>
               <a:t>👨‍👩‍👧‍👦 </a:t>
             </a:r>
             <a:r>
-              <a:rPr lang="es-CL" sz="1700" b="1"/>
+              <a:rPr lang="es-CL" sz="1700" b="1" dirty="0"/>
               <a:t>Nombres de tus papás</a:t>
             </a:r>
             <a:r>
-              <a:rPr lang="es-CL" sz="1700"/>
+              <a:rPr lang="es-CL" sz="1700" dirty="0"/>
               <a:t> - "¿Cómo se llaman tus padres?" ¡NO lo digas!</a:t>
             </a:r>
           </a:p>
           <a:p>
             <a:pPr lvl="1"/>
             <a:r>
-              <a:rPr lang="es-CL" sz="1700"/>
+              <a:rPr lang="es-CL" sz="1700" dirty="0"/>
               <a:t>📸 </a:t>
             </a:r>
             <a:r>
-              <a:rPr lang="es-CL" sz="1700" b="1"/>
+              <a:rPr lang="es-CL" sz="1700" b="1" dirty="0"/>
               <a:t>Fotos tuyas</a:t>
             </a:r>
             <a:r>
-              <a:rPr lang="es-CL" sz="1700"/>
+              <a:rPr lang="es-CL" sz="1700" dirty="0"/>
               <a:t> - "Envíame una foto" ¡NO lo hagas!</a:t>
             </a:r>
           </a:p>
           <a:p>
             <a:pPr lvl="1"/>
             <a:r>
-              <a:rPr lang="es-CL" sz="1700"/>
+              <a:rPr lang="es-CL" sz="1700" dirty="0"/>
               <a:t>🎂 </a:t>
             </a:r>
             <a:r>
-              <a:rPr lang="es-CL" sz="1700" b="1"/>
+              <a:rPr lang="es-CL" sz="1700" b="1" dirty="0"/>
               <a:t>Tu cumpleaños completo</a:t>
             </a:r>
             <a:r>
-              <a:rPr lang="es-CL" sz="1700"/>
+              <a:rPr lang="es-CL" sz="1700" dirty="0"/>
               <a:t> - Solo puedes decir tu edad</a:t>
             </a:r>
           </a:p>
           <a:p>
             <a:pPr lvl="1"/>
             <a:r>
-              <a:rPr lang="es-CL" sz="1700"/>
+              <a:rPr lang="es-CL" sz="1700" dirty="0"/>
               <a:t>🔑 </a:t>
             </a:r>
             <a:r>
-              <a:rPr lang="es-CL" sz="1700" b="1"/>
+              <a:rPr lang="es-CL" sz="1700" b="1" dirty="0"/>
               <a:t>Tus contraseñas</a:t>
             </a:r>
             <a:r>
-              <a:rPr lang="es-CL" sz="1700"/>
+              <a:rPr lang="es-CL" sz="1700" dirty="0"/>
               <a:t> - ¡NUNCA las compartas con nadie!</a:t>
             </a:r>
           </a:p>
           <a:p>
-            <a:endParaRPr lang="es-ES_tradnl" sz="1700"/>
+            <a:endParaRPr lang="es-ES_tradnl" sz="1700" dirty="0"/>
           </a:p>
         </p:txBody>
       </p:sp>
@@ -32424,6 +34806,477 @@
   <p:clrMapOvr>
     <a:masterClrMapping/>
   </p:clrMapOvr>
+  <p:timing>
+    <p:tnLst>
+      <p:par>
+        <p:cTn id="1" dur="indefinite" restart="never" nodeType="tmRoot">
+          <p:childTnLst>
+            <p:seq concurrent="1" nextAc="seek">
+              <p:cTn id="2" dur="indefinite" nodeType="mainSeq">
+                <p:childTnLst>
+                  <p:par>
+                    <p:cTn id="3" fill="hold">
+                      <p:stCondLst>
+                        <p:cond delay="indefinite"/>
+                      </p:stCondLst>
+                      <p:childTnLst>
+                        <p:par>
+                          <p:cTn id="4" fill="hold">
+                            <p:stCondLst>
+                              <p:cond delay="0"/>
+                            </p:stCondLst>
+                            <p:childTnLst>
+                              <p:par>
+                                <p:cTn id="5" presetID="1" presetClass="entr" presetSubtype="0" fill="hold" nodeType="clickEffect">
+                                  <p:stCondLst>
+                                    <p:cond delay="0"/>
+                                  </p:stCondLst>
+                                  <p:childTnLst>
+                                    <p:set>
+                                      <p:cBhvr>
+                                        <p:cTn id="6" dur="1" fill="hold">
+                                          <p:stCondLst>
+                                            <p:cond delay="0"/>
+                                          </p:stCondLst>
+                                        </p:cTn>
+                                        <p:tgtEl>
+                                          <p:spTgt spid="3">
+                                            <p:txEl>
+                                              <p:pRg st="0" end="0"/>
+                                            </p:txEl>
+                                          </p:spTgt>
+                                        </p:tgtEl>
+                                        <p:attrNameLst>
+                                          <p:attrName>style.visibility</p:attrName>
+                                        </p:attrNameLst>
+                                      </p:cBhvr>
+                                      <p:to>
+                                        <p:strVal val="visible"/>
+                                      </p:to>
+                                    </p:set>
+                                  </p:childTnLst>
+                                </p:cTn>
+                              </p:par>
+                            </p:childTnLst>
+                          </p:cTn>
+                        </p:par>
+                      </p:childTnLst>
+                    </p:cTn>
+                  </p:par>
+                  <p:par>
+                    <p:cTn id="7" fill="hold">
+                      <p:stCondLst>
+                        <p:cond delay="indefinite"/>
+                      </p:stCondLst>
+                      <p:childTnLst>
+                        <p:par>
+                          <p:cTn id="8" fill="hold">
+                            <p:stCondLst>
+                              <p:cond delay="0"/>
+                            </p:stCondLst>
+                            <p:childTnLst>
+                              <p:par>
+                                <p:cTn id="9" presetID="1" presetClass="entr" presetSubtype="0" fill="hold" nodeType="clickEffect">
+                                  <p:stCondLst>
+                                    <p:cond delay="0"/>
+                                  </p:stCondLst>
+                                  <p:childTnLst>
+                                    <p:set>
+                                      <p:cBhvr>
+                                        <p:cTn id="10" dur="1" fill="hold">
+                                          <p:stCondLst>
+                                            <p:cond delay="0"/>
+                                          </p:stCondLst>
+                                        </p:cTn>
+                                        <p:tgtEl>
+                                          <p:spTgt spid="3">
+                                            <p:txEl>
+                                              <p:pRg st="1" end="1"/>
+                                            </p:txEl>
+                                          </p:spTgt>
+                                        </p:tgtEl>
+                                        <p:attrNameLst>
+                                          <p:attrName>style.visibility</p:attrName>
+                                        </p:attrNameLst>
+                                      </p:cBhvr>
+                                      <p:to>
+                                        <p:strVal val="visible"/>
+                                      </p:to>
+                                    </p:set>
+                                  </p:childTnLst>
+                                </p:cTn>
+                              </p:par>
+                            </p:childTnLst>
+                          </p:cTn>
+                        </p:par>
+                      </p:childTnLst>
+                    </p:cTn>
+                  </p:par>
+                  <p:par>
+                    <p:cTn id="11" fill="hold">
+                      <p:stCondLst>
+                        <p:cond delay="indefinite"/>
+                      </p:stCondLst>
+                      <p:childTnLst>
+                        <p:par>
+                          <p:cTn id="12" fill="hold">
+                            <p:stCondLst>
+                              <p:cond delay="0"/>
+                            </p:stCondLst>
+                            <p:childTnLst>
+                              <p:par>
+                                <p:cTn id="13" presetID="1" presetClass="entr" presetSubtype="0" fill="hold" nodeType="clickEffect">
+                                  <p:stCondLst>
+                                    <p:cond delay="0"/>
+                                  </p:stCondLst>
+                                  <p:childTnLst>
+                                    <p:set>
+                                      <p:cBhvr>
+                                        <p:cTn id="14" dur="1" fill="hold">
+                                          <p:stCondLst>
+                                            <p:cond delay="0"/>
+                                          </p:stCondLst>
+                                        </p:cTn>
+                                        <p:tgtEl>
+                                          <p:spTgt spid="3">
+                                            <p:txEl>
+                                              <p:pRg st="2" end="2"/>
+                                            </p:txEl>
+                                          </p:spTgt>
+                                        </p:tgtEl>
+                                        <p:attrNameLst>
+                                          <p:attrName>style.visibility</p:attrName>
+                                        </p:attrNameLst>
+                                      </p:cBhvr>
+                                      <p:to>
+                                        <p:strVal val="visible"/>
+                                      </p:to>
+                                    </p:set>
+                                  </p:childTnLst>
+                                </p:cTn>
+                              </p:par>
+                            </p:childTnLst>
+                          </p:cTn>
+                        </p:par>
+                      </p:childTnLst>
+                    </p:cTn>
+                  </p:par>
+                  <p:par>
+                    <p:cTn id="15" fill="hold">
+                      <p:stCondLst>
+                        <p:cond delay="indefinite"/>
+                      </p:stCondLst>
+                      <p:childTnLst>
+                        <p:par>
+                          <p:cTn id="16" fill="hold">
+                            <p:stCondLst>
+                              <p:cond delay="0"/>
+                            </p:stCondLst>
+                            <p:childTnLst>
+                              <p:par>
+                                <p:cTn id="17" presetID="1" presetClass="entr" presetSubtype="0" fill="hold" nodeType="clickEffect">
+                                  <p:stCondLst>
+                                    <p:cond delay="0"/>
+                                  </p:stCondLst>
+                                  <p:childTnLst>
+                                    <p:set>
+                                      <p:cBhvr>
+                                        <p:cTn id="18" dur="1" fill="hold">
+                                          <p:stCondLst>
+                                            <p:cond delay="0"/>
+                                          </p:stCondLst>
+                                        </p:cTn>
+                                        <p:tgtEl>
+                                          <p:spTgt spid="3">
+                                            <p:txEl>
+                                              <p:pRg st="3" end="3"/>
+                                            </p:txEl>
+                                          </p:spTgt>
+                                        </p:tgtEl>
+                                        <p:attrNameLst>
+                                          <p:attrName>style.visibility</p:attrName>
+                                        </p:attrNameLst>
+                                      </p:cBhvr>
+                                      <p:to>
+                                        <p:strVal val="visible"/>
+                                      </p:to>
+                                    </p:set>
+                                  </p:childTnLst>
+                                </p:cTn>
+                              </p:par>
+                            </p:childTnLst>
+                          </p:cTn>
+                        </p:par>
+                      </p:childTnLst>
+                    </p:cTn>
+                  </p:par>
+                  <p:par>
+                    <p:cTn id="19" fill="hold">
+                      <p:stCondLst>
+                        <p:cond delay="indefinite"/>
+                      </p:stCondLst>
+                      <p:childTnLst>
+                        <p:par>
+                          <p:cTn id="20" fill="hold">
+                            <p:stCondLst>
+                              <p:cond delay="0"/>
+                            </p:stCondLst>
+                            <p:childTnLst>
+                              <p:par>
+                                <p:cTn id="21" presetID="1" presetClass="entr" presetSubtype="0" fill="hold" nodeType="clickEffect">
+                                  <p:stCondLst>
+                                    <p:cond delay="0"/>
+                                  </p:stCondLst>
+                                  <p:childTnLst>
+                                    <p:set>
+                                      <p:cBhvr>
+                                        <p:cTn id="22" dur="1" fill="hold">
+                                          <p:stCondLst>
+                                            <p:cond delay="0"/>
+                                          </p:stCondLst>
+                                        </p:cTn>
+                                        <p:tgtEl>
+                                          <p:spTgt spid="3">
+                                            <p:txEl>
+                                              <p:pRg st="4" end="4"/>
+                                            </p:txEl>
+                                          </p:spTgt>
+                                        </p:tgtEl>
+                                        <p:attrNameLst>
+                                          <p:attrName>style.visibility</p:attrName>
+                                        </p:attrNameLst>
+                                      </p:cBhvr>
+                                      <p:to>
+                                        <p:strVal val="visible"/>
+                                      </p:to>
+                                    </p:set>
+                                  </p:childTnLst>
+                                </p:cTn>
+                              </p:par>
+                            </p:childTnLst>
+                          </p:cTn>
+                        </p:par>
+                      </p:childTnLst>
+                    </p:cTn>
+                  </p:par>
+                  <p:par>
+                    <p:cTn id="23" fill="hold">
+                      <p:stCondLst>
+                        <p:cond delay="indefinite"/>
+                      </p:stCondLst>
+                      <p:childTnLst>
+                        <p:par>
+                          <p:cTn id="24" fill="hold">
+                            <p:stCondLst>
+                              <p:cond delay="0"/>
+                            </p:stCondLst>
+                            <p:childTnLst>
+                              <p:par>
+                                <p:cTn id="25" presetID="1" presetClass="entr" presetSubtype="0" fill="hold" nodeType="clickEffect">
+                                  <p:stCondLst>
+                                    <p:cond delay="0"/>
+                                  </p:stCondLst>
+                                  <p:childTnLst>
+                                    <p:set>
+                                      <p:cBhvr>
+                                        <p:cTn id="26" dur="1" fill="hold">
+                                          <p:stCondLst>
+                                            <p:cond delay="0"/>
+                                          </p:stCondLst>
+                                        </p:cTn>
+                                        <p:tgtEl>
+                                          <p:spTgt spid="3">
+                                            <p:txEl>
+                                              <p:pRg st="5" end="5"/>
+                                            </p:txEl>
+                                          </p:spTgt>
+                                        </p:tgtEl>
+                                        <p:attrNameLst>
+                                          <p:attrName>style.visibility</p:attrName>
+                                        </p:attrNameLst>
+                                      </p:cBhvr>
+                                      <p:to>
+                                        <p:strVal val="visible"/>
+                                      </p:to>
+                                    </p:set>
+                                  </p:childTnLst>
+                                </p:cTn>
+                              </p:par>
+                            </p:childTnLst>
+                          </p:cTn>
+                        </p:par>
+                      </p:childTnLst>
+                    </p:cTn>
+                  </p:par>
+                  <p:par>
+                    <p:cTn id="27" fill="hold">
+                      <p:stCondLst>
+                        <p:cond delay="indefinite"/>
+                      </p:stCondLst>
+                      <p:childTnLst>
+                        <p:par>
+                          <p:cTn id="28" fill="hold">
+                            <p:stCondLst>
+                              <p:cond delay="0"/>
+                            </p:stCondLst>
+                            <p:childTnLst>
+                              <p:par>
+                                <p:cTn id="29" presetID="1" presetClass="entr" presetSubtype="0" fill="hold" nodeType="clickEffect">
+                                  <p:stCondLst>
+                                    <p:cond delay="0"/>
+                                  </p:stCondLst>
+                                  <p:childTnLst>
+                                    <p:set>
+                                      <p:cBhvr>
+                                        <p:cTn id="30" dur="1" fill="hold">
+                                          <p:stCondLst>
+                                            <p:cond delay="0"/>
+                                          </p:stCondLst>
+                                        </p:cTn>
+                                        <p:tgtEl>
+                                          <p:spTgt spid="3">
+                                            <p:txEl>
+                                              <p:pRg st="6" end="6"/>
+                                            </p:txEl>
+                                          </p:spTgt>
+                                        </p:tgtEl>
+                                        <p:attrNameLst>
+                                          <p:attrName>style.visibility</p:attrName>
+                                        </p:attrNameLst>
+                                      </p:cBhvr>
+                                      <p:to>
+                                        <p:strVal val="visible"/>
+                                      </p:to>
+                                    </p:set>
+                                  </p:childTnLst>
+                                </p:cTn>
+                              </p:par>
+                            </p:childTnLst>
+                          </p:cTn>
+                        </p:par>
+                      </p:childTnLst>
+                    </p:cTn>
+                  </p:par>
+                  <p:par>
+                    <p:cTn id="31" fill="hold">
+                      <p:stCondLst>
+                        <p:cond delay="indefinite"/>
+                      </p:stCondLst>
+                      <p:childTnLst>
+                        <p:par>
+                          <p:cTn id="32" fill="hold">
+                            <p:stCondLst>
+                              <p:cond delay="0"/>
+                            </p:stCondLst>
+                            <p:childTnLst>
+                              <p:par>
+                                <p:cTn id="33" presetID="1" presetClass="entr" presetSubtype="0" fill="hold" nodeType="clickEffect">
+                                  <p:stCondLst>
+                                    <p:cond delay="0"/>
+                                  </p:stCondLst>
+                                  <p:childTnLst>
+                                    <p:set>
+                                      <p:cBhvr>
+                                        <p:cTn id="34" dur="1" fill="hold">
+                                          <p:stCondLst>
+                                            <p:cond delay="0"/>
+                                          </p:stCondLst>
+                                        </p:cTn>
+                                        <p:tgtEl>
+                                          <p:spTgt spid="3">
+                                            <p:txEl>
+                                              <p:pRg st="7" end="7"/>
+                                            </p:txEl>
+                                          </p:spTgt>
+                                        </p:tgtEl>
+                                        <p:attrNameLst>
+                                          <p:attrName>style.visibility</p:attrName>
+                                        </p:attrNameLst>
+                                      </p:cBhvr>
+                                      <p:to>
+                                        <p:strVal val="visible"/>
+                                      </p:to>
+                                    </p:set>
+                                  </p:childTnLst>
+                                </p:cTn>
+                              </p:par>
+                            </p:childTnLst>
+                          </p:cTn>
+                        </p:par>
+                      </p:childTnLst>
+                    </p:cTn>
+                  </p:par>
+                  <p:par>
+                    <p:cTn id="35" fill="hold">
+                      <p:stCondLst>
+                        <p:cond delay="indefinite"/>
+                      </p:stCondLst>
+                      <p:childTnLst>
+                        <p:par>
+                          <p:cTn id="36" fill="hold">
+                            <p:stCondLst>
+                              <p:cond delay="0"/>
+                            </p:stCondLst>
+                            <p:childTnLst>
+                              <p:par>
+                                <p:cTn id="37" presetID="1" presetClass="entr" presetSubtype="0" fill="hold" nodeType="clickEffect">
+                                  <p:stCondLst>
+                                    <p:cond delay="0"/>
+                                  </p:stCondLst>
+                                  <p:childTnLst>
+                                    <p:set>
+                                      <p:cBhvr>
+                                        <p:cTn id="38" dur="1" fill="hold">
+                                          <p:stCondLst>
+                                            <p:cond delay="0"/>
+                                          </p:stCondLst>
+                                        </p:cTn>
+                                        <p:tgtEl>
+                                          <p:spTgt spid="3">
+                                            <p:txEl>
+                                              <p:pRg st="8" end="8"/>
+                                            </p:txEl>
+                                          </p:spTgt>
+                                        </p:tgtEl>
+                                        <p:attrNameLst>
+                                          <p:attrName>style.visibility</p:attrName>
+                                        </p:attrNameLst>
+                                      </p:cBhvr>
+                                      <p:to>
+                                        <p:strVal val="visible"/>
+                                      </p:to>
+                                    </p:set>
+                                  </p:childTnLst>
+                                </p:cTn>
+                              </p:par>
+                            </p:childTnLst>
+                          </p:cTn>
+                        </p:par>
+                      </p:childTnLst>
+                    </p:cTn>
+                  </p:par>
+                </p:childTnLst>
+              </p:cTn>
+              <p:prevCondLst>
+                <p:cond evt="onPrev" delay="0">
+                  <p:tgtEl>
+                    <p:sldTgt/>
+                  </p:tgtEl>
+                </p:cond>
+              </p:prevCondLst>
+              <p:nextCondLst>
+                <p:cond evt="onNext" delay="0">
+                  <p:tgtEl>
+                    <p:sldTgt/>
+                  </p:tgtEl>
+                </p:cond>
+              </p:nextCondLst>
+            </p:seq>
+          </p:childTnLst>
+        </p:cTn>
+      </p:par>
+    </p:tnLst>
+  </p:timing>
 </p:sld>
 </file>
 
@@ -33148,17 +36001,17 @@
           <a:lstStyle/>
           <a:p>
             <a:r>
-              <a:rPr lang="es-CL" sz="2000" b="1"/>
+              <a:rPr lang="es-CL" sz="2000" b="1" dirty="0"/>
               <a:t>Regla #2: Solo Habla del Juego 🎮</a:t>
             </a:r>
           </a:p>
           <a:p>
             <a:pPr lvl="1"/>
             <a:r>
-              <a:rPr lang="es-CL" sz="2000" b="1"/>
+              <a:rPr lang="es-CL" sz="2000" b="1" dirty="0"/>
               <a:t>✅ Está bien decir:</a:t>
             </a:r>
-            <a:endParaRPr lang="es-CL" sz="2000"/>
+            <a:endParaRPr lang="es-CL" sz="2000" dirty="0"/>
           </a:p>
           <a:p>
             <a:pPr lvl="2"/>
@@ -33191,10 +36044,10 @@
           <a:p>
             <a:pPr lvl="1"/>
             <a:r>
-              <a:rPr lang="es-CL" sz="2000" b="1"/>
+              <a:rPr lang="es-CL" sz="2000" b="1" dirty="0"/>
               <a:t>❌ NO está bien que te pregunten:</a:t>
             </a:r>
-            <a:endParaRPr lang="es-CL" sz="2000"/>
+            <a:endParaRPr lang="es-CL" sz="2000" dirty="0"/>
           </a:p>
           <a:p>
             <a:pPr lvl="2"/>
@@ -33232,7 +36085,7 @@
             </a:r>
           </a:p>
           <a:p>
-            <a:endParaRPr lang="es-ES_tradnl" sz="2000"/>
+            <a:endParaRPr lang="es-ES_tradnl" sz="2000" dirty="0"/>
           </a:p>
         </p:txBody>
       </p:sp>
@@ -33246,6 +36099,624 @@
   <p:clrMapOvr>
     <a:masterClrMapping/>
   </p:clrMapOvr>
+  <p:timing>
+    <p:tnLst>
+      <p:par>
+        <p:cTn id="1" dur="indefinite" restart="never" nodeType="tmRoot">
+          <p:childTnLst>
+            <p:seq concurrent="1" nextAc="seek">
+              <p:cTn id="2" dur="indefinite" nodeType="mainSeq">
+                <p:childTnLst>
+                  <p:par>
+                    <p:cTn id="3" fill="hold">
+                      <p:stCondLst>
+                        <p:cond delay="indefinite"/>
+                      </p:stCondLst>
+                      <p:childTnLst>
+                        <p:par>
+                          <p:cTn id="4" fill="hold">
+                            <p:stCondLst>
+                              <p:cond delay="0"/>
+                            </p:stCondLst>
+                            <p:childTnLst>
+                              <p:par>
+                                <p:cTn id="5" presetID="1" presetClass="entr" presetSubtype="0" fill="hold" nodeType="clickEffect">
+                                  <p:stCondLst>
+                                    <p:cond delay="0"/>
+                                  </p:stCondLst>
+                                  <p:childTnLst>
+                                    <p:set>
+                                      <p:cBhvr>
+                                        <p:cTn id="6" dur="1" fill="hold">
+                                          <p:stCondLst>
+                                            <p:cond delay="0"/>
+                                          </p:stCondLst>
+                                        </p:cTn>
+                                        <p:tgtEl>
+                                          <p:spTgt spid="3">
+                                            <p:txEl>
+                                              <p:pRg st="0" end="0"/>
+                                            </p:txEl>
+                                          </p:spTgt>
+                                        </p:tgtEl>
+                                        <p:attrNameLst>
+                                          <p:attrName>style.visibility</p:attrName>
+                                        </p:attrNameLst>
+                                      </p:cBhvr>
+                                      <p:to>
+                                        <p:strVal val="visible"/>
+                                      </p:to>
+                                    </p:set>
+                                  </p:childTnLst>
+                                </p:cTn>
+                              </p:par>
+                            </p:childTnLst>
+                          </p:cTn>
+                        </p:par>
+                      </p:childTnLst>
+                    </p:cTn>
+                  </p:par>
+                  <p:par>
+                    <p:cTn id="7" fill="hold">
+                      <p:stCondLst>
+                        <p:cond delay="indefinite"/>
+                      </p:stCondLst>
+                      <p:childTnLst>
+                        <p:par>
+                          <p:cTn id="8" fill="hold">
+                            <p:stCondLst>
+                              <p:cond delay="0"/>
+                            </p:stCondLst>
+                            <p:childTnLst>
+                              <p:par>
+                                <p:cTn id="9" presetID="1" presetClass="entr" presetSubtype="0" fill="hold" nodeType="clickEffect">
+                                  <p:stCondLst>
+                                    <p:cond delay="0"/>
+                                  </p:stCondLst>
+                                  <p:childTnLst>
+                                    <p:set>
+                                      <p:cBhvr>
+                                        <p:cTn id="10" dur="1" fill="hold">
+                                          <p:stCondLst>
+                                            <p:cond delay="0"/>
+                                          </p:stCondLst>
+                                        </p:cTn>
+                                        <p:tgtEl>
+                                          <p:spTgt spid="3">
+                                            <p:txEl>
+                                              <p:pRg st="1" end="1"/>
+                                            </p:txEl>
+                                          </p:spTgt>
+                                        </p:tgtEl>
+                                        <p:attrNameLst>
+                                          <p:attrName>style.visibility</p:attrName>
+                                        </p:attrNameLst>
+                                      </p:cBhvr>
+                                      <p:to>
+                                        <p:strVal val="visible"/>
+                                      </p:to>
+                                    </p:set>
+                                  </p:childTnLst>
+                                </p:cTn>
+                              </p:par>
+                            </p:childTnLst>
+                          </p:cTn>
+                        </p:par>
+                      </p:childTnLst>
+                    </p:cTn>
+                  </p:par>
+                  <p:par>
+                    <p:cTn id="11" fill="hold">
+                      <p:stCondLst>
+                        <p:cond delay="indefinite"/>
+                      </p:stCondLst>
+                      <p:childTnLst>
+                        <p:par>
+                          <p:cTn id="12" fill="hold">
+                            <p:stCondLst>
+                              <p:cond delay="0"/>
+                            </p:stCondLst>
+                            <p:childTnLst>
+                              <p:par>
+                                <p:cTn id="13" presetID="1" presetClass="entr" presetSubtype="0" fill="hold" nodeType="clickEffect">
+                                  <p:stCondLst>
+                                    <p:cond delay="0"/>
+                                  </p:stCondLst>
+                                  <p:childTnLst>
+                                    <p:set>
+                                      <p:cBhvr>
+                                        <p:cTn id="14" dur="1" fill="hold">
+                                          <p:stCondLst>
+                                            <p:cond delay="0"/>
+                                          </p:stCondLst>
+                                        </p:cTn>
+                                        <p:tgtEl>
+                                          <p:spTgt spid="3">
+                                            <p:txEl>
+                                              <p:pRg st="2" end="2"/>
+                                            </p:txEl>
+                                          </p:spTgt>
+                                        </p:tgtEl>
+                                        <p:attrNameLst>
+                                          <p:attrName>style.visibility</p:attrName>
+                                        </p:attrNameLst>
+                                      </p:cBhvr>
+                                      <p:to>
+                                        <p:strVal val="visible"/>
+                                      </p:to>
+                                    </p:set>
+                                  </p:childTnLst>
+                                </p:cTn>
+                              </p:par>
+                            </p:childTnLst>
+                          </p:cTn>
+                        </p:par>
+                      </p:childTnLst>
+                    </p:cTn>
+                  </p:par>
+                  <p:par>
+                    <p:cTn id="15" fill="hold">
+                      <p:stCondLst>
+                        <p:cond delay="indefinite"/>
+                      </p:stCondLst>
+                      <p:childTnLst>
+                        <p:par>
+                          <p:cTn id="16" fill="hold">
+                            <p:stCondLst>
+                              <p:cond delay="0"/>
+                            </p:stCondLst>
+                            <p:childTnLst>
+                              <p:par>
+                                <p:cTn id="17" presetID="1" presetClass="entr" presetSubtype="0" fill="hold" nodeType="clickEffect">
+                                  <p:stCondLst>
+                                    <p:cond delay="0"/>
+                                  </p:stCondLst>
+                                  <p:childTnLst>
+                                    <p:set>
+                                      <p:cBhvr>
+                                        <p:cTn id="18" dur="1" fill="hold">
+                                          <p:stCondLst>
+                                            <p:cond delay="0"/>
+                                          </p:stCondLst>
+                                        </p:cTn>
+                                        <p:tgtEl>
+                                          <p:spTgt spid="3">
+                                            <p:txEl>
+                                              <p:pRg st="3" end="3"/>
+                                            </p:txEl>
+                                          </p:spTgt>
+                                        </p:tgtEl>
+                                        <p:attrNameLst>
+                                          <p:attrName>style.visibility</p:attrName>
+                                        </p:attrNameLst>
+                                      </p:cBhvr>
+                                      <p:to>
+                                        <p:strVal val="visible"/>
+                                      </p:to>
+                                    </p:set>
+                                  </p:childTnLst>
+                                </p:cTn>
+                              </p:par>
+                            </p:childTnLst>
+                          </p:cTn>
+                        </p:par>
+                      </p:childTnLst>
+                    </p:cTn>
+                  </p:par>
+                  <p:par>
+                    <p:cTn id="19" fill="hold">
+                      <p:stCondLst>
+                        <p:cond delay="indefinite"/>
+                      </p:stCondLst>
+                      <p:childTnLst>
+                        <p:par>
+                          <p:cTn id="20" fill="hold">
+                            <p:stCondLst>
+                              <p:cond delay="0"/>
+                            </p:stCondLst>
+                            <p:childTnLst>
+                              <p:par>
+                                <p:cTn id="21" presetID="1" presetClass="entr" presetSubtype="0" fill="hold" nodeType="clickEffect">
+                                  <p:stCondLst>
+                                    <p:cond delay="0"/>
+                                  </p:stCondLst>
+                                  <p:childTnLst>
+                                    <p:set>
+                                      <p:cBhvr>
+                                        <p:cTn id="22" dur="1" fill="hold">
+                                          <p:stCondLst>
+                                            <p:cond delay="0"/>
+                                          </p:stCondLst>
+                                        </p:cTn>
+                                        <p:tgtEl>
+                                          <p:spTgt spid="3">
+                                            <p:txEl>
+                                              <p:pRg st="4" end="4"/>
+                                            </p:txEl>
+                                          </p:spTgt>
+                                        </p:tgtEl>
+                                        <p:attrNameLst>
+                                          <p:attrName>style.visibility</p:attrName>
+                                        </p:attrNameLst>
+                                      </p:cBhvr>
+                                      <p:to>
+                                        <p:strVal val="visible"/>
+                                      </p:to>
+                                    </p:set>
+                                  </p:childTnLst>
+                                </p:cTn>
+                              </p:par>
+                            </p:childTnLst>
+                          </p:cTn>
+                        </p:par>
+                      </p:childTnLst>
+                    </p:cTn>
+                  </p:par>
+                  <p:par>
+                    <p:cTn id="23" fill="hold">
+                      <p:stCondLst>
+                        <p:cond delay="indefinite"/>
+                      </p:stCondLst>
+                      <p:childTnLst>
+                        <p:par>
+                          <p:cTn id="24" fill="hold">
+                            <p:stCondLst>
+                              <p:cond delay="0"/>
+                            </p:stCondLst>
+                            <p:childTnLst>
+                              <p:par>
+                                <p:cTn id="25" presetID="1" presetClass="entr" presetSubtype="0" fill="hold" nodeType="clickEffect">
+                                  <p:stCondLst>
+                                    <p:cond delay="0"/>
+                                  </p:stCondLst>
+                                  <p:childTnLst>
+                                    <p:set>
+                                      <p:cBhvr>
+                                        <p:cTn id="26" dur="1" fill="hold">
+                                          <p:stCondLst>
+                                            <p:cond delay="0"/>
+                                          </p:stCondLst>
+                                        </p:cTn>
+                                        <p:tgtEl>
+                                          <p:spTgt spid="3">
+                                            <p:txEl>
+                                              <p:pRg st="5" end="5"/>
+                                            </p:txEl>
+                                          </p:spTgt>
+                                        </p:tgtEl>
+                                        <p:attrNameLst>
+                                          <p:attrName>style.visibility</p:attrName>
+                                        </p:attrNameLst>
+                                      </p:cBhvr>
+                                      <p:to>
+                                        <p:strVal val="visible"/>
+                                      </p:to>
+                                    </p:set>
+                                  </p:childTnLst>
+                                </p:cTn>
+                              </p:par>
+                            </p:childTnLst>
+                          </p:cTn>
+                        </p:par>
+                      </p:childTnLst>
+                    </p:cTn>
+                  </p:par>
+                  <p:par>
+                    <p:cTn id="27" fill="hold">
+                      <p:stCondLst>
+                        <p:cond delay="indefinite"/>
+                      </p:stCondLst>
+                      <p:childTnLst>
+                        <p:par>
+                          <p:cTn id="28" fill="hold">
+                            <p:stCondLst>
+                              <p:cond delay="0"/>
+                            </p:stCondLst>
+                            <p:childTnLst>
+                              <p:par>
+                                <p:cTn id="29" presetID="1" presetClass="entr" presetSubtype="0" fill="hold" nodeType="clickEffect">
+                                  <p:stCondLst>
+                                    <p:cond delay="0"/>
+                                  </p:stCondLst>
+                                  <p:childTnLst>
+                                    <p:set>
+                                      <p:cBhvr>
+                                        <p:cTn id="30" dur="1" fill="hold">
+                                          <p:stCondLst>
+                                            <p:cond delay="0"/>
+                                          </p:stCondLst>
+                                        </p:cTn>
+                                        <p:tgtEl>
+                                          <p:spTgt spid="3">
+                                            <p:txEl>
+                                              <p:pRg st="6" end="6"/>
+                                            </p:txEl>
+                                          </p:spTgt>
+                                        </p:tgtEl>
+                                        <p:attrNameLst>
+                                          <p:attrName>style.visibility</p:attrName>
+                                        </p:attrNameLst>
+                                      </p:cBhvr>
+                                      <p:to>
+                                        <p:strVal val="visible"/>
+                                      </p:to>
+                                    </p:set>
+                                  </p:childTnLst>
+                                </p:cTn>
+                              </p:par>
+                            </p:childTnLst>
+                          </p:cTn>
+                        </p:par>
+                      </p:childTnLst>
+                    </p:cTn>
+                  </p:par>
+                  <p:par>
+                    <p:cTn id="31" fill="hold">
+                      <p:stCondLst>
+                        <p:cond delay="indefinite"/>
+                      </p:stCondLst>
+                      <p:childTnLst>
+                        <p:par>
+                          <p:cTn id="32" fill="hold">
+                            <p:stCondLst>
+                              <p:cond delay="0"/>
+                            </p:stCondLst>
+                            <p:childTnLst>
+                              <p:par>
+                                <p:cTn id="33" presetID="1" presetClass="entr" presetSubtype="0" fill="hold" nodeType="clickEffect">
+                                  <p:stCondLst>
+                                    <p:cond delay="0"/>
+                                  </p:stCondLst>
+                                  <p:childTnLst>
+                                    <p:set>
+                                      <p:cBhvr>
+                                        <p:cTn id="34" dur="1" fill="hold">
+                                          <p:stCondLst>
+                                            <p:cond delay="0"/>
+                                          </p:stCondLst>
+                                        </p:cTn>
+                                        <p:tgtEl>
+                                          <p:spTgt spid="3">
+                                            <p:txEl>
+                                              <p:pRg st="7" end="7"/>
+                                            </p:txEl>
+                                          </p:spTgt>
+                                        </p:tgtEl>
+                                        <p:attrNameLst>
+                                          <p:attrName>style.visibility</p:attrName>
+                                        </p:attrNameLst>
+                                      </p:cBhvr>
+                                      <p:to>
+                                        <p:strVal val="visible"/>
+                                      </p:to>
+                                    </p:set>
+                                  </p:childTnLst>
+                                </p:cTn>
+                              </p:par>
+                            </p:childTnLst>
+                          </p:cTn>
+                        </p:par>
+                      </p:childTnLst>
+                    </p:cTn>
+                  </p:par>
+                  <p:par>
+                    <p:cTn id="35" fill="hold">
+                      <p:stCondLst>
+                        <p:cond delay="indefinite"/>
+                      </p:stCondLst>
+                      <p:childTnLst>
+                        <p:par>
+                          <p:cTn id="36" fill="hold">
+                            <p:stCondLst>
+                              <p:cond delay="0"/>
+                            </p:stCondLst>
+                            <p:childTnLst>
+                              <p:par>
+                                <p:cTn id="37" presetID="1" presetClass="entr" presetSubtype="0" fill="hold" nodeType="clickEffect">
+                                  <p:stCondLst>
+                                    <p:cond delay="0"/>
+                                  </p:stCondLst>
+                                  <p:childTnLst>
+                                    <p:set>
+                                      <p:cBhvr>
+                                        <p:cTn id="38" dur="1" fill="hold">
+                                          <p:stCondLst>
+                                            <p:cond delay="0"/>
+                                          </p:stCondLst>
+                                        </p:cTn>
+                                        <p:tgtEl>
+                                          <p:spTgt spid="3">
+                                            <p:txEl>
+                                              <p:pRg st="8" end="8"/>
+                                            </p:txEl>
+                                          </p:spTgt>
+                                        </p:tgtEl>
+                                        <p:attrNameLst>
+                                          <p:attrName>style.visibility</p:attrName>
+                                        </p:attrNameLst>
+                                      </p:cBhvr>
+                                      <p:to>
+                                        <p:strVal val="visible"/>
+                                      </p:to>
+                                    </p:set>
+                                  </p:childTnLst>
+                                </p:cTn>
+                              </p:par>
+                            </p:childTnLst>
+                          </p:cTn>
+                        </p:par>
+                      </p:childTnLst>
+                    </p:cTn>
+                  </p:par>
+                  <p:par>
+                    <p:cTn id="39" fill="hold">
+                      <p:stCondLst>
+                        <p:cond delay="indefinite"/>
+                      </p:stCondLst>
+                      <p:childTnLst>
+                        <p:par>
+                          <p:cTn id="40" fill="hold">
+                            <p:stCondLst>
+                              <p:cond delay="0"/>
+                            </p:stCondLst>
+                            <p:childTnLst>
+                              <p:par>
+                                <p:cTn id="41" presetID="1" presetClass="entr" presetSubtype="0" fill="hold" nodeType="clickEffect">
+                                  <p:stCondLst>
+                                    <p:cond delay="0"/>
+                                  </p:stCondLst>
+                                  <p:childTnLst>
+                                    <p:set>
+                                      <p:cBhvr>
+                                        <p:cTn id="42" dur="1" fill="hold">
+                                          <p:stCondLst>
+                                            <p:cond delay="0"/>
+                                          </p:stCondLst>
+                                        </p:cTn>
+                                        <p:tgtEl>
+                                          <p:spTgt spid="3">
+                                            <p:txEl>
+                                              <p:pRg st="9" end="9"/>
+                                            </p:txEl>
+                                          </p:spTgt>
+                                        </p:tgtEl>
+                                        <p:attrNameLst>
+                                          <p:attrName>style.visibility</p:attrName>
+                                        </p:attrNameLst>
+                                      </p:cBhvr>
+                                      <p:to>
+                                        <p:strVal val="visible"/>
+                                      </p:to>
+                                    </p:set>
+                                  </p:childTnLst>
+                                </p:cTn>
+                              </p:par>
+                            </p:childTnLst>
+                          </p:cTn>
+                        </p:par>
+                      </p:childTnLst>
+                    </p:cTn>
+                  </p:par>
+                  <p:par>
+                    <p:cTn id="43" fill="hold">
+                      <p:stCondLst>
+                        <p:cond delay="indefinite"/>
+                      </p:stCondLst>
+                      <p:childTnLst>
+                        <p:par>
+                          <p:cTn id="44" fill="hold">
+                            <p:stCondLst>
+                              <p:cond delay="0"/>
+                            </p:stCondLst>
+                            <p:childTnLst>
+                              <p:par>
+                                <p:cTn id="45" presetID="1" presetClass="entr" presetSubtype="0" fill="hold" nodeType="clickEffect">
+                                  <p:stCondLst>
+                                    <p:cond delay="0"/>
+                                  </p:stCondLst>
+                                  <p:childTnLst>
+                                    <p:set>
+                                      <p:cBhvr>
+                                        <p:cTn id="46" dur="1" fill="hold">
+                                          <p:stCondLst>
+                                            <p:cond delay="0"/>
+                                          </p:stCondLst>
+                                        </p:cTn>
+                                        <p:tgtEl>
+                                          <p:spTgt spid="3">
+                                            <p:txEl>
+                                              <p:pRg st="10" end="10"/>
+                                            </p:txEl>
+                                          </p:spTgt>
+                                        </p:tgtEl>
+                                        <p:attrNameLst>
+                                          <p:attrName>style.visibility</p:attrName>
+                                        </p:attrNameLst>
+                                      </p:cBhvr>
+                                      <p:to>
+                                        <p:strVal val="visible"/>
+                                      </p:to>
+                                    </p:set>
+                                  </p:childTnLst>
+                                </p:cTn>
+                              </p:par>
+                            </p:childTnLst>
+                          </p:cTn>
+                        </p:par>
+                      </p:childTnLst>
+                    </p:cTn>
+                  </p:par>
+                  <p:par>
+                    <p:cTn id="47" fill="hold">
+                      <p:stCondLst>
+                        <p:cond delay="indefinite"/>
+                      </p:stCondLst>
+                      <p:childTnLst>
+                        <p:par>
+                          <p:cTn id="48" fill="hold">
+                            <p:stCondLst>
+                              <p:cond delay="0"/>
+                            </p:stCondLst>
+                            <p:childTnLst>
+                              <p:par>
+                                <p:cTn id="49" presetID="1" presetClass="entr" presetSubtype="0" fill="hold" nodeType="clickEffect">
+                                  <p:stCondLst>
+                                    <p:cond delay="0"/>
+                                  </p:stCondLst>
+                                  <p:childTnLst>
+                                    <p:set>
+                                      <p:cBhvr>
+                                        <p:cTn id="50" dur="1" fill="hold">
+                                          <p:stCondLst>
+                                            <p:cond delay="0"/>
+                                          </p:stCondLst>
+                                        </p:cTn>
+                                        <p:tgtEl>
+                                          <p:spTgt spid="3">
+                                            <p:txEl>
+                                              <p:pRg st="11" end="11"/>
+                                            </p:txEl>
+                                          </p:spTgt>
+                                        </p:tgtEl>
+                                        <p:attrNameLst>
+                                          <p:attrName>style.visibility</p:attrName>
+                                        </p:attrNameLst>
+                                      </p:cBhvr>
+                                      <p:to>
+                                        <p:strVal val="visible"/>
+                                      </p:to>
+                                    </p:set>
+                                  </p:childTnLst>
+                                </p:cTn>
+                              </p:par>
+                            </p:childTnLst>
+                          </p:cTn>
+                        </p:par>
+                      </p:childTnLst>
+                    </p:cTn>
+                  </p:par>
+                </p:childTnLst>
+              </p:cTn>
+              <p:prevCondLst>
+                <p:cond evt="onPrev" delay="0">
+                  <p:tgtEl>
+                    <p:sldTgt/>
+                  </p:tgtEl>
+                </p:cond>
+              </p:prevCondLst>
+              <p:nextCondLst>
+                <p:cond evt="onNext" delay="0">
+                  <p:tgtEl>
+                    <p:sldTgt/>
+                  </p:tgtEl>
+                </p:cond>
+              </p:nextCondLst>
+            </p:seq>
+          </p:childTnLst>
+        </p:cTn>
+      </p:par>
+    </p:tnLst>
+  </p:timing>
 </p:sld>
 </file>
 
@@ -33682,6 +37153,477 @@
   <p:clrMapOvr>
     <a:masterClrMapping/>
   </p:clrMapOvr>
+  <p:timing>
+    <p:tnLst>
+      <p:par>
+        <p:cTn id="1" dur="indefinite" restart="never" nodeType="tmRoot">
+          <p:childTnLst>
+            <p:seq concurrent="1" nextAc="seek">
+              <p:cTn id="2" dur="indefinite" nodeType="mainSeq">
+                <p:childTnLst>
+                  <p:par>
+                    <p:cTn id="3" fill="hold">
+                      <p:stCondLst>
+                        <p:cond delay="indefinite"/>
+                      </p:stCondLst>
+                      <p:childTnLst>
+                        <p:par>
+                          <p:cTn id="4" fill="hold">
+                            <p:stCondLst>
+                              <p:cond delay="0"/>
+                            </p:stCondLst>
+                            <p:childTnLst>
+                              <p:par>
+                                <p:cTn id="5" presetID="1" presetClass="entr" presetSubtype="0" fill="hold" nodeType="clickEffect">
+                                  <p:stCondLst>
+                                    <p:cond delay="0"/>
+                                  </p:stCondLst>
+                                  <p:childTnLst>
+                                    <p:set>
+                                      <p:cBhvr>
+                                        <p:cTn id="6" dur="1" fill="hold">
+                                          <p:stCondLst>
+                                            <p:cond delay="0"/>
+                                          </p:stCondLst>
+                                        </p:cTn>
+                                        <p:tgtEl>
+                                          <p:spTgt spid="3">
+                                            <p:txEl>
+                                              <p:pRg st="0" end="0"/>
+                                            </p:txEl>
+                                          </p:spTgt>
+                                        </p:tgtEl>
+                                        <p:attrNameLst>
+                                          <p:attrName>style.visibility</p:attrName>
+                                        </p:attrNameLst>
+                                      </p:cBhvr>
+                                      <p:to>
+                                        <p:strVal val="visible"/>
+                                      </p:to>
+                                    </p:set>
+                                  </p:childTnLst>
+                                </p:cTn>
+                              </p:par>
+                            </p:childTnLst>
+                          </p:cTn>
+                        </p:par>
+                      </p:childTnLst>
+                    </p:cTn>
+                  </p:par>
+                  <p:par>
+                    <p:cTn id="7" fill="hold">
+                      <p:stCondLst>
+                        <p:cond delay="indefinite"/>
+                      </p:stCondLst>
+                      <p:childTnLst>
+                        <p:par>
+                          <p:cTn id="8" fill="hold">
+                            <p:stCondLst>
+                              <p:cond delay="0"/>
+                            </p:stCondLst>
+                            <p:childTnLst>
+                              <p:par>
+                                <p:cTn id="9" presetID="1" presetClass="entr" presetSubtype="0" fill="hold" nodeType="clickEffect">
+                                  <p:stCondLst>
+                                    <p:cond delay="0"/>
+                                  </p:stCondLst>
+                                  <p:childTnLst>
+                                    <p:set>
+                                      <p:cBhvr>
+                                        <p:cTn id="10" dur="1" fill="hold">
+                                          <p:stCondLst>
+                                            <p:cond delay="0"/>
+                                          </p:stCondLst>
+                                        </p:cTn>
+                                        <p:tgtEl>
+                                          <p:spTgt spid="3">
+                                            <p:txEl>
+                                              <p:pRg st="1" end="1"/>
+                                            </p:txEl>
+                                          </p:spTgt>
+                                        </p:tgtEl>
+                                        <p:attrNameLst>
+                                          <p:attrName>style.visibility</p:attrName>
+                                        </p:attrNameLst>
+                                      </p:cBhvr>
+                                      <p:to>
+                                        <p:strVal val="visible"/>
+                                      </p:to>
+                                    </p:set>
+                                  </p:childTnLst>
+                                </p:cTn>
+                              </p:par>
+                            </p:childTnLst>
+                          </p:cTn>
+                        </p:par>
+                      </p:childTnLst>
+                    </p:cTn>
+                  </p:par>
+                  <p:par>
+                    <p:cTn id="11" fill="hold">
+                      <p:stCondLst>
+                        <p:cond delay="indefinite"/>
+                      </p:stCondLst>
+                      <p:childTnLst>
+                        <p:par>
+                          <p:cTn id="12" fill="hold">
+                            <p:stCondLst>
+                              <p:cond delay="0"/>
+                            </p:stCondLst>
+                            <p:childTnLst>
+                              <p:par>
+                                <p:cTn id="13" presetID="1" presetClass="entr" presetSubtype="0" fill="hold" nodeType="clickEffect">
+                                  <p:stCondLst>
+                                    <p:cond delay="0"/>
+                                  </p:stCondLst>
+                                  <p:childTnLst>
+                                    <p:set>
+                                      <p:cBhvr>
+                                        <p:cTn id="14" dur="1" fill="hold">
+                                          <p:stCondLst>
+                                            <p:cond delay="0"/>
+                                          </p:stCondLst>
+                                        </p:cTn>
+                                        <p:tgtEl>
+                                          <p:spTgt spid="3">
+                                            <p:txEl>
+                                              <p:pRg st="2" end="2"/>
+                                            </p:txEl>
+                                          </p:spTgt>
+                                        </p:tgtEl>
+                                        <p:attrNameLst>
+                                          <p:attrName>style.visibility</p:attrName>
+                                        </p:attrNameLst>
+                                      </p:cBhvr>
+                                      <p:to>
+                                        <p:strVal val="visible"/>
+                                      </p:to>
+                                    </p:set>
+                                  </p:childTnLst>
+                                </p:cTn>
+                              </p:par>
+                            </p:childTnLst>
+                          </p:cTn>
+                        </p:par>
+                      </p:childTnLst>
+                    </p:cTn>
+                  </p:par>
+                  <p:par>
+                    <p:cTn id="15" fill="hold">
+                      <p:stCondLst>
+                        <p:cond delay="indefinite"/>
+                      </p:stCondLst>
+                      <p:childTnLst>
+                        <p:par>
+                          <p:cTn id="16" fill="hold">
+                            <p:stCondLst>
+                              <p:cond delay="0"/>
+                            </p:stCondLst>
+                            <p:childTnLst>
+                              <p:par>
+                                <p:cTn id="17" presetID="1" presetClass="entr" presetSubtype="0" fill="hold" nodeType="clickEffect">
+                                  <p:stCondLst>
+                                    <p:cond delay="0"/>
+                                  </p:stCondLst>
+                                  <p:childTnLst>
+                                    <p:set>
+                                      <p:cBhvr>
+                                        <p:cTn id="18" dur="1" fill="hold">
+                                          <p:stCondLst>
+                                            <p:cond delay="0"/>
+                                          </p:stCondLst>
+                                        </p:cTn>
+                                        <p:tgtEl>
+                                          <p:spTgt spid="3">
+                                            <p:txEl>
+                                              <p:pRg st="3" end="3"/>
+                                            </p:txEl>
+                                          </p:spTgt>
+                                        </p:tgtEl>
+                                        <p:attrNameLst>
+                                          <p:attrName>style.visibility</p:attrName>
+                                        </p:attrNameLst>
+                                      </p:cBhvr>
+                                      <p:to>
+                                        <p:strVal val="visible"/>
+                                      </p:to>
+                                    </p:set>
+                                  </p:childTnLst>
+                                </p:cTn>
+                              </p:par>
+                            </p:childTnLst>
+                          </p:cTn>
+                        </p:par>
+                      </p:childTnLst>
+                    </p:cTn>
+                  </p:par>
+                  <p:par>
+                    <p:cTn id="19" fill="hold">
+                      <p:stCondLst>
+                        <p:cond delay="indefinite"/>
+                      </p:stCondLst>
+                      <p:childTnLst>
+                        <p:par>
+                          <p:cTn id="20" fill="hold">
+                            <p:stCondLst>
+                              <p:cond delay="0"/>
+                            </p:stCondLst>
+                            <p:childTnLst>
+                              <p:par>
+                                <p:cTn id="21" presetID="1" presetClass="entr" presetSubtype="0" fill="hold" nodeType="clickEffect">
+                                  <p:stCondLst>
+                                    <p:cond delay="0"/>
+                                  </p:stCondLst>
+                                  <p:childTnLst>
+                                    <p:set>
+                                      <p:cBhvr>
+                                        <p:cTn id="22" dur="1" fill="hold">
+                                          <p:stCondLst>
+                                            <p:cond delay="0"/>
+                                          </p:stCondLst>
+                                        </p:cTn>
+                                        <p:tgtEl>
+                                          <p:spTgt spid="3">
+                                            <p:txEl>
+                                              <p:pRg st="4" end="4"/>
+                                            </p:txEl>
+                                          </p:spTgt>
+                                        </p:tgtEl>
+                                        <p:attrNameLst>
+                                          <p:attrName>style.visibility</p:attrName>
+                                        </p:attrNameLst>
+                                      </p:cBhvr>
+                                      <p:to>
+                                        <p:strVal val="visible"/>
+                                      </p:to>
+                                    </p:set>
+                                  </p:childTnLst>
+                                </p:cTn>
+                              </p:par>
+                            </p:childTnLst>
+                          </p:cTn>
+                        </p:par>
+                      </p:childTnLst>
+                    </p:cTn>
+                  </p:par>
+                  <p:par>
+                    <p:cTn id="23" fill="hold">
+                      <p:stCondLst>
+                        <p:cond delay="indefinite"/>
+                      </p:stCondLst>
+                      <p:childTnLst>
+                        <p:par>
+                          <p:cTn id="24" fill="hold">
+                            <p:stCondLst>
+                              <p:cond delay="0"/>
+                            </p:stCondLst>
+                            <p:childTnLst>
+                              <p:par>
+                                <p:cTn id="25" presetID="1" presetClass="entr" presetSubtype="0" fill="hold" nodeType="clickEffect">
+                                  <p:stCondLst>
+                                    <p:cond delay="0"/>
+                                  </p:stCondLst>
+                                  <p:childTnLst>
+                                    <p:set>
+                                      <p:cBhvr>
+                                        <p:cTn id="26" dur="1" fill="hold">
+                                          <p:stCondLst>
+                                            <p:cond delay="0"/>
+                                          </p:stCondLst>
+                                        </p:cTn>
+                                        <p:tgtEl>
+                                          <p:spTgt spid="3">
+                                            <p:txEl>
+                                              <p:pRg st="5" end="5"/>
+                                            </p:txEl>
+                                          </p:spTgt>
+                                        </p:tgtEl>
+                                        <p:attrNameLst>
+                                          <p:attrName>style.visibility</p:attrName>
+                                        </p:attrNameLst>
+                                      </p:cBhvr>
+                                      <p:to>
+                                        <p:strVal val="visible"/>
+                                      </p:to>
+                                    </p:set>
+                                  </p:childTnLst>
+                                </p:cTn>
+                              </p:par>
+                            </p:childTnLst>
+                          </p:cTn>
+                        </p:par>
+                      </p:childTnLst>
+                    </p:cTn>
+                  </p:par>
+                  <p:par>
+                    <p:cTn id="27" fill="hold">
+                      <p:stCondLst>
+                        <p:cond delay="indefinite"/>
+                      </p:stCondLst>
+                      <p:childTnLst>
+                        <p:par>
+                          <p:cTn id="28" fill="hold">
+                            <p:stCondLst>
+                              <p:cond delay="0"/>
+                            </p:stCondLst>
+                            <p:childTnLst>
+                              <p:par>
+                                <p:cTn id="29" presetID="1" presetClass="entr" presetSubtype="0" fill="hold" nodeType="clickEffect">
+                                  <p:stCondLst>
+                                    <p:cond delay="0"/>
+                                  </p:stCondLst>
+                                  <p:childTnLst>
+                                    <p:set>
+                                      <p:cBhvr>
+                                        <p:cTn id="30" dur="1" fill="hold">
+                                          <p:stCondLst>
+                                            <p:cond delay="0"/>
+                                          </p:stCondLst>
+                                        </p:cTn>
+                                        <p:tgtEl>
+                                          <p:spTgt spid="3">
+                                            <p:txEl>
+                                              <p:pRg st="6" end="6"/>
+                                            </p:txEl>
+                                          </p:spTgt>
+                                        </p:tgtEl>
+                                        <p:attrNameLst>
+                                          <p:attrName>style.visibility</p:attrName>
+                                        </p:attrNameLst>
+                                      </p:cBhvr>
+                                      <p:to>
+                                        <p:strVal val="visible"/>
+                                      </p:to>
+                                    </p:set>
+                                  </p:childTnLst>
+                                </p:cTn>
+                              </p:par>
+                            </p:childTnLst>
+                          </p:cTn>
+                        </p:par>
+                      </p:childTnLst>
+                    </p:cTn>
+                  </p:par>
+                  <p:par>
+                    <p:cTn id="31" fill="hold">
+                      <p:stCondLst>
+                        <p:cond delay="indefinite"/>
+                      </p:stCondLst>
+                      <p:childTnLst>
+                        <p:par>
+                          <p:cTn id="32" fill="hold">
+                            <p:stCondLst>
+                              <p:cond delay="0"/>
+                            </p:stCondLst>
+                            <p:childTnLst>
+                              <p:par>
+                                <p:cTn id="33" presetID="1" presetClass="entr" presetSubtype="0" fill="hold" nodeType="clickEffect">
+                                  <p:stCondLst>
+                                    <p:cond delay="0"/>
+                                  </p:stCondLst>
+                                  <p:childTnLst>
+                                    <p:set>
+                                      <p:cBhvr>
+                                        <p:cTn id="34" dur="1" fill="hold">
+                                          <p:stCondLst>
+                                            <p:cond delay="0"/>
+                                          </p:stCondLst>
+                                        </p:cTn>
+                                        <p:tgtEl>
+                                          <p:spTgt spid="3">
+                                            <p:txEl>
+                                              <p:pRg st="7" end="7"/>
+                                            </p:txEl>
+                                          </p:spTgt>
+                                        </p:tgtEl>
+                                        <p:attrNameLst>
+                                          <p:attrName>style.visibility</p:attrName>
+                                        </p:attrNameLst>
+                                      </p:cBhvr>
+                                      <p:to>
+                                        <p:strVal val="visible"/>
+                                      </p:to>
+                                    </p:set>
+                                  </p:childTnLst>
+                                </p:cTn>
+                              </p:par>
+                            </p:childTnLst>
+                          </p:cTn>
+                        </p:par>
+                      </p:childTnLst>
+                    </p:cTn>
+                  </p:par>
+                  <p:par>
+                    <p:cTn id="35" fill="hold">
+                      <p:stCondLst>
+                        <p:cond delay="indefinite"/>
+                      </p:stCondLst>
+                      <p:childTnLst>
+                        <p:par>
+                          <p:cTn id="36" fill="hold">
+                            <p:stCondLst>
+                              <p:cond delay="0"/>
+                            </p:stCondLst>
+                            <p:childTnLst>
+                              <p:par>
+                                <p:cTn id="37" presetID="1" presetClass="entr" presetSubtype="0" fill="hold" nodeType="clickEffect">
+                                  <p:stCondLst>
+                                    <p:cond delay="0"/>
+                                  </p:stCondLst>
+                                  <p:childTnLst>
+                                    <p:set>
+                                      <p:cBhvr>
+                                        <p:cTn id="38" dur="1" fill="hold">
+                                          <p:stCondLst>
+                                            <p:cond delay="0"/>
+                                          </p:stCondLst>
+                                        </p:cTn>
+                                        <p:tgtEl>
+                                          <p:spTgt spid="3">
+                                            <p:txEl>
+                                              <p:pRg st="8" end="8"/>
+                                            </p:txEl>
+                                          </p:spTgt>
+                                        </p:tgtEl>
+                                        <p:attrNameLst>
+                                          <p:attrName>style.visibility</p:attrName>
+                                        </p:attrNameLst>
+                                      </p:cBhvr>
+                                      <p:to>
+                                        <p:strVal val="visible"/>
+                                      </p:to>
+                                    </p:set>
+                                  </p:childTnLst>
+                                </p:cTn>
+                              </p:par>
+                            </p:childTnLst>
+                          </p:cTn>
+                        </p:par>
+                      </p:childTnLst>
+                    </p:cTn>
+                  </p:par>
+                </p:childTnLst>
+              </p:cTn>
+              <p:prevCondLst>
+                <p:cond evt="onPrev" delay="0">
+                  <p:tgtEl>
+                    <p:sldTgt/>
+                  </p:tgtEl>
+                </p:cond>
+              </p:prevCondLst>
+              <p:nextCondLst>
+                <p:cond evt="onNext" delay="0">
+                  <p:tgtEl>
+                    <p:sldTgt/>
+                  </p:tgtEl>
+                </p:cond>
+              </p:nextCondLst>
+            </p:seq>
+          </p:childTnLst>
+        </p:cTn>
+      </p:par>
+    </p:tnLst>
+  </p:timing>
 </p:sld>
 </file>
 
@@ -34111,6 +38053,428 @@
   <p:clrMapOvr>
     <a:masterClrMapping/>
   </p:clrMapOvr>
+  <p:timing>
+    <p:tnLst>
+      <p:par>
+        <p:cTn id="1" dur="indefinite" restart="never" nodeType="tmRoot">
+          <p:childTnLst>
+            <p:seq concurrent="1" nextAc="seek">
+              <p:cTn id="2" dur="indefinite" nodeType="mainSeq">
+                <p:childTnLst>
+                  <p:par>
+                    <p:cTn id="3" fill="hold">
+                      <p:stCondLst>
+                        <p:cond delay="indefinite"/>
+                      </p:stCondLst>
+                      <p:childTnLst>
+                        <p:par>
+                          <p:cTn id="4" fill="hold">
+                            <p:stCondLst>
+                              <p:cond delay="0"/>
+                            </p:stCondLst>
+                            <p:childTnLst>
+                              <p:par>
+                                <p:cTn id="5" presetID="1" presetClass="entr" presetSubtype="0" fill="hold" nodeType="clickEffect">
+                                  <p:stCondLst>
+                                    <p:cond delay="0"/>
+                                  </p:stCondLst>
+                                  <p:childTnLst>
+                                    <p:set>
+                                      <p:cBhvr>
+                                        <p:cTn id="6" dur="1" fill="hold">
+                                          <p:stCondLst>
+                                            <p:cond delay="0"/>
+                                          </p:stCondLst>
+                                        </p:cTn>
+                                        <p:tgtEl>
+                                          <p:spTgt spid="3">
+                                            <p:txEl>
+                                              <p:pRg st="0" end="0"/>
+                                            </p:txEl>
+                                          </p:spTgt>
+                                        </p:tgtEl>
+                                        <p:attrNameLst>
+                                          <p:attrName>style.visibility</p:attrName>
+                                        </p:attrNameLst>
+                                      </p:cBhvr>
+                                      <p:to>
+                                        <p:strVal val="visible"/>
+                                      </p:to>
+                                    </p:set>
+                                  </p:childTnLst>
+                                </p:cTn>
+                              </p:par>
+                            </p:childTnLst>
+                          </p:cTn>
+                        </p:par>
+                      </p:childTnLst>
+                    </p:cTn>
+                  </p:par>
+                  <p:par>
+                    <p:cTn id="7" fill="hold">
+                      <p:stCondLst>
+                        <p:cond delay="indefinite"/>
+                      </p:stCondLst>
+                      <p:childTnLst>
+                        <p:par>
+                          <p:cTn id="8" fill="hold">
+                            <p:stCondLst>
+                              <p:cond delay="0"/>
+                            </p:stCondLst>
+                            <p:childTnLst>
+                              <p:par>
+                                <p:cTn id="9" presetID="1" presetClass="entr" presetSubtype="0" fill="hold" nodeType="clickEffect">
+                                  <p:stCondLst>
+                                    <p:cond delay="0"/>
+                                  </p:stCondLst>
+                                  <p:childTnLst>
+                                    <p:set>
+                                      <p:cBhvr>
+                                        <p:cTn id="10" dur="1" fill="hold">
+                                          <p:stCondLst>
+                                            <p:cond delay="0"/>
+                                          </p:stCondLst>
+                                        </p:cTn>
+                                        <p:tgtEl>
+                                          <p:spTgt spid="3">
+                                            <p:txEl>
+                                              <p:pRg st="2" end="2"/>
+                                            </p:txEl>
+                                          </p:spTgt>
+                                        </p:tgtEl>
+                                        <p:attrNameLst>
+                                          <p:attrName>style.visibility</p:attrName>
+                                        </p:attrNameLst>
+                                      </p:cBhvr>
+                                      <p:to>
+                                        <p:strVal val="visible"/>
+                                      </p:to>
+                                    </p:set>
+                                  </p:childTnLst>
+                                </p:cTn>
+                              </p:par>
+                            </p:childTnLst>
+                          </p:cTn>
+                        </p:par>
+                      </p:childTnLst>
+                    </p:cTn>
+                  </p:par>
+                  <p:par>
+                    <p:cTn id="11" fill="hold">
+                      <p:stCondLst>
+                        <p:cond delay="indefinite"/>
+                      </p:stCondLst>
+                      <p:childTnLst>
+                        <p:par>
+                          <p:cTn id="12" fill="hold">
+                            <p:stCondLst>
+                              <p:cond delay="0"/>
+                            </p:stCondLst>
+                            <p:childTnLst>
+                              <p:par>
+                                <p:cTn id="13" presetID="1" presetClass="entr" presetSubtype="0" fill="hold" nodeType="clickEffect">
+                                  <p:stCondLst>
+                                    <p:cond delay="0"/>
+                                  </p:stCondLst>
+                                  <p:childTnLst>
+                                    <p:set>
+                                      <p:cBhvr>
+                                        <p:cTn id="14" dur="1" fill="hold">
+                                          <p:stCondLst>
+                                            <p:cond delay="0"/>
+                                          </p:stCondLst>
+                                        </p:cTn>
+                                        <p:tgtEl>
+                                          <p:spTgt spid="3">
+                                            <p:txEl>
+                                              <p:pRg st="3" end="3"/>
+                                            </p:txEl>
+                                          </p:spTgt>
+                                        </p:tgtEl>
+                                        <p:attrNameLst>
+                                          <p:attrName>style.visibility</p:attrName>
+                                        </p:attrNameLst>
+                                      </p:cBhvr>
+                                      <p:to>
+                                        <p:strVal val="visible"/>
+                                      </p:to>
+                                    </p:set>
+                                  </p:childTnLst>
+                                </p:cTn>
+                              </p:par>
+                            </p:childTnLst>
+                          </p:cTn>
+                        </p:par>
+                      </p:childTnLst>
+                    </p:cTn>
+                  </p:par>
+                  <p:par>
+                    <p:cTn id="15" fill="hold">
+                      <p:stCondLst>
+                        <p:cond delay="indefinite"/>
+                      </p:stCondLst>
+                      <p:childTnLst>
+                        <p:par>
+                          <p:cTn id="16" fill="hold">
+                            <p:stCondLst>
+                              <p:cond delay="0"/>
+                            </p:stCondLst>
+                            <p:childTnLst>
+                              <p:par>
+                                <p:cTn id="17" presetID="1" presetClass="entr" presetSubtype="0" fill="hold" nodeType="clickEffect">
+                                  <p:stCondLst>
+                                    <p:cond delay="0"/>
+                                  </p:stCondLst>
+                                  <p:childTnLst>
+                                    <p:set>
+                                      <p:cBhvr>
+                                        <p:cTn id="18" dur="1" fill="hold">
+                                          <p:stCondLst>
+                                            <p:cond delay="0"/>
+                                          </p:stCondLst>
+                                        </p:cTn>
+                                        <p:tgtEl>
+                                          <p:spTgt spid="3">
+                                            <p:txEl>
+                                              <p:pRg st="4" end="4"/>
+                                            </p:txEl>
+                                          </p:spTgt>
+                                        </p:tgtEl>
+                                        <p:attrNameLst>
+                                          <p:attrName>style.visibility</p:attrName>
+                                        </p:attrNameLst>
+                                      </p:cBhvr>
+                                      <p:to>
+                                        <p:strVal val="visible"/>
+                                      </p:to>
+                                    </p:set>
+                                  </p:childTnLst>
+                                </p:cTn>
+                              </p:par>
+                            </p:childTnLst>
+                          </p:cTn>
+                        </p:par>
+                      </p:childTnLst>
+                    </p:cTn>
+                  </p:par>
+                  <p:par>
+                    <p:cTn id="19" fill="hold">
+                      <p:stCondLst>
+                        <p:cond delay="indefinite"/>
+                      </p:stCondLst>
+                      <p:childTnLst>
+                        <p:par>
+                          <p:cTn id="20" fill="hold">
+                            <p:stCondLst>
+                              <p:cond delay="0"/>
+                            </p:stCondLst>
+                            <p:childTnLst>
+                              <p:par>
+                                <p:cTn id="21" presetID="1" presetClass="entr" presetSubtype="0" fill="hold" nodeType="clickEffect">
+                                  <p:stCondLst>
+                                    <p:cond delay="0"/>
+                                  </p:stCondLst>
+                                  <p:childTnLst>
+                                    <p:set>
+                                      <p:cBhvr>
+                                        <p:cTn id="22" dur="1" fill="hold">
+                                          <p:stCondLst>
+                                            <p:cond delay="0"/>
+                                          </p:stCondLst>
+                                        </p:cTn>
+                                        <p:tgtEl>
+                                          <p:spTgt spid="3">
+                                            <p:txEl>
+                                              <p:pRg st="5" end="5"/>
+                                            </p:txEl>
+                                          </p:spTgt>
+                                        </p:tgtEl>
+                                        <p:attrNameLst>
+                                          <p:attrName>style.visibility</p:attrName>
+                                        </p:attrNameLst>
+                                      </p:cBhvr>
+                                      <p:to>
+                                        <p:strVal val="visible"/>
+                                      </p:to>
+                                    </p:set>
+                                  </p:childTnLst>
+                                </p:cTn>
+                              </p:par>
+                            </p:childTnLst>
+                          </p:cTn>
+                        </p:par>
+                      </p:childTnLst>
+                    </p:cTn>
+                  </p:par>
+                  <p:par>
+                    <p:cTn id="23" fill="hold">
+                      <p:stCondLst>
+                        <p:cond delay="indefinite"/>
+                      </p:stCondLst>
+                      <p:childTnLst>
+                        <p:par>
+                          <p:cTn id="24" fill="hold">
+                            <p:stCondLst>
+                              <p:cond delay="0"/>
+                            </p:stCondLst>
+                            <p:childTnLst>
+                              <p:par>
+                                <p:cTn id="25" presetID="1" presetClass="entr" presetSubtype="0" fill="hold" nodeType="clickEffect">
+                                  <p:stCondLst>
+                                    <p:cond delay="0"/>
+                                  </p:stCondLst>
+                                  <p:childTnLst>
+                                    <p:set>
+                                      <p:cBhvr>
+                                        <p:cTn id="26" dur="1" fill="hold">
+                                          <p:stCondLst>
+                                            <p:cond delay="0"/>
+                                          </p:stCondLst>
+                                        </p:cTn>
+                                        <p:tgtEl>
+                                          <p:spTgt spid="3">
+                                            <p:txEl>
+                                              <p:pRg st="6" end="6"/>
+                                            </p:txEl>
+                                          </p:spTgt>
+                                        </p:tgtEl>
+                                        <p:attrNameLst>
+                                          <p:attrName>style.visibility</p:attrName>
+                                        </p:attrNameLst>
+                                      </p:cBhvr>
+                                      <p:to>
+                                        <p:strVal val="visible"/>
+                                      </p:to>
+                                    </p:set>
+                                  </p:childTnLst>
+                                </p:cTn>
+                              </p:par>
+                            </p:childTnLst>
+                          </p:cTn>
+                        </p:par>
+                      </p:childTnLst>
+                    </p:cTn>
+                  </p:par>
+                  <p:par>
+                    <p:cTn id="27" fill="hold">
+                      <p:stCondLst>
+                        <p:cond delay="indefinite"/>
+                      </p:stCondLst>
+                      <p:childTnLst>
+                        <p:par>
+                          <p:cTn id="28" fill="hold">
+                            <p:stCondLst>
+                              <p:cond delay="0"/>
+                            </p:stCondLst>
+                            <p:childTnLst>
+                              <p:par>
+                                <p:cTn id="29" presetID="1" presetClass="entr" presetSubtype="0" fill="hold" nodeType="clickEffect">
+                                  <p:stCondLst>
+                                    <p:cond delay="0"/>
+                                  </p:stCondLst>
+                                  <p:childTnLst>
+                                    <p:set>
+                                      <p:cBhvr>
+                                        <p:cTn id="30" dur="1" fill="hold">
+                                          <p:stCondLst>
+                                            <p:cond delay="0"/>
+                                          </p:stCondLst>
+                                        </p:cTn>
+                                        <p:tgtEl>
+                                          <p:spTgt spid="3">
+                                            <p:txEl>
+                                              <p:pRg st="7" end="7"/>
+                                            </p:txEl>
+                                          </p:spTgt>
+                                        </p:tgtEl>
+                                        <p:attrNameLst>
+                                          <p:attrName>style.visibility</p:attrName>
+                                        </p:attrNameLst>
+                                      </p:cBhvr>
+                                      <p:to>
+                                        <p:strVal val="visible"/>
+                                      </p:to>
+                                    </p:set>
+                                  </p:childTnLst>
+                                </p:cTn>
+                              </p:par>
+                            </p:childTnLst>
+                          </p:cTn>
+                        </p:par>
+                      </p:childTnLst>
+                    </p:cTn>
+                  </p:par>
+                  <p:par>
+                    <p:cTn id="31" fill="hold">
+                      <p:stCondLst>
+                        <p:cond delay="indefinite"/>
+                      </p:stCondLst>
+                      <p:childTnLst>
+                        <p:par>
+                          <p:cTn id="32" fill="hold">
+                            <p:stCondLst>
+                              <p:cond delay="0"/>
+                            </p:stCondLst>
+                            <p:childTnLst>
+                              <p:par>
+                                <p:cTn id="33" presetID="1" presetClass="entr" presetSubtype="0" fill="hold" nodeType="clickEffect">
+                                  <p:stCondLst>
+                                    <p:cond delay="0"/>
+                                  </p:stCondLst>
+                                  <p:childTnLst>
+                                    <p:set>
+                                      <p:cBhvr>
+                                        <p:cTn id="34" dur="1" fill="hold">
+                                          <p:stCondLst>
+                                            <p:cond delay="0"/>
+                                          </p:stCondLst>
+                                        </p:cTn>
+                                        <p:tgtEl>
+                                          <p:spTgt spid="3">
+                                            <p:txEl>
+                                              <p:pRg st="8" end="8"/>
+                                            </p:txEl>
+                                          </p:spTgt>
+                                        </p:tgtEl>
+                                        <p:attrNameLst>
+                                          <p:attrName>style.visibility</p:attrName>
+                                        </p:attrNameLst>
+                                      </p:cBhvr>
+                                      <p:to>
+                                        <p:strVal val="visible"/>
+                                      </p:to>
+                                    </p:set>
+                                  </p:childTnLst>
+                                </p:cTn>
+                              </p:par>
+                            </p:childTnLst>
+                          </p:cTn>
+                        </p:par>
+                      </p:childTnLst>
+                    </p:cTn>
+                  </p:par>
+                </p:childTnLst>
+              </p:cTn>
+              <p:prevCondLst>
+                <p:cond evt="onPrev" delay="0">
+                  <p:tgtEl>
+                    <p:sldTgt/>
+                  </p:tgtEl>
+                </p:cond>
+              </p:prevCondLst>
+              <p:nextCondLst>
+                <p:cond evt="onNext" delay="0">
+                  <p:tgtEl>
+                    <p:sldTgt/>
+                  </p:tgtEl>
+                </p:cond>
+              </p:nextCondLst>
+            </p:seq>
+          </p:childTnLst>
+        </p:cTn>
+      </p:par>
+    </p:tnLst>
+  </p:timing>
 </p:sld>
 </file>
 
@@ -34515,6 +38879,379 @@
   <p:clrMapOvr>
     <a:masterClrMapping/>
   </p:clrMapOvr>
+  <p:timing>
+    <p:tnLst>
+      <p:par>
+        <p:cTn id="1" dur="indefinite" restart="never" nodeType="tmRoot">
+          <p:childTnLst>
+            <p:seq concurrent="1" nextAc="seek">
+              <p:cTn id="2" dur="indefinite" nodeType="mainSeq">
+                <p:childTnLst>
+                  <p:par>
+                    <p:cTn id="3" fill="hold">
+                      <p:stCondLst>
+                        <p:cond delay="indefinite"/>
+                      </p:stCondLst>
+                      <p:childTnLst>
+                        <p:par>
+                          <p:cTn id="4" fill="hold">
+                            <p:stCondLst>
+                              <p:cond delay="0"/>
+                            </p:stCondLst>
+                            <p:childTnLst>
+                              <p:par>
+                                <p:cTn id="5" presetID="1" presetClass="entr" presetSubtype="0" fill="hold" nodeType="clickEffect">
+                                  <p:stCondLst>
+                                    <p:cond delay="0"/>
+                                  </p:stCondLst>
+                                  <p:childTnLst>
+                                    <p:set>
+                                      <p:cBhvr>
+                                        <p:cTn id="6" dur="1" fill="hold">
+                                          <p:stCondLst>
+                                            <p:cond delay="0"/>
+                                          </p:stCondLst>
+                                        </p:cTn>
+                                        <p:tgtEl>
+                                          <p:spTgt spid="3">
+                                            <p:txEl>
+                                              <p:pRg st="0" end="0"/>
+                                            </p:txEl>
+                                          </p:spTgt>
+                                        </p:tgtEl>
+                                        <p:attrNameLst>
+                                          <p:attrName>style.visibility</p:attrName>
+                                        </p:attrNameLst>
+                                      </p:cBhvr>
+                                      <p:to>
+                                        <p:strVal val="visible"/>
+                                      </p:to>
+                                    </p:set>
+                                  </p:childTnLst>
+                                </p:cTn>
+                              </p:par>
+                            </p:childTnLst>
+                          </p:cTn>
+                        </p:par>
+                      </p:childTnLst>
+                    </p:cTn>
+                  </p:par>
+                  <p:par>
+                    <p:cTn id="7" fill="hold">
+                      <p:stCondLst>
+                        <p:cond delay="indefinite"/>
+                      </p:stCondLst>
+                      <p:childTnLst>
+                        <p:par>
+                          <p:cTn id="8" fill="hold">
+                            <p:stCondLst>
+                              <p:cond delay="0"/>
+                            </p:stCondLst>
+                            <p:childTnLst>
+                              <p:par>
+                                <p:cTn id="9" presetID="1" presetClass="entr" presetSubtype="0" fill="hold" nodeType="clickEffect">
+                                  <p:stCondLst>
+                                    <p:cond delay="0"/>
+                                  </p:stCondLst>
+                                  <p:childTnLst>
+                                    <p:set>
+                                      <p:cBhvr>
+                                        <p:cTn id="10" dur="1" fill="hold">
+                                          <p:stCondLst>
+                                            <p:cond delay="0"/>
+                                          </p:stCondLst>
+                                        </p:cTn>
+                                        <p:tgtEl>
+                                          <p:spTgt spid="3">
+                                            <p:txEl>
+                                              <p:pRg st="1" end="1"/>
+                                            </p:txEl>
+                                          </p:spTgt>
+                                        </p:tgtEl>
+                                        <p:attrNameLst>
+                                          <p:attrName>style.visibility</p:attrName>
+                                        </p:attrNameLst>
+                                      </p:cBhvr>
+                                      <p:to>
+                                        <p:strVal val="visible"/>
+                                      </p:to>
+                                    </p:set>
+                                  </p:childTnLst>
+                                </p:cTn>
+                              </p:par>
+                            </p:childTnLst>
+                          </p:cTn>
+                        </p:par>
+                      </p:childTnLst>
+                    </p:cTn>
+                  </p:par>
+                  <p:par>
+                    <p:cTn id="11" fill="hold">
+                      <p:stCondLst>
+                        <p:cond delay="indefinite"/>
+                      </p:stCondLst>
+                      <p:childTnLst>
+                        <p:par>
+                          <p:cTn id="12" fill="hold">
+                            <p:stCondLst>
+                              <p:cond delay="0"/>
+                            </p:stCondLst>
+                            <p:childTnLst>
+                              <p:par>
+                                <p:cTn id="13" presetID="1" presetClass="entr" presetSubtype="0" fill="hold" nodeType="clickEffect">
+                                  <p:stCondLst>
+                                    <p:cond delay="0"/>
+                                  </p:stCondLst>
+                                  <p:childTnLst>
+                                    <p:set>
+                                      <p:cBhvr>
+                                        <p:cTn id="14" dur="1" fill="hold">
+                                          <p:stCondLst>
+                                            <p:cond delay="0"/>
+                                          </p:stCondLst>
+                                        </p:cTn>
+                                        <p:tgtEl>
+                                          <p:spTgt spid="3">
+                                            <p:txEl>
+                                              <p:pRg st="2" end="2"/>
+                                            </p:txEl>
+                                          </p:spTgt>
+                                        </p:tgtEl>
+                                        <p:attrNameLst>
+                                          <p:attrName>style.visibility</p:attrName>
+                                        </p:attrNameLst>
+                                      </p:cBhvr>
+                                      <p:to>
+                                        <p:strVal val="visible"/>
+                                      </p:to>
+                                    </p:set>
+                                  </p:childTnLst>
+                                </p:cTn>
+                              </p:par>
+                            </p:childTnLst>
+                          </p:cTn>
+                        </p:par>
+                      </p:childTnLst>
+                    </p:cTn>
+                  </p:par>
+                  <p:par>
+                    <p:cTn id="15" fill="hold">
+                      <p:stCondLst>
+                        <p:cond delay="indefinite"/>
+                      </p:stCondLst>
+                      <p:childTnLst>
+                        <p:par>
+                          <p:cTn id="16" fill="hold">
+                            <p:stCondLst>
+                              <p:cond delay="0"/>
+                            </p:stCondLst>
+                            <p:childTnLst>
+                              <p:par>
+                                <p:cTn id="17" presetID="1" presetClass="entr" presetSubtype="0" fill="hold" nodeType="clickEffect">
+                                  <p:stCondLst>
+                                    <p:cond delay="0"/>
+                                  </p:stCondLst>
+                                  <p:childTnLst>
+                                    <p:set>
+                                      <p:cBhvr>
+                                        <p:cTn id="18" dur="1" fill="hold">
+                                          <p:stCondLst>
+                                            <p:cond delay="0"/>
+                                          </p:stCondLst>
+                                        </p:cTn>
+                                        <p:tgtEl>
+                                          <p:spTgt spid="3">
+                                            <p:txEl>
+                                              <p:pRg st="3" end="3"/>
+                                            </p:txEl>
+                                          </p:spTgt>
+                                        </p:tgtEl>
+                                        <p:attrNameLst>
+                                          <p:attrName>style.visibility</p:attrName>
+                                        </p:attrNameLst>
+                                      </p:cBhvr>
+                                      <p:to>
+                                        <p:strVal val="visible"/>
+                                      </p:to>
+                                    </p:set>
+                                  </p:childTnLst>
+                                </p:cTn>
+                              </p:par>
+                            </p:childTnLst>
+                          </p:cTn>
+                        </p:par>
+                      </p:childTnLst>
+                    </p:cTn>
+                  </p:par>
+                  <p:par>
+                    <p:cTn id="19" fill="hold">
+                      <p:stCondLst>
+                        <p:cond delay="indefinite"/>
+                      </p:stCondLst>
+                      <p:childTnLst>
+                        <p:par>
+                          <p:cTn id="20" fill="hold">
+                            <p:stCondLst>
+                              <p:cond delay="0"/>
+                            </p:stCondLst>
+                            <p:childTnLst>
+                              <p:par>
+                                <p:cTn id="21" presetID="1" presetClass="entr" presetSubtype="0" fill="hold" nodeType="clickEffect">
+                                  <p:stCondLst>
+                                    <p:cond delay="0"/>
+                                  </p:stCondLst>
+                                  <p:childTnLst>
+                                    <p:set>
+                                      <p:cBhvr>
+                                        <p:cTn id="22" dur="1" fill="hold">
+                                          <p:stCondLst>
+                                            <p:cond delay="0"/>
+                                          </p:stCondLst>
+                                        </p:cTn>
+                                        <p:tgtEl>
+                                          <p:spTgt spid="3">
+                                            <p:txEl>
+                                              <p:pRg st="4" end="4"/>
+                                            </p:txEl>
+                                          </p:spTgt>
+                                        </p:tgtEl>
+                                        <p:attrNameLst>
+                                          <p:attrName>style.visibility</p:attrName>
+                                        </p:attrNameLst>
+                                      </p:cBhvr>
+                                      <p:to>
+                                        <p:strVal val="visible"/>
+                                      </p:to>
+                                    </p:set>
+                                  </p:childTnLst>
+                                </p:cTn>
+                              </p:par>
+                            </p:childTnLst>
+                          </p:cTn>
+                        </p:par>
+                      </p:childTnLst>
+                    </p:cTn>
+                  </p:par>
+                  <p:par>
+                    <p:cTn id="23" fill="hold">
+                      <p:stCondLst>
+                        <p:cond delay="indefinite"/>
+                      </p:stCondLst>
+                      <p:childTnLst>
+                        <p:par>
+                          <p:cTn id="24" fill="hold">
+                            <p:stCondLst>
+                              <p:cond delay="0"/>
+                            </p:stCondLst>
+                            <p:childTnLst>
+                              <p:par>
+                                <p:cTn id="25" presetID="1" presetClass="entr" presetSubtype="0" fill="hold" nodeType="clickEffect">
+                                  <p:stCondLst>
+                                    <p:cond delay="0"/>
+                                  </p:stCondLst>
+                                  <p:childTnLst>
+                                    <p:set>
+                                      <p:cBhvr>
+                                        <p:cTn id="26" dur="1" fill="hold">
+                                          <p:stCondLst>
+                                            <p:cond delay="0"/>
+                                          </p:stCondLst>
+                                        </p:cTn>
+                                        <p:tgtEl>
+                                          <p:spTgt spid="3">
+                                            <p:txEl>
+                                              <p:pRg st="5" end="5"/>
+                                            </p:txEl>
+                                          </p:spTgt>
+                                        </p:tgtEl>
+                                        <p:attrNameLst>
+                                          <p:attrName>style.visibility</p:attrName>
+                                        </p:attrNameLst>
+                                      </p:cBhvr>
+                                      <p:to>
+                                        <p:strVal val="visible"/>
+                                      </p:to>
+                                    </p:set>
+                                  </p:childTnLst>
+                                </p:cTn>
+                              </p:par>
+                            </p:childTnLst>
+                          </p:cTn>
+                        </p:par>
+                      </p:childTnLst>
+                    </p:cTn>
+                  </p:par>
+                  <p:par>
+                    <p:cTn id="27" fill="hold">
+                      <p:stCondLst>
+                        <p:cond delay="indefinite"/>
+                      </p:stCondLst>
+                      <p:childTnLst>
+                        <p:par>
+                          <p:cTn id="28" fill="hold">
+                            <p:stCondLst>
+                              <p:cond delay="0"/>
+                            </p:stCondLst>
+                            <p:childTnLst>
+                              <p:par>
+                                <p:cTn id="29" presetID="1" presetClass="entr" presetSubtype="0" fill="hold" nodeType="clickEffect">
+                                  <p:stCondLst>
+                                    <p:cond delay="0"/>
+                                  </p:stCondLst>
+                                  <p:childTnLst>
+                                    <p:set>
+                                      <p:cBhvr>
+                                        <p:cTn id="30" dur="1" fill="hold">
+                                          <p:stCondLst>
+                                            <p:cond delay="0"/>
+                                          </p:stCondLst>
+                                        </p:cTn>
+                                        <p:tgtEl>
+                                          <p:spTgt spid="3">
+                                            <p:txEl>
+                                              <p:pRg st="6" end="6"/>
+                                            </p:txEl>
+                                          </p:spTgt>
+                                        </p:tgtEl>
+                                        <p:attrNameLst>
+                                          <p:attrName>style.visibility</p:attrName>
+                                        </p:attrNameLst>
+                                      </p:cBhvr>
+                                      <p:to>
+                                        <p:strVal val="visible"/>
+                                      </p:to>
+                                    </p:set>
+                                  </p:childTnLst>
+                                </p:cTn>
+                              </p:par>
+                            </p:childTnLst>
+                          </p:cTn>
+                        </p:par>
+                      </p:childTnLst>
+                    </p:cTn>
+                  </p:par>
+                </p:childTnLst>
+              </p:cTn>
+              <p:prevCondLst>
+                <p:cond evt="onPrev" delay="0">
+                  <p:tgtEl>
+                    <p:sldTgt/>
+                  </p:tgtEl>
+                </p:cond>
+              </p:prevCondLst>
+              <p:nextCondLst>
+                <p:cond evt="onNext" delay="0">
+                  <p:tgtEl>
+                    <p:sldTgt/>
+                  </p:tgtEl>
+                </p:cond>
+              </p:nextCondLst>
+            </p:seq>
+          </p:childTnLst>
+        </p:cTn>
+      </p:par>
+    </p:tnLst>
+  </p:timing>
 </p:sld>
 </file>
 
